--- a/07-AdvancedTopics/07-AdvancedTopics.pptx
+++ b/07-AdvancedTopics/07-AdvancedTopics.pptx
@@ -5,18 +5,25 @@
     <p:sldMasterId id="2147483660" r:id="rId4"/>
   </p:sldMasterIdLst>
   <p:notesMasterIdLst>
-    <p:notesMasterId r:id="rId11"/>
+    <p:notesMasterId r:id="rId18"/>
   </p:notesMasterIdLst>
   <p:handoutMasterIdLst>
-    <p:handoutMasterId r:id="rId12"/>
+    <p:handoutMasterId r:id="rId19"/>
   </p:handoutMasterIdLst>
   <p:sldIdLst>
     <p:sldId id="277" r:id="rId5"/>
     <p:sldId id="278" r:id="rId6"/>
     <p:sldId id="279" r:id="rId7"/>
-    <p:sldId id="280" r:id="rId8"/>
-    <p:sldId id="281" r:id="rId9"/>
-    <p:sldId id="269" r:id="rId10"/>
+    <p:sldId id="286" r:id="rId8"/>
+    <p:sldId id="285" r:id="rId9"/>
+    <p:sldId id="280" r:id="rId10"/>
+    <p:sldId id="282" r:id="rId11"/>
+    <p:sldId id="283" r:id="rId12"/>
+    <p:sldId id="281" r:id="rId13"/>
+    <p:sldId id="288" r:id="rId14"/>
+    <p:sldId id="289" r:id="rId15"/>
+    <p:sldId id="287" r:id="rId16"/>
+    <p:sldId id="269" r:id="rId17"/>
   </p:sldIdLst>
   <p:sldSz cx="12192000" cy="6858000"/>
   <p:notesSz cx="6858000" cy="9144000"/>
@@ -814,6 +821,228 @@
     <p:extLst>
       <p:ext uri="{BB962C8B-B14F-4D97-AF65-F5344CB8AC3E}">
         <p14:creationId xmlns:p14="http://schemas.microsoft.com/office/powerpoint/2010/main" val="1542757562"/>
+      </p:ext>
+    </p:extLst>
+  </p:cSld>
+  <p:clrMapOvr>
+    <a:masterClrMapping/>
+  </p:clrMapOvr>
+</p:notes>
+</file>
+
+<file path=ppt/notesSlides/notesSlide3.xml><?xml version="1.0" encoding="utf-8"?>
+<p:notes xmlns:a="http://schemas.openxmlformats.org/drawingml/2006/main" xmlns:r="http://schemas.openxmlformats.org/officeDocument/2006/relationships" xmlns:p="http://schemas.openxmlformats.org/presentationml/2006/main">
+  <p:cSld>
+    <p:spTree>
+      <p:nvGrpSpPr>
+        <p:cNvPr id="1" name=""/>
+        <p:cNvGrpSpPr/>
+        <p:nvPr/>
+      </p:nvGrpSpPr>
+      <p:grpSpPr>
+        <a:xfrm>
+          <a:off x="0" y="0"/>
+          <a:ext cx="0" cy="0"/>
+          <a:chOff x="0" y="0"/>
+          <a:chExt cx="0" cy="0"/>
+        </a:xfrm>
+      </p:grpSpPr>
+      <p:sp>
+        <p:nvSpPr>
+          <p:cNvPr id="2" name="Slide Image Placeholder 1"/>
+          <p:cNvSpPr>
+            <a:spLocks noGrp="1" noRot="1" noChangeAspect="1"/>
+          </p:cNvSpPr>
+          <p:nvPr>
+            <p:ph type="sldImg"/>
+          </p:nvPr>
+        </p:nvSpPr>
+        <p:spPr>
+          <a:xfrm>
+            <a:off x="381000" y="685800"/>
+            <a:ext cx="6096000" cy="3429000"/>
+          </a:xfrm>
+        </p:spPr>
+      </p:sp>
+      <p:sp>
+        <p:nvSpPr>
+          <p:cNvPr id="3" name="Notes Placeholder 2"/>
+          <p:cNvSpPr>
+            <a:spLocks noGrp="1"/>
+          </p:cNvSpPr>
+          <p:nvPr>
+            <p:ph type="body" idx="1"/>
+          </p:nvPr>
+        </p:nvSpPr>
+        <p:spPr/>
+        <p:txBody>
+          <a:bodyPr/>
+          <a:lstStyle/>
+          <a:p>
+            <a:r>
+              <a:rPr lang="en-US" sz="900" b="1" kern="1200" dirty="0" smtClean="0">
+                <a:solidFill>
+                  <a:schemeClr val="tx1"/>
+                </a:solidFill>
+                <a:effectLst/>
+                <a:latin typeface="Segoe UI" pitchFamily="34" charset="0"/>
+                <a:ea typeface="+mn-ea"/>
+                <a:cs typeface="+mn-cs"/>
+              </a:rPr>
+              <a:t>Slide Objectives:</a:t>
+            </a:r>
+            <a:endParaRPr lang="en-US" sz="900" kern="1200" dirty="0" smtClean="0">
+              <a:solidFill>
+                <a:schemeClr val="tx1"/>
+              </a:solidFill>
+              <a:effectLst/>
+              <a:latin typeface="Segoe UI" pitchFamily="34" charset="0"/>
+              <a:ea typeface="+mn-ea"/>
+              <a:cs typeface="+mn-cs"/>
+            </a:endParaRPr>
+          </a:p>
+          <a:p>
+            <a:pPr marL="171450" lvl="0" indent="-171450">
+              <a:buFont typeface="Arial" pitchFamily="34" charset="0"/>
+              <a:buChar char="•"/>
+            </a:pPr>
+            <a:r>
+              <a:rPr lang="en-US" sz="900" kern="1200" dirty="0" smtClean="0">
+                <a:solidFill>
+                  <a:schemeClr val="tx1"/>
+                </a:solidFill>
+                <a:effectLst/>
+                <a:latin typeface="Segoe UI" pitchFamily="34" charset="0"/>
+                <a:ea typeface="+mn-ea"/>
+                <a:cs typeface="+mn-cs"/>
+              </a:rPr>
+              <a:t>Overview of Service Bus capabilities</a:t>
+            </a:r>
+          </a:p>
+          <a:p>
+            <a:pPr marL="0" lvl="0" indent="0">
+              <a:buFont typeface="Arial" pitchFamily="34" charset="0"/>
+              <a:buNone/>
+            </a:pPr>
+            <a:endParaRPr lang="en-US" sz="900" kern="1200" dirty="0" smtClean="0">
+              <a:solidFill>
+                <a:schemeClr val="tx1"/>
+              </a:solidFill>
+              <a:effectLst/>
+              <a:latin typeface="Segoe UI" pitchFamily="34" charset="0"/>
+              <a:ea typeface="+mn-ea"/>
+              <a:cs typeface="+mn-cs"/>
+            </a:endParaRPr>
+          </a:p>
+          <a:p>
+            <a:r>
+              <a:rPr lang="en-US" sz="900" b="1" kern="1200" dirty="0" smtClean="0">
+                <a:solidFill>
+                  <a:schemeClr val="tx1"/>
+                </a:solidFill>
+                <a:effectLst/>
+                <a:latin typeface="Segoe UI" pitchFamily="34" charset="0"/>
+                <a:ea typeface="+mn-ea"/>
+                <a:cs typeface="+mn-cs"/>
+              </a:rPr>
+              <a:t>Speaking Points:</a:t>
+            </a:r>
+            <a:endParaRPr lang="en-US" sz="900" kern="1200" dirty="0" smtClean="0">
+              <a:solidFill>
+                <a:schemeClr val="tx1"/>
+              </a:solidFill>
+              <a:effectLst/>
+              <a:latin typeface="Segoe UI" pitchFamily="34" charset="0"/>
+              <a:ea typeface="+mn-ea"/>
+              <a:cs typeface="+mn-cs"/>
+            </a:endParaRPr>
+          </a:p>
+          <a:p>
+            <a:pPr marL="171450" lvl="0" indent="-171450">
+              <a:buFont typeface="Arial" pitchFamily="34" charset="0"/>
+              <a:buChar char="•"/>
+            </a:pPr>
+            <a:r>
+              <a:rPr lang="en-US" sz="900" kern="1200" dirty="0" smtClean="0">
+                <a:solidFill>
+                  <a:schemeClr val="tx1"/>
+                </a:solidFill>
+                <a:effectLst/>
+                <a:latin typeface="Segoe UI" pitchFamily="34" charset="0"/>
+                <a:ea typeface="+mn-ea"/>
+                <a:cs typeface="+mn-cs"/>
+              </a:rPr>
+              <a:t>Think Service Bus as a federation infrastructure</a:t>
+            </a:r>
+            <a:r>
+              <a:rPr lang="en-US" sz="900" kern="1200" baseline="0" dirty="0" smtClean="0">
+                <a:solidFill>
+                  <a:schemeClr val="tx1"/>
+                </a:solidFill>
+                <a:effectLst/>
+                <a:latin typeface="Segoe UI" pitchFamily="34" charset="0"/>
+                <a:ea typeface="+mn-ea"/>
+                <a:cs typeface="+mn-cs"/>
+              </a:rPr>
+              <a:t> for building loosely-coupled hybrid applications.</a:t>
+            </a:r>
+            <a:endParaRPr lang="en-US" sz="900" kern="1200" dirty="0" smtClean="0">
+              <a:solidFill>
+                <a:schemeClr val="tx1"/>
+              </a:solidFill>
+              <a:effectLst/>
+              <a:latin typeface="Segoe UI" pitchFamily="34" charset="0"/>
+              <a:ea typeface="+mn-ea"/>
+              <a:cs typeface="+mn-cs"/>
+            </a:endParaRPr>
+          </a:p>
+          <a:p>
+            <a:pPr marL="171450" lvl="0" indent="-171450">
+              <a:buFont typeface="Arial" pitchFamily="34" charset="0"/>
+              <a:buChar char="•"/>
+            </a:pPr>
+            <a:r>
+              <a:rPr lang="en-US" sz="900" kern="1200" dirty="0" smtClean="0">
+                <a:solidFill>
+                  <a:schemeClr val="tx1"/>
+                </a:solidFill>
+                <a:effectLst/>
+                <a:latin typeface="Segoe UI" pitchFamily="34" charset="0"/>
+                <a:ea typeface="+mn-ea"/>
+                <a:cs typeface="+mn-cs"/>
+              </a:rPr>
+              <a:t>Infrastructure for connectivity, for messaging, for integration.</a:t>
+            </a:r>
+          </a:p>
+        </p:txBody>
+      </p:sp>
+      <p:sp>
+        <p:nvSpPr>
+          <p:cNvPr id="4" name="Slide Number Placeholder 3"/>
+          <p:cNvSpPr>
+            <a:spLocks noGrp="1"/>
+          </p:cNvSpPr>
+          <p:nvPr>
+            <p:ph type="sldNum" sz="quarter" idx="10"/>
+          </p:nvPr>
+        </p:nvSpPr>
+        <p:spPr/>
+        <p:txBody>
+          <a:bodyPr/>
+          <a:lstStyle/>
+          <a:p>
+            <a:fld id="{82AABF77-E2E4-44CA-BA5C-65E132CF08D8}" type="slidenum">
+              <a:rPr lang="en-US" smtClean="0"/>
+              <a:t>10</a:t>
+            </a:fld>
+            <a:endParaRPr lang="en-US" dirty="0"/>
+          </a:p>
+        </p:txBody>
+      </p:sp>
+    </p:spTree>
+    <p:extLst>
+      <p:ext uri="{BB962C8B-B14F-4D97-AF65-F5344CB8AC3E}">
+        <p14:creationId xmlns:p14="http://schemas.microsoft.com/office/powerpoint/2010/main" val="1783850595"/>
       </p:ext>
     </p:extLst>
   </p:cSld>
@@ -3449,7 +3678,7 @@
             </a:r>
             <a:r>
               <a:rPr lang="en-US" dirty="0" smtClean="0"/>
-              <a:t>Advanced Topics</a:t>
+              <a:t>Advanced WCF Topics</a:t>
             </a:r>
             <a:endParaRPr lang="en-US" dirty="0"/>
           </a:p>
@@ -3521,6 +3750,3910 @@
 </p:sld>
 </file>
 
+<file path=ppt/slides/slide10.xml><?xml version="1.0" encoding="utf-8"?>
+<p:sld xmlns:a="http://schemas.openxmlformats.org/drawingml/2006/main" xmlns:r="http://schemas.openxmlformats.org/officeDocument/2006/relationships" xmlns:p="http://schemas.openxmlformats.org/presentationml/2006/main">
+  <p:cSld>
+    <p:spTree>
+      <p:nvGrpSpPr>
+        <p:cNvPr id="1" name=""/>
+        <p:cNvGrpSpPr/>
+        <p:nvPr/>
+      </p:nvGrpSpPr>
+      <p:grpSpPr>
+        <a:xfrm>
+          <a:off x="0" y="0"/>
+          <a:ext cx="0" cy="0"/>
+          <a:chOff x="0" y="0"/>
+          <a:chExt cx="0" cy="0"/>
+        </a:xfrm>
+      </p:grpSpPr>
+      <p:sp>
+        <p:nvSpPr>
+          <p:cNvPr id="2" name="Title 1"/>
+          <p:cNvSpPr>
+            <a:spLocks noGrp="1"/>
+          </p:cNvSpPr>
+          <p:nvPr>
+            <p:ph type="title"/>
+          </p:nvPr>
+        </p:nvSpPr>
+        <p:spPr/>
+        <p:txBody>
+          <a:bodyPr/>
+          <a:lstStyle/>
+          <a:p>
+            <a:r>
+              <a:rPr lang="en-US" smtClean="0"/>
+              <a:t>Service Bus</a:t>
+            </a:r>
+            <a:endParaRPr lang="en-US" dirty="0"/>
+          </a:p>
+        </p:txBody>
+      </p:sp>
+      <p:cxnSp>
+        <p:nvCxnSpPr>
+          <p:cNvPr id="62" name="Straight Connector 61"/>
+          <p:cNvCxnSpPr/>
+          <p:nvPr/>
+        </p:nvCxnSpPr>
+        <p:spPr>
+          <a:xfrm flipV="1">
+            <a:off x="7138599" y="3251519"/>
+            <a:ext cx="4924815" cy="1"/>
+          </a:xfrm>
+          <a:prstGeom prst="line">
+            <a:avLst/>
+          </a:prstGeom>
+          <a:ln>
+            <a:solidFill>
+              <a:schemeClr val="accent1"/>
+            </a:solidFill>
+          </a:ln>
+        </p:spPr>
+        <p:style>
+          <a:lnRef idx="1">
+            <a:schemeClr val="accent1"/>
+          </a:lnRef>
+          <a:fillRef idx="0">
+            <a:schemeClr val="accent1"/>
+          </a:fillRef>
+          <a:effectRef idx="0">
+            <a:schemeClr val="accent1"/>
+          </a:effectRef>
+          <a:fontRef idx="minor">
+            <a:schemeClr val="tx1"/>
+          </a:fontRef>
+        </p:style>
+      </p:cxnSp>
+      <p:cxnSp>
+        <p:nvCxnSpPr>
+          <p:cNvPr id="63" name="Straight Connector 62"/>
+          <p:cNvCxnSpPr/>
+          <p:nvPr/>
+        </p:nvCxnSpPr>
+        <p:spPr>
+          <a:xfrm>
+            <a:off x="123237" y="3883194"/>
+            <a:ext cx="4930166" cy="11091"/>
+          </a:xfrm>
+          <a:prstGeom prst="line">
+            <a:avLst/>
+          </a:prstGeom>
+          <a:ln>
+            <a:solidFill>
+              <a:schemeClr val="accent1"/>
+            </a:solidFill>
+          </a:ln>
+        </p:spPr>
+        <p:style>
+          <a:lnRef idx="1">
+            <a:schemeClr val="accent1"/>
+          </a:lnRef>
+          <a:fillRef idx="0">
+            <a:schemeClr val="accent1"/>
+          </a:fillRef>
+          <a:effectRef idx="0">
+            <a:schemeClr val="accent1"/>
+          </a:effectRef>
+          <a:fontRef idx="minor">
+            <a:schemeClr val="tx1"/>
+          </a:fontRef>
+        </p:style>
+      </p:cxnSp>
+      <p:cxnSp>
+        <p:nvCxnSpPr>
+          <p:cNvPr id="64" name="Straight Connector 63"/>
+          <p:cNvCxnSpPr/>
+          <p:nvPr/>
+        </p:nvCxnSpPr>
+        <p:spPr>
+          <a:xfrm flipV="1">
+            <a:off x="7138599" y="4775781"/>
+            <a:ext cx="4924815" cy="23514"/>
+          </a:xfrm>
+          <a:prstGeom prst="line">
+            <a:avLst/>
+          </a:prstGeom>
+          <a:ln>
+            <a:solidFill>
+              <a:schemeClr val="accent1"/>
+            </a:solidFill>
+          </a:ln>
+        </p:spPr>
+        <p:style>
+          <a:lnRef idx="1">
+            <a:schemeClr val="accent1"/>
+          </a:lnRef>
+          <a:fillRef idx="0">
+            <a:schemeClr val="accent1"/>
+          </a:fillRef>
+          <a:effectRef idx="0">
+            <a:schemeClr val="accent1"/>
+          </a:effectRef>
+          <a:fontRef idx="minor">
+            <a:schemeClr val="tx1"/>
+          </a:fontRef>
+        </p:style>
+      </p:cxnSp>
+      <p:cxnSp>
+        <p:nvCxnSpPr>
+          <p:cNvPr id="65" name="Straight Connector 64"/>
+          <p:cNvCxnSpPr/>
+          <p:nvPr/>
+        </p:nvCxnSpPr>
+        <p:spPr>
+          <a:xfrm flipV="1">
+            <a:off x="7138599" y="6256413"/>
+            <a:ext cx="4924815" cy="13206"/>
+          </a:xfrm>
+          <a:prstGeom prst="line">
+            <a:avLst/>
+          </a:prstGeom>
+          <a:ln>
+            <a:solidFill>
+              <a:schemeClr val="accent1"/>
+            </a:solidFill>
+          </a:ln>
+        </p:spPr>
+        <p:style>
+          <a:lnRef idx="1">
+            <a:schemeClr val="accent1"/>
+          </a:lnRef>
+          <a:fillRef idx="0">
+            <a:schemeClr val="accent1"/>
+          </a:fillRef>
+          <a:effectRef idx="0">
+            <a:schemeClr val="accent1"/>
+          </a:effectRef>
+          <a:fontRef idx="minor">
+            <a:schemeClr val="tx1"/>
+          </a:fontRef>
+        </p:style>
+      </p:cxnSp>
+      <p:pic>
+        <p:nvPicPr>
+          <p:cNvPr id="51" name="Picture 50"/>
+          <p:cNvPicPr>
+            <a:picLocks noChangeAspect="1"/>
+          </p:cNvPicPr>
+          <p:nvPr/>
+        </p:nvPicPr>
+        <p:blipFill>
+          <a:blip r:embed="rId6" cstate="print">
+            <a:extLst>
+              <a:ext uri="{BEBA8EAE-BF5A-486C-A8C5-ECC9F3942E4B}">
+                <a14:imgProps xmlns:a14="http://schemas.microsoft.com/office/drawing/2010/main">
+                  <a14:imgLayer r:embed="rId7">
+                    <a14:imgEffect>
+                      <a14:brightnessContrast bright="40000" contrast="-20000"/>
+                    </a14:imgEffect>
+                  </a14:imgLayer>
+                </a14:imgProps>
+              </a:ext>
+              <a:ext uri="{28A0092B-C50C-407E-A947-70E740481C1C}">
+                <a14:useLocalDpi xmlns:a14="http://schemas.microsoft.com/office/drawing/2010/main" val="0"/>
+              </a:ext>
+            </a:extLst>
+          </a:blip>
+          <a:stretch>
+            <a:fillRect/>
+          </a:stretch>
+        </p:blipFill>
+        <p:spPr>
+          <a:xfrm>
+            <a:off x="520257" y="6372547"/>
+            <a:ext cx="1681921" cy="195501"/>
+          </a:xfrm>
+          <a:prstGeom prst="rect">
+            <a:avLst/>
+          </a:prstGeom>
+        </p:spPr>
+      </p:pic>
+      <p:grpSp>
+        <p:nvGrpSpPr>
+          <p:cNvPr id="29" name="Group 28"/>
+          <p:cNvGrpSpPr/>
+          <p:nvPr/>
+        </p:nvGrpSpPr>
+        <p:grpSpPr>
+          <a:xfrm>
+            <a:off x="6357322" y="1708681"/>
+            <a:ext cx="4104010" cy="1367599"/>
+            <a:chOff x="5770353" y="351148"/>
+            <a:chExt cx="4104010" cy="1367599"/>
+          </a:xfrm>
+        </p:grpSpPr>
+        <p:grpSp>
+          <p:nvGrpSpPr>
+            <p:cNvPr id="57" name="Group 56"/>
+            <p:cNvGrpSpPr/>
+            <p:nvPr/>
+          </p:nvGrpSpPr>
+          <p:grpSpPr>
+            <a:xfrm>
+              <a:off x="6828556" y="351148"/>
+              <a:ext cx="3045807" cy="1367599"/>
+              <a:chOff x="342904" y="1145539"/>
+              <a:chExt cx="3045807" cy="1367599"/>
+            </a:xfrm>
+          </p:grpSpPr>
+          <p:sp>
+            <p:nvSpPr>
+              <p:cNvPr id="15" name="TextBox 14"/>
+              <p:cNvSpPr txBox="1"/>
+              <p:nvPr/>
+            </p:nvSpPr>
+            <p:spPr>
+              <a:xfrm>
+                <a:off x="342904" y="1145539"/>
+                <a:ext cx="3045807" cy="843304"/>
+              </a:xfrm>
+              <a:prstGeom prst="rect">
+                <a:avLst/>
+              </a:prstGeom>
+              <a:noFill/>
+              <a:ln>
+                <a:noFill/>
+              </a:ln>
+            </p:spPr>
+            <p:txBody>
+              <a:bodyPr wrap="square" lIns="0" tIns="45718" rIns="0" bIns="45718" rtlCol="0">
+                <a:spAutoFit/>
+              </a:bodyPr>
+              <a:lstStyle/>
+              <a:p>
+                <a:pPr>
+                  <a:lnSpc>
+                    <a:spcPct val="90000"/>
+                  </a:lnSpc>
+                  <a:spcBef>
+                    <a:spcPct val="20000"/>
+                  </a:spcBef>
+                </a:pPr>
+                <a:r>
+                  <a:rPr lang="en-US" sz="2000" dirty="0">
+                    <a:solidFill>
+                      <a:srgbClr val="3C454F"/>
+                    </a:solidFill>
+                    <a:latin typeface="Segoe UI" pitchFamily="34" charset="0"/>
+                    <a:ea typeface="Segoe UI" pitchFamily="34" charset="0"/>
+                    <a:cs typeface="Segoe UI" pitchFamily="34" charset="0"/>
+                  </a:rPr>
+                  <a:t>Connectivity</a:t>
+                </a:r>
+              </a:p>
+              <a:p>
+                <a:pPr>
+                  <a:lnSpc>
+                    <a:spcPct val="90000"/>
+                  </a:lnSpc>
+                  <a:spcBef>
+                    <a:spcPct val="20000"/>
+                  </a:spcBef>
+                </a:pPr>
+                <a:r>
+                  <a:rPr lang="en-US" sz="1400" dirty="0">
+                    <a:solidFill>
+                      <a:srgbClr val="3C454F"/>
+                    </a:solidFill>
+                    <a:latin typeface="Segoe UI" pitchFamily="34" charset="0"/>
+                    <a:ea typeface="Segoe UI" pitchFamily="34" charset="0"/>
+                    <a:cs typeface="Segoe UI" pitchFamily="34" charset="0"/>
+                  </a:rPr>
+                  <a:t>Service Relay</a:t>
+                </a:r>
+              </a:p>
+              <a:p>
+                <a:pPr>
+                  <a:lnSpc>
+                    <a:spcPct val="90000"/>
+                  </a:lnSpc>
+                  <a:spcBef>
+                    <a:spcPct val="20000"/>
+                  </a:spcBef>
+                </a:pPr>
+                <a:r>
+                  <a:rPr lang="en-US" sz="1400" dirty="0">
+                    <a:solidFill>
+                      <a:srgbClr val="3C454F"/>
+                    </a:solidFill>
+                    <a:latin typeface="Segoe UI" pitchFamily="34" charset="0"/>
+                    <a:ea typeface="Segoe UI" pitchFamily="34" charset="0"/>
+                    <a:cs typeface="Segoe UI" pitchFamily="34" charset="0"/>
+                  </a:rPr>
+                  <a:t>Protocol Tunnel </a:t>
+                </a:r>
+                <a:r>
+                  <a:rPr lang="en-US" sz="1400" dirty="0">
+                    <a:solidFill>
+                      <a:srgbClr val="3C454F"/>
+                    </a:solidFill>
+                    <a:latin typeface="Segoe UI" pitchFamily="34" charset="0"/>
+                    <a:ea typeface="Segoe UI" pitchFamily="34" charset="0"/>
+                    <a:cs typeface="Segoe UI" pitchFamily="34" charset="0"/>
+                  </a:rPr>
+                  <a:t>Eventing</a:t>
+                </a:r>
+                <a:endParaRPr lang="en-US" sz="1400" dirty="0">
+                  <a:solidFill>
+                    <a:srgbClr val="3C454F"/>
+                  </a:solidFill>
+                  <a:latin typeface="Segoe UI" pitchFamily="34" charset="0"/>
+                  <a:ea typeface="Segoe UI" pitchFamily="34" charset="0"/>
+                  <a:cs typeface="Segoe UI" pitchFamily="34" charset="0"/>
+                </a:endParaRPr>
+              </a:p>
+            </p:txBody>
+          </p:sp>
+          <p:sp>
+            <p:nvSpPr>
+              <p:cNvPr id="16" name="Rectangle 15"/>
+              <p:cNvSpPr/>
+              <p:nvPr/>
+            </p:nvSpPr>
+            <p:spPr>
+              <a:xfrm>
+                <a:off x="342905" y="2143806"/>
+                <a:ext cx="3022453" cy="369332"/>
+              </a:xfrm>
+              <a:prstGeom prst="rect">
+                <a:avLst/>
+              </a:prstGeom>
+              <a:ln>
+                <a:noFill/>
+              </a:ln>
+            </p:spPr>
+            <p:txBody>
+              <a:bodyPr wrap="square" lIns="0" tIns="0" rIns="0" bIns="0">
+                <a:spAutoFit/>
+              </a:bodyPr>
+              <a:lstStyle/>
+              <a:p>
+                <a:pPr marL="0" lvl="1" defTabSz="1218836" fontAlgn="base">
+                  <a:spcAft>
+                    <a:spcPct val="0"/>
+                  </a:spcAft>
+                </a:pPr>
+                <a:r>
+                  <a:rPr lang="en-US" sz="1200" dirty="0">
+                    <a:solidFill>
+                      <a:srgbClr val="3C454F"/>
+                    </a:solidFill>
+                    <a:ea typeface="Kozuka Gothic Pro R" pitchFamily="34" charset="-128"/>
+                  </a:rPr>
+                  <a:t>Rich options for interconnecting apps across network boundaries</a:t>
+                </a:r>
+              </a:p>
+            </p:txBody>
+          </p:sp>
+        </p:grpSp>
+        <p:grpSp>
+          <p:nvGrpSpPr>
+            <p:cNvPr id="85" name="Group 84"/>
+            <p:cNvGrpSpPr/>
+            <p:nvPr>
+              <p:custDataLst>
+                <p:tags r:id="rId3"/>
+              </p:custDataLst>
+            </p:nvPr>
+          </p:nvGrpSpPr>
+          <p:grpSpPr>
+            <a:xfrm>
+              <a:off x="5770353" y="516987"/>
+              <a:ext cx="230722" cy="874420"/>
+              <a:chOff x="1757521" y="1512570"/>
+              <a:chExt cx="579120" cy="2194822"/>
+            </a:xfrm>
+          </p:grpSpPr>
+          <p:sp>
+            <p:nvSpPr>
+              <p:cNvPr id="86" name="Isosceles Triangle 85"/>
+              <p:cNvSpPr/>
+              <p:nvPr/>
+            </p:nvSpPr>
+            <p:spPr bwMode="auto">
+              <a:xfrm>
+                <a:off x="1757521" y="1512570"/>
+                <a:ext cx="579120" cy="438151"/>
+              </a:xfrm>
+              <a:prstGeom prst="triangle">
+                <a:avLst/>
+              </a:prstGeom>
+              <a:solidFill>
+                <a:srgbClr val="3C454F"/>
+              </a:solidFill>
+              <a:ln>
+                <a:noFill/>
+                <a:headEnd type="none" w="med" len="med"/>
+                <a:tailEnd type="none" w="med" len="med"/>
+              </a:ln>
+              <a:effectLst/>
+            </p:spPr>
+            <p:style>
+              <a:lnRef idx="1">
+                <a:schemeClr val="accent2"/>
+              </a:lnRef>
+              <a:fillRef idx="3">
+                <a:schemeClr val="accent2"/>
+              </a:fillRef>
+              <a:effectRef idx="2">
+                <a:schemeClr val="accent2"/>
+              </a:effectRef>
+              <a:fontRef idx="minor">
+                <a:schemeClr val="lt1"/>
+              </a:fontRef>
+            </p:style>
+            <p:txBody>
+              <a:bodyPr vert="horz" wrap="square" lIns="91436" tIns="45718" rIns="91436" bIns="45718" numCol="1" rtlCol="0" anchor="ctr" anchorCtr="0" compatLnSpc="1">
+                <a:prstTxWarp prst="textNoShape">
+                  <a:avLst/>
+                </a:prstTxWarp>
+              </a:bodyPr>
+              <a:lstStyle/>
+              <a:p>
+                <a:pPr algn="ctr" defTabSz="914099" fontAlgn="base">
+                  <a:spcBef>
+                    <a:spcPct val="0"/>
+                  </a:spcBef>
+                  <a:spcAft>
+                    <a:spcPct val="0"/>
+                  </a:spcAft>
+                </a:pPr>
+                <a:endParaRPr lang="en-US" sz="2200" dirty="0">
+                  <a:solidFill>
+                    <a:srgbClr val="3C454F"/>
+                  </a:solidFill>
+                </a:endParaRPr>
+              </a:p>
+            </p:txBody>
+          </p:sp>
+          <p:sp>
+            <p:nvSpPr>
+              <p:cNvPr id="87" name="Oval 86"/>
+              <p:cNvSpPr/>
+              <p:nvPr/>
+            </p:nvSpPr>
+            <p:spPr bwMode="auto">
+              <a:xfrm>
+                <a:off x="1772762" y="3158752"/>
+                <a:ext cx="548641" cy="548640"/>
+              </a:xfrm>
+              <a:prstGeom prst="ellipse">
+                <a:avLst/>
+              </a:prstGeom>
+              <a:solidFill>
+                <a:srgbClr val="3C454F"/>
+              </a:solidFill>
+              <a:ln>
+                <a:noFill/>
+                <a:headEnd type="none" w="med" len="med"/>
+                <a:tailEnd type="none" w="med" len="med"/>
+              </a:ln>
+              <a:effectLst/>
+            </p:spPr>
+            <p:style>
+              <a:lnRef idx="1">
+                <a:schemeClr val="accent2"/>
+              </a:lnRef>
+              <a:fillRef idx="3">
+                <a:schemeClr val="accent2"/>
+              </a:fillRef>
+              <a:effectRef idx="2">
+                <a:schemeClr val="accent2"/>
+              </a:effectRef>
+              <a:fontRef idx="minor">
+                <a:schemeClr val="lt1"/>
+              </a:fontRef>
+            </p:style>
+            <p:txBody>
+              <a:bodyPr vert="horz" wrap="square" lIns="91436" tIns="45718" rIns="91436" bIns="45718" numCol="1" rtlCol="0" anchor="ctr" anchorCtr="0" compatLnSpc="1">
+                <a:prstTxWarp prst="textNoShape">
+                  <a:avLst/>
+                </a:prstTxWarp>
+              </a:bodyPr>
+              <a:lstStyle/>
+              <a:p>
+                <a:pPr algn="ctr" defTabSz="914099" fontAlgn="base">
+                  <a:spcBef>
+                    <a:spcPct val="0"/>
+                  </a:spcBef>
+                  <a:spcAft>
+                    <a:spcPct val="0"/>
+                  </a:spcAft>
+                </a:pPr>
+                <a:endParaRPr lang="en-US" sz="2200" dirty="0">
+                  <a:solidFill>
+                    <a:srgbClr val="3C454F"/>
+                  </a:solidFill>
+                </a:endParaRPr>
+              </a:p>
+            </p:txBody>
+          </p:sp>
+          <p:cxnSp>
+            <p:nvCxnSpPr>
+              <p:cNvPr id="88" name="Straight Arrow Connector 87"/>
+              <p:cNvCxnSpPr/>
+              <p:nvPr/>
+            </p:nvCxnSpPr>
+            <p:spPr>
+              <a:xfrm>
+                <a:off x="2047081" y="1950721"/>
+                <a:ext cx="0" cy="1222692"/>
+              </a:xfrm>
+              <a:prstGeom prst="straightConnector1">
+                <a:avLst/>
+              </a:prstGeom>
+              <a:ln w="38100">
+                <a:solidFill>
+                  <a:srgbClr val="3C454F"/>
+                </a:solidFill>
+                <a:tailEnd type="triangle"/>
+              </a:ln>
+            </p:spPr>
+            <p:style>
+              <a:lnRef idx="1">
+                <a:schemeClr val="accent1"/>
+              </a:lnRef>
+              <a:fillRef idx="0">
+                <a:schemeClr val="accent1"/>
+              </a:fillRef>
+              <a:effectRef idx="0">
+                <a:schemeClr val="accent1"/>
+              </a:effectRef>
+              <a:fontRef idx="minor">
+                <a:schemeClr val="tx1"/>
+              </a:fontRef>
+            </p:style>
+          </p:cxnSp>
+          <p:sp>
+            <p:nvSpPr>
+              <p:cNvPr id="89" name="Rectangle 88"/>
+              <p:cNvSpPr/>
+              <p:nvPr/>
+            </p:nvSpPr>
+            <p:spPr bwMode="auto">
+              <a:xfrm>
+                <a:off x="1818482" y="2670608"/>
+                <a:ext cx="457200" cy="91440"/>
+              </a:xfrm>
+              <a:prstGeom prst="rect">
+                <a:avLst/>
+              </a:prstGeom>
+              <a:solidFill>
+                <a:srgbClr val="3C454F"/>
+              </a:solidFill>
+              <a:ln>
+                <a:noFill/>
+                <a:headEnd type="none" w="med" len="med"/>
+                <a:tailEnd type="none" w="med" len="med"/>
+              </a:ln>
+              <a:effectLst/>
+            </p:spPr>
+            <p:style>
+              <a:lnRef idx="1">
+                <a:schemeClr val="accent2"/>
+              </a:lnRef>
+              <a:fillRef idx="3">
+                <a:schemeClr val="accent2"/>
+              </a:fillRef>
+              <a:effectRef idx="2">
+                <a:schemeClr val="accent2"/>
+              </a:effectRef>
+              <a:fontRef idx="minor">
+                <a:schemeClr val="lt1"/>
+              </a:fontRef>
+            </p:style>
+            <p:txBody>
+              <a:bodyPr vert="horz" wrap="square" lIns="91436" tIns="45718" rIns="91436" bIns="45718" numCol="1" rtlCol="0" anchor="ctr" anchorCtr="0" compatLnSpc="1">
+                <a:prstTxWarp prst="textNoShape">
+                  <a:avLst/>
+                </a:prstTxWarp>
+              </a:bodyPr>
+              <a:lstStyle/>
+              <a:p>
+                <a:pPr algn="ctr" defTabSz="914099" fontAlgn="base">
+                  <a:spcBef>
+                    <a:spcPct val="0"/>
+                  </a:spcBef>
+                  <a:spcAft>
+                    <a:spcPct val="0"/>
+                  </a:spcAft>
+                </a:pPr>
+                <a:endParaRPr lang="en-US" sz="2200" dirty="0">
+                  <a:solidFill>
+                    <a:srgbClr val="3C454F"/>
+                  </a:solidFill>
+                </a:endParaRPr>
+              </a:p>
+            </p:txBody>
+          </p:sp>
+        </p:grpSp>
+      </p:grpSp>
+      <p:grpSp>
+        <p:nvGrpSpPr>
+          <p:cNvPr id="46" name="Group 45"/>
+          <p:cNvGrpSpPr/>
+          <p:nvPr/>
+        </p:nvGrpSpPr>
+        <p:grpSpPr>
+          <a:xfrm>
+            <a:off x="6022964" y="4911641"/>
+            <a:ext cx="4438368" cy="1160210"/>
+            <a:chOff x="5435995" y="4946984"/>
+            <a:chExt cx="4438368" cy="1160210"/>
+          </a:xfrm>
+        </p:grpSpPr>
+        <p:grpSp>
+          <p:nvGrpSpPr>
+            <p:cNvPr id="77" name="Group 76"/>
+            <p:cNvGrpSpPr/>
+            <p:nvPr/>
+          </p:nvGrpSpPr>
+          <p:grpSpPr>
+            <a:xfrm>
+              <a:off x="6828556" y="4946984"/>
+              <a:ext cx="3045807" cy="1160210"/>
+              <a:chOff x="342904" y="1145539"/>
+              <a:chExt cx="3045807" cy="1160210"/>
+            </a:xfrm>
+          </p:grpSpPr>
+          <p:sp>
+            <p:nvSpPr>
+              <p:cNvPr id="78" name="TextBox 77"/>
+              <p:cNvSpPr txBox="1"/>
+              <p:nvPr/>
+            </p:nvSpPr>
+            <p:spPr>
+              <a:xfrm>
+                <a:off x="342904" y="1145539"/>
+                <a:ext cx="3045807" cy="606316"/>
+              </a:xfrm>
+              <a:prstGeom prst="rect">
+                <a:avLst/>
+              </a:prstGeom>
+              <a:noFill/>
+              <a:ln>
+                <a:noFill/>
+              </a:ln>
+            </p:spPr>
+            <p:txBody>
+              <a:bodyPr wrap="square" lIns="0" tIns="45718" rIns="0" bIns="45718" rtlCol="0">
+                <a:spAutoFit/>
+              </a:bodyPr>
+              <a:lstStyle/>
+              <a:p>
+                <a:pPr>
+                  <a:lnSpc>
+                    <a:spcPct val="90000"/>
+                  </a:lnSpc>
+                  <a:spcBef>
+                    <a:spcPct val="20000"/>
+                  </a:spcBef>
+                </a:pPr>
+                <a:r>
+                  <a:rPr lang="en-US" sz="2000" dirty="0">
+                    <a:solidFill>
+                      <a:srgbClr val="3C454F"/>
+                    </a:solidFill>
+                    <a:latin typeface="Segoe UI" pitchFamily="34" charset="0"/>
+                    <a:ea typeface="Segoe UI" pitchFamily="34" charset="0"/>
+                    <a:cs typeface="Segoe UI" pitchFamily="34" charset="0"/>
+                  </a:rPr>
+                  <a:t>Integration Routing</a:t>
+                </a:r>
+              </a:p>
+              <a:p>
+                <a:pPr>
+                  <a:lnSpc>
+                    <a:spcPct val="90000"/>
+                  </a:lnSpc>
+                  <a:spcBef>
+                    <a:spcPct val="20000"/>
+                  </a:spcBef>
+                </a:pPr>
+                <a:r>
+                  <a:rPr lang="en-US" sz="1400" dirty="0">
+                    <a:solidFill>
+                      <a:srgbClr val="3C454F"/>
+                    </a:solidFill>
+                    <a:latin typeface="Segoe UI" pitchFamily="34" charset="0"/>
+                    <a:ea typeface="Segoe UI" pitchFamily="34" charset="0"/>
+                    <a:cs typeface="Segoe UI" pitchFamily="34" charset="0"/>
+                  </a:rPr>
+                  <a:t>Coordination Transformation</a:t>
+                </a:r>
+              </a:p>
+            </p:txBody>
+          </p:sp>
+          <p:sp>
+            <p:nvSpPr>
+              <p:cNvPr id="79" name="Rectangle 78"/>
+              <p:cNvSpPr/>
+              <p:nvPr/>
+            </p:nvSpPr>
+            <p:spPr>
+              <a:xfrm>
+                <a:off x="342905" y="1936417"/>
+                <a:ext cx="3022453" cy="369332"/>
+              </a:xfrm>
+              <a:prstGeom prst="rect">
+                <a:avLst/>
+              </a:prstGeom>
+              <a:ln>
+                <a:noFill/>
+              </a:ln>
+            </p:spPr>
+            <p:txBody>
+              <a:bodyPr wrap="square" lIns="0" tIns="0" rIns="0" bIns="0">
+                <a:spAutoFit/>
+              </a:bodyPr>
+              <a:lstStyle/>
+              <a:p>
+                <a:pPr marL="0" lvl="1" defTabSz="1218836" fontAlgn="base">
+                  <a:spcAft>
+                    <a:spcPct val="0"/>
+                  </a:spcAft>
+                </a:pPr>
+                <a:r>
+                  <a:rPr lang="en-US" sz="1200" dirty="0">
+                    <a:solidFill>
+                      <a:srgbClr val="3C454F"/>
+                    </a:solidFill>
+                    <a:ea typeface="Kozuka Gothic Pro R" pitchFamily="34" charset="-128"/>
+                  </a:rPr>
+                  <a:t>Content-based routing, document transformation, and process coordination.</a:t>
+                </a:r>
+              </a:p>
+            </p:txBody>
+          </p:sp>
+        </p:grpSp>
+        <p:grpSp>
+          <p:nvGrpSpPr>
+            <p:cNvPr id="90" name="Group 89"/>
+            <p:cNvGrpSpPr/>
+            <p:nvPr>
+              <p:custDataLst>
+                <p:tags r:id="rId2"/>
+              </p:custDataLst>
+            </p:nvPr>
+          </p:nvGrpSpPr>
+          <p:grpSpPr>
+            <a:xfrm>
+              <a:off x="5435995" y="5040098"/>
+              <a:ext cx="889913" cy="874420"/>
+              <a:chOff x="9012936" y="1567376"/>
+              <a:chExt cx="2233708" cy="2194822"/>
+            </a:xfrm>
+          </p:grpSpPr>
+          <p:sp>
+            <p:nvSpPr>
+              <p:cNvPr id="91" name="Isosceles Triangle 90"/>
+              <p:cNvSpPr/>
+              <p:nvPr/>
+            </p:nvSpPr>
+            <p:spPr bwMode="auto">
+              <a:xfrm>
+                <a:off x="9845289" y="1567376"/>
+                <a:ext cx="579119" cy="438151"/>
+              </a:xfrm>
+              <a:prstGeom prst="triangle">
+                <a:avLst/>
+              </a:prstGeom>
+              <a:solidFill>
+                <a:srgbClr val="3C454F"/>
+              </a:solidFill>
+              <a:ln>
+                <a:noFill/>
+                <a:headEnd type="none" w="med" len="med"/>
+                <a:tailEnd type="none" w="med" len="med"/>
+              </a:ln>
+              <a:effectLst/>
+            </p:spPr>
+            <p:style>
+              <a:lnRef idx="1">
+                <a:schemeClr val="accent2"/>
+              </a:lnRef>
+              <a:fillRef idx="3">
+                <a:schemeClr val="accent2"/>
+              </a:fillRef>
+              <a:effectRef idx="2">
+                <a:schemeClr val="accent2"/>
+              </a:effectRef>
+              <a:fontRef idx="minor">
+                <a:schemeClr val="lt1"/>
+              </a:fontRef>
+            </p:style>
+            <p:txBody>
+              <a:bodyPr vert="horz" wrap="square" lIns="91436" tIns="45718" rIns="91436" bIns="45718" numCol="1" rtlCol="0" anchor="ctr" anchorCtr="0" compatLnSpc="1">
+                <a:prstTxWarp prst="textNoShape">
+                  <a:avLst/>
+                </a:prstTxWarp>
+              </a:bodyPr>
+              <a:lstStyle/>
+              <a:p>
+                <a:pPr algn="ctr" defTabSz="914099" fontAlgn="base">
+                  <a:spcBef>
+                    <a:spcPct val="0"/>
+                  </a:spcBef>
+                  <a:spcAft>
+                    <a:spcPct val="0"/>
+                  </a:spcAft>
+                </a:pPr>
+                <a:endParaRPr lang="en-US" sz="2200" dirty="0">
+                  <a:solidFill>
+                    <a:srgbClr val="3C454F"/>
+                  </a:solidFill>
+                </a:endParaRPr>
+              </a:p>
+            </p:txBody>
+          </p:sp>
+          <p:cxnSp>
+            <p:nvCxnSpPr>
+              <p:cNvPr id="92" name="Straight Arrow Connector 91"/>
+              <p:cNvCxnSpPr/>
+              <p:nvPr/>
+            </p:nvCxnSpPr>
+            <p:spPr>
+              <a:xfrm>
+                <a:off x="10134849" y="2005527"/>
+                <a:ext cx="0" cy="1005840"/>
+              </a:xfrm>
+              <a:prstGeom prst="straightConnector1">
+                <a:avLst/>
+              </a:prstGeom>
+              <a:ln w="38100">
+                <a:solidFill>
+                  <a:srgbClr val="3C454F"/>
+                </a:solidFill>
+                <a:tailEnd type="triangle"/>
+              </a:ln>
+            </p:spPr>
+            <p:style>
+              <a:lnRef idx="1">
+                <a:schemeClr val="accent1"/>
+              </a:lnRef>
+              <a:fillRef idx="0">
+                <a:schemeClr val="accent1"/>
+              </a:fillRef>
+              <a:effectRef idx="0">
+                <a:schemeClr val="accent1"/>
+              </a:effectRef>
+              <a:fontRef idx="minor">
+                <a:schemeClr val="tx1"/>
+              </a:fontRef>
+            </p:style>
+          </p:cxnSp>
+          <p:sp>
+            <p:nvSpPr>
+              <p:cNvPr id="93" name="Oval 92"/>
+              <p:cNvSpPr/>
+              <p:nvPr/>
+            </p:nvSpPr>
+            <p:spPr bwMode="auto">
+              <a:xfrm>
+                <a:off x="9012936" y="3213558"/>
+                <a:ext cx="548640" cy="548640"/>
+              </a:xfrm>
+              <a:prstGeom prst="ellipse">
+                <a:avLst/>
+              </a:prstGeom>
+              <a:solidFill>
+                <a:srgbClr val="3C454F"/>
+              </a:solidFill>
+              <a:ln>
+                <a:noFill/>
+                <a:headEnd type="none" w="med" len="med"/>
+                <a:tailEnd type="none" w="med" len="med"/>
+              </a:ln>
+              <a:effectLst/>
+            </p:spPr>
+            <p:style>
+              <a:lnRef idx="1">
+                <a:schemeClr val="accent2"/>
+              </a:lnRef>
+              <a:fillRef idx="3">
+                <a:schemeClr val="accent2"/>
+              </a:fillRef>
+              <a:effectRef idx="2">
+                <a:schemeClr val="accent2"/>
+              </a:effectRef>
+              <a:fontRef idx="minor">
+                <a:schemeClr val="lt1"/>
+              </a:fontRef>
+            </p:style>
+            <p:txBody>
+              <a:bodyPr vert="horz" wrap="square" lIns="91436" tIns="45718" rIns="91436" bIns="45718" numCol="1" rtlCol="0" anchor="ctr" anchorCtr="0" compatLnSpc="1">
+                <a:prstTxWarp prst="textNoShape">
+                  <a:avLst/>
+                </a:prstTxWarp>
+              </a:bodyPr>
+              <a:lstStyle/>
+              <a:p>
+                <a:pPr algn="ctr" defTabSz="914099" fontAlgn="base">
+                  <a:spcBef>
+                    <a:spcPct val="0"/>
+                  </a:spcBef>
+                  <a:spcAft>
+                    <a:spcPct val="0"/>
+                  </a:spcAft>
+                </a:pPr>
+                <a:endParaRPr lang="en-US" sz="2200" dirty="0">
+                  <a:solidFill>
+                    <a:srgbClr val="3C454F"/>
+                  </a:solidFill>
+                </a:endParaRPr>
+              </a:p>
+            </p:txBody>
+          </p:sp>
+          <p:sp>
+            <p:nvSpPr>
+              <p:cNvPr id="94" name="Oval 93"/>
+              <p:cNvSpPr/>
+              <p:nvPr/>
+            </p:nvSpPr>
+            <p:spPr bwMode="auto">
+              <a:xfrm>
+                <a:off x="10698004" y="3213558"/>
+                <a:ext cx="548640" cy="548640"/>
+              </a:xfrm>
+              <a:prstGeom prst="ellipse">
+                <a:avLst/>
+              </a:prstGeom>
+              <a:solidFill>
+                <a:srgbClr val="3C454F"/>
+              </a:solidFill>
+              <a:ln>
+                <a:noFill/>
+                <a:headEnd type="none" w="med" len="med"/>
+                <a:tailEnd type="none" w="med" len="med"/>
+              </a:ln>
+              <a:effectLst/>
+            </p:spPr>
+            <p:style>
+              <a:lnRef idx="1">
+                <a:schemeClr val="accent2"/>
+              </a:lnRef>
+              <a:fillRef idx="3">
+                <a:schemeClr val="accent2"/>
+              </a:fillRef>
+              <a:effectRef idx="2">
+                <a:schemeClr val="accent2"/>
+              </a:effectRef>
+              <a:fontRef idx="minor">
+                <a:schemeClr val="lt1"/>
+              </a:fontRef>
+            </p:style>
+            <p:txBody>
+              <a:bodyPr vert="horz" wrap="square" lIns="91436" tIns="45718" rIns="91436" bIns="45718" numCol="1" rtlCol="0" anchor="ctr" anchorCtr="0" compatLnSpc="1">
+                <a:prstTxWarp prst="textNoShape">
+                  <a:avLst/>
+                </a:prstTxWarp>
+              </a:bodyPr>
+              <a:lstStyle/>
+              <a:p>
+                <a:pPr algn="ctr" defTabSz="914099" fontAlgn="base">
+                  <a:spcBef>
+                    <a:spcPct val="0"/>
+                  </a:spcBef>
+                  <a:spcAft>
+                    <a:spcPct val="0"/>
+                  </a:spcAft>
+                </a:pPr>
+                <a:endParaRPr lang="en-US" sz="2200" dirty="0">
+                  <a:solidFill>
+                    <a:srgbClr val="3C454F"/>
+                  </a:solidFill>
+                </a:endParaRPr>
+              </a:p>
+            </p:txBody>
+          </p:sp>
+          <p:cxnSp>
+            <p:nvCxnSpPr>
+              <p:cNvPr id="95" name="Straight Arrow Connector 94"/>
+              <p:cNvCxnSpPr>
+                <a:endCxn id="93" idx="6"/>
+              </p:cNvCxnSpPr>
+              <p:nvPr/>
+            </p:nvCxnSpPr>
+            <p:spPr>
+              <a:xfrm flipH="1">
+                <a:off x="9561576" y="3471850"/>
+                <a:ext cx="298229" cy="16029"/>
+              </a:xfrm>
+              <a:prstGeom prst="straightConnector1">
+                <a:avLst/>
+              </a:prstGeom>
+              <a:ln w="38100">
+                <a:solidFill>
+                  <a:srgbClr val="3C454F"/>
+                </a:solidFill>
+                <a:tailEnd type="triangle" w="sm" len="sm"/>
+              </a:ln>
+            </p:spPr>
+            <p:style>
+              <a:lnRef idx="1">
+                <a:schemeClr val="accent1"/>
+              </a:lnRef>
+              <a:fillRef idx="0">
+                <a:schemeClr val="accent1"/>
+              </a:fillRef>
+              <a:effectRef idx="0">
+                <a:schemeClr val="accent1"/>
+              </a:effectRef>
+              <a:fontRef idx="minor">
+                <a:schemeClr val="tx1"/>
+              </a:fontRef>
+            </p:style>
+          </p:cxnSp>
+          <p:cxnSp>
+            <p:nvCxnSpPr>
+              <p:cNvPr id="96" name="Straight Arrow Connector 95"/>
+              <p:cNvCxnSpPr/>
+              <p:nvPr/>
+            </p:nvCxnSpPr>
+            <p:spPr>
+              <a:xfrm>
+                <a:off x="10438924" y="3487878"/>
+                <a:ext cx="274320" cy="0"/>
+              </a:xfrm>
+              <a:prstGeom prst="straightConnector1">
+                <a:avLst/>
+              </a:prstGeom>
+              <a:ln w="38100">
+                <a:solidFill>
+                  <a:srgbClr val="3C454F"/>
+                </a:solidFill>
+                <a:tailEnd type="triangle" w="sm" len="sm"/>
+              </a:ln>
+            </p:spPr>
+            <p:style>
+              <a:lnRef idx="1">
+                <a:schemeClr val="accent1"/>
+              </a:lnRef>
+              <a:fillRef idx="0">
+                <a:schemeClr val="accent1"/>
+              </a:fillRef>
+              <a:effectRef idx="0">
+                <a:schemeClr val="accent1"/>
+              </a:effectRef>
+              <a:fontRef idx="minor">
+                <a:schemeClr val="tx1"/>
+              </a:fontRef>
+            </p:style>
+          </p:cxnSp>
+          <p:sp>
+            <p:nvSpPr>
+              <p:cNvPr id="97" name="Rectangle 96"/>
+              <p:cNvSpPr/>
+              <p:nvPr/>
+            </p:nvSpPr>
+            <p:spPr bwMode="auto">
+              <a:xfrm>
+                <a:off x="9845289" y="3011367"/>
+                <a:ext cx="579119" cy="641220"/>
+              </a:xfrm>
+              <a:prstGeom prst="rect">
+                <a:avLst/>
+              </a:prstGeom>
+              <a:noFill/>
+              <a:ln w="12700">
+                <a:solidFill>
+                  <a:srgbClr val="3C454F"/>
+                </a:solidFill>
+                <a:headEnd type="none" w="med" len="med"/>
+                <a:tailEnd type="none" w="med" len="med"/>
+              </a:ln>
+              <a:effectLst/>
+            </p:spPr>
+            <p:style>
+              <a:lnRef idx="1">
+                <a:schemeClr val="accent2"/>
+              </a:lnRef>
+              <a:fillRef idx="3">
+                <a:schemeClr val="accent2"/>
+              </a:fillRef>
+              <a:effectRef idx="2">
+                <a:schemeClr val="accent2"/>
+              </a:effectRef>
+              <a:fontRef idx="minor">
+                <a:schemeClr val="lt1"/>
+              </a:fontRef>
+            </p:style>
+            <p:txBody>
+              <a:bodyPr vert="horz" wrap="square" lIns="91436" tIns="45718" rIns="91436" bIns="45718" numCol="1" rtlCol="0" anchor="ctr" anchorCtr="0" compatLnSpc="1">
+                <a:prstTxWarp prst="textNoShape">
+                  <a:avLst/>
+                </a:prstTxWarp>
+              </a:bodyPr>
+              <a:lstStyle/>
+              <a:p>
+                <a:pPr algn="ctr" defTabSz="914099" fontAlgn="base">
+                  <a:spcBef>
+                    <a:spcPct val="0"/>
+                  </a:spcBef>
+                  <a:spcAft>
+                    <a:spcPct val="0"/>
+                  </a:spcAft>
+                </a:pPr>
+                <a:endParaRPr lang="en-US" sz="2200" dirty="0">
+                  <a:solidFill>
+                    <a:srgbClr val="3C454F"/>
+                  </a:solidFill>
+                </a:endParaRPr>
+              </a:p>
+            </p:txBody>
+          </p:sp>
+          <p:sp>
+            <p:nvSpPr>
+              <p:cNvPr id="98" name="Diamond 97"/>
+              <p:cNvSpPr/>
+              <p:nvPr/>
+            </p:nvSpPr>
+            <p:spPr bwMode="auto">
+              <a:xfrm>
+                <a:off x="9937458" y="3142494"/>
+                <a:ext cx="365759" cy="378965"/>
+              </a:xfrm>
+              <a:prstGeom prst="diamond">
+                <a:avLst/>
+              </a:prstGeom>
+              <a:solidFill>
+                <a:srgbClr val="3C454F"/>
+              </a:solidFill>
+              <a:ln>
+                <a:noFill/>
+                <a:headEnd type="none" w="med" len="med"/>
+                <a:tailEnd type="none" w="med" len="med"/>
+              </a:ln>
+              <a:effectLst/>
+            </p:spPr>
+            <p:style>
+              <a:lnRef idx="1">
+                <a:schemeClr val="accent2"/>
+              </a:lnRef>
+              <a:fillRef idx="3">
+                <a:schemeClr val="accent2"/>
+              </a:fillRef>
+              <a:effectRef idx="2">
+                <a:schemeClr val="accent2"/>
+              </a:effectRef>
+              <a:fontRef idx="minor">
+                <a:schemeClr val="lt1"/>
+              </a:fontRef>
+            </p:style>
+            <p:txBody>
+              <a:bodyPr vert="horz" wrap="square" lIns="91436" tIns="45718" rIns="91436" bIns="45718" numCol="1" rtlCol="0" anchor="ctr" anchorCtr="0" compatLnSpc="1">
+                <a:prstTxWarp prst="textNoShape">
+                  <a:avLst/>
+                </a:prstTxWarp>
+              </a:bodyPr>
+              <a:lstStyle/>
+              <a:p>
+                <a:pPr algn="ctr" defTabSz="914099" fontAlgn="base">
+                  <a:spcBef>
+                    <a:spcPct val="0"/>
+                  </a:spcBef>
+                  <a:spcAft>
+                    <a:spcPct val="0"/>
+                  </a:spcAft>
+                </a:pPr>
+                <a:endParaRPr lang="en-US" sz="2200" dirty="0">
+                  <a:solidFill>
+                    <a:srgbClr val="3C454F"/>
+                  </a:solidFill>
+                </a:endParaRPr>
+              </a:p>
+            </p:txBody>
+          </p:sp>
+        </p:grpSp>
+      </p:grpSp>
+      <p:grpSp>
+        <p:nvGrpSpPr>
+          <p:cNvPr id="42" name="Group 41"/>
+          <p:cNvGrpSpPr/>
+          <p:nvPr/>
+        </p:nvGrpSpPr>
+        <p:grpSpPr>
+          <a:xfrm>
+            <a:off x="6351854" y="3360662"/>
+            <a:ext cx="4109478" cy="1367599"/>
+            <a:chOff x="5764885" y="3396004"/>
+            <a:chExt cx="4109478" cy="1367599"/>
+          </a:xfrm>
+        </p:grpSpPr>
+        <p:grpSp>
+          <p:nvGrpSpPr>
+            <p:cNvPr id="74" name="Group 73"/>
+            <p:cNvGrpSpPr/>
+            <p:nvPr/>
+          </p:nvGrpSpPr>
+          <p:grpSpPr>
+            <a:xfrm>
+              <a:off x="6828556" y="3396004"/>
+              <a:ext cx="3045807" cy="1367599"/>
+              <a:chOff x="342904" y="1145539"/>
+              <a:chExt cx="3045807" cy="1367599"/>
+            </a:xfrm>
+          </p:grpSpPr>
+          <p:sp>
+            <p:nvSpPr>
+              <p:cNvPr id="75" name="TextBox 74"/>
+              <p:cNvSpPr txBox="1"/>
+              <p:nvPr/>
+            </p:nvSpPr>
+            <p:spPr>
+              <a:xfrm>
+                <a:off x="342904" y="1145539"/>
+                <a:ext cx="3045807" cy="843304"/>
+              </a:xfrm>
+              <a:prstGeom prst="rect">
+                <a:avLst/>
+              </a:prstGeom>
+              <a:noFill/>
+              <a:ln>
+                <a:noFill/>
+              </a:ln>
+            </p:spPr>
+            <p:txBody>
+              <a:bodyPr wrap="square" lIns="0" tIns="45718" rIns="0" bIns="45718" rtlCol="0">
+                <a:spAutoFit/>
+              </a:bodyPr>
+              <a:lstStyle/>
+              <a:p>
+                <a:pPr>
+                  <a:lnSpc>
+                    <a:spcPct val="90000"/>
+                  </a:lnSpc>
+                  <a:spcBef>
+                    <a:spcPct val="20000"/>
+                  </a:spcBef>
+                </a:pPr>
+                <a:r>
+                  <a:rPr lang="en-US" sz="2000" dirty="0">
+                    <a:solidFill>
+                      <a:srgbClr val="3C454F"/>
+                    </a:solidFill>
+                    <a:latin typeface="Segoe UI" pitchFamily="34" charset="0"/>
+                    <a:ea typeface="Segoe UI" pitchFamily="34" charset="0"/>
+                    <a:cs typeface="Segoe UI" pitchFamily="34" charset="0"/>
+                  </a:rPr>
+                  <a:t>Svc Management </a:t>
+                </a:r>
+                <a:endParaRPr lang="en-US" sz="2000" dirty="0">
+                  <a:solidFill>
+                    <a:srgbClr val="3C454F"/>
+                  </a:solidFill>
+                  <a:latin typeface="Segoe UI" pitchFamily="34" charset="0"/>
+                  <a:ea typeface="Segoe UI" pitchFamily="34" charset="0"/>
+                  <a:cs typeface="Segoe UI" pitchFamily="34" charset="0"/>
+                </a:endParaRPr>
+              </a:p>
+              <a:p>
+                <a:pPr>
+                  <a:lnSpc>
+                    <a:spcPct val="90000"/>
+                  </a:lnSpc>
+                  <a:spcBef>
+                    <a:spcPct val="20000"/>
+                  </a:spcBef>
+                </a:pPr>
+                <a:r>
+                  <a:rPr lang="en-US" sz="1400" dirty="0">
+                    <a:solidFill>
+                      <a:srgbClr val="3C454F"/>
+                    </a:solidFill>
+                    <a:latin typeface="Segoe UI" pitchFamily="34" charset="0"/>
+                    <a:ea typeface="Segoe UI" pitchFamily="34" charset="0"/>
+                    <a:cs typeface="Segoe UI" pitchFamily="34" charset="0"/>
+                  </a:rPr>
+                  <a:t>Naming, Discovery</a:t>
+                </a:r>
+              </a:p>
+              <a:p>
+                <a:pPr>
+                  <a:lnSpc>
+                    <a:spcPct val="90000"/>
+                  </a:lnSpc>
+                  <a:spcBef>
+                    <a:spcPct val="20000"/>
+                  </a:spcBef>
+                </a:pPr>
+                <a:r>
+                  <a:rPr lang="en-US" sz="1400" dirty="0">
+                    <a:solidFill>
+                      <a:srgbClr val="3C454F"/>
+                    </a:solidFill>
+                    <a:latin typeface="Segoe UI" pitchFamily="34" charset="0"/>
+                    <a:ea typeface="Segoe UI" pitchFamily="34" charset="0"/>
+                    <a:cs typeface="Segoe UI" pitchFamily="34" charset="0"/>
+                  </a:rPr>
+                  <a:t>Monitoring</a:t>
+                </a:r>
+              </a:p>
+            </p:txBody>
+          </p:sp>
+          <p:sp>
+            <p:nvSpPr>
+              <p:cNvPr id="76" name="Rectangle 75"/>
+              <p:cNvSpPr/>
+              <p:nvPr/>
+            </p:nvSpPr>
+            <p:spPr>
+              <a:xfrm>
+                <a:off x="342905" y="2143806"/>
+                <a:ext cx="3022453" cy="369332"/>
+              </a:xfrm>
+              <a:prstGeom prst="rect">
+                <a:avLst/>
+              </a:prstGeom>
+              <a:ln>
+                <a:noFill/>
+              </a:ln>
+            </p:spPr>
+            <p:txBody>
+              <a:bodyPr wrap="square" lIns="0" tIns="0" rIns="0" bIns="0">
+                <a:spAutoFit/>
+              </a:bodyPr>
+              <a:lstStyle/>
+              <a:p>
+                <a:pPr marL="0" lvl="1" defTabSz="1218836" fontAlgn="base">
+                  <a:spcAft>
+                    <a:spcPct val="0"/>
+                  </a:spcAft>
+                </a:pPr>
+                <a:r>
+                  <a:rPr lang="en-US" sz="1200" dirty="0">
+                    <a:solidFill>
+                      <a:srgbClr val="3C454F"/>
+                    </a:solidFill>
+                    <a:ea typeface="Kozuka Gothic Pro R" pitchFamily="34" charset="-128"/>
+                  </a:rPr>
+                  <a:t>Consistent management surface and service observation capabilities</a:t>
+                </a:r>
+              </a:p>
+            </p:txBody>
+          </p:sp>
+        </p:grpSp>
+        <p:grpSp>
+          <p:nvGrpSpPr>
+            <p:cNvPr id="99" name="Group 98"/>
+            <p:cNvGrpSpPr/>
+            <p:nvPr>
+              <p:custDataLst>
+                <p:tags r:id="rId1"/>
+              </p:custDataLst>
+            </p:nvPr>
+          </p:nvGrpSpPr>
+          <p:grpSpPr>
+            <a:xfrm>
+              <a:off x="5764885" y="3580698"/>
+              <a:ext cx="620654" cy="874420"/>
+              <a:chOff x="7153963" y="1512570"/>
+              <a:chExt cx="1557863" cy="2194822"/>
+            </a:xfrm>
+          </p:grpSpPr>
+          <p:sp>
+            <p:nvSpPr>
+              <p:cNvPr id="100" name="Isosceles Triangle 99"/>
+              <p:cNvSpPr/>
+              <p:nvPr/>
+            </p:nvSpPr>
+            <p:spPr bwMode="auto">
+              <a:xfrm>
+                <a:off x="7153963" y="1512570"/>
+                <a:ext cx="579120" cy="438150"/>
+              </a:xfrm>
+              <a:prstGeom prst="triangle">
+                <a:avLst/>
+              </a:prstGeom>
+              <a:solidFill>
+                <a:srgbClr val="3C454F"/>
+              </a:solidFill>
+              <a:ln>
+                <a:noFill/>
+                <a:headEnd type="none" w="med" len="med"/>
+                <a:tailEnd type="none" w="med" len="med"/>
+              </a:ln>
+              <a:effectLst/>
+            </p:spPr>
+            <p:style>
+              <a:lnRef idx="1">
+                <a:schemeClr val="accent2"/>
+              </a:lnRef>
+              <a:fillRef idx="3">
+                <a:schemeClr val="accent2"/>
+              </a:fillRef>
+              <a:effectRef idx="2">
+                <a:schemeClr val="accent2"/>
+              </a:effectRef>
+              <a:fontRef idx="minor">
+                <a:schemeClr val="lt1"/>
+              </a:fontRef>
+            </p:style>
+            <p:txBody>
+              <a:bodyPr vert="horz" wrap="square" lIns="91436" tIns="45718" rIns="91436" bIns="45718" numCol="1" rtlCol="0" anchor="ctr" anchorCtr="0" compatLnSpc="1">
+                <a:prstTxWarp prst="textNoShape">
+                  <a:avLst/>
+                </a:prstTxWarp>
+              </a:bodyPr>
+              <a:lstStyle/>
+              <a:p>
+                <a:pPr algn="ctr" defTabSz="914099" fontAlgn="base">
+                  <a:spcBef>
+                    <a:spcPct val="0"/>
+                  </a:spcBef>
+                  <a:spcAft>
+                    <a:spcPct val="0"/>
+                  </a:spcAft>
+                </a:pPr>
+                <a:endParaRPr lang="en-US" sz="2200" dirty="0">
+                  <a:solidFill>
+                    <a:srgbClr val="3C454F"/>
+                  </a:solidFill>
+                </a:endParaRPr>
+              </a:p>
+            </p:txBody>
+          </p:sp>
+          <p:cxnSp>
+            <p:nvCxnSpPr>
+              <p:cNvPr id="101" name="Straight Arrow Connector 100"/>
+              <p:cNvCxnSpPr/>
+              <p:nvPr/>
+            </p:nvCxnSpPr>
+            <p:spPr>
+              <a:xfrm>
+                <a:off x="7443523" y="1950720"/>
+                <a:ext cx="0" cy="1222692"/>
+              </a:xfrm>
+              <a:prstGeom prst="straightConnector1">
+                <a:avLst/>
+              </a:prstGeom>
+              <a:ln w="38100">
+                <a:solidFill>
+                  <a:srgbClr val="3C454F"/>
+                </a:solidFill>
+                <a:tailEnd type="triangle"/>
+              </a:ln>
+            </p:spPr>
+            <p:style>
+              <a:lnRef idx="1">
+                <a:schemeClr val="accent1"/>
+              </a:lnRef>
+              <a:fillRef idx="0">
+                <a:schemeClr val="accent1"/>
+              </a:fillRef>
+              <a:effectRef idx="0">
+                <a:schemeClr val="accent1"/>
+              </a:effectRef>
+              <a:fontRef idx="minor">
+                <a:schemeClr val="tx1"/>
+              </a:fontRef>
+            </p:style>
+          </p:cxnSp>
+          <p:sp>
+            <p:nvSpPr>
+              <p:cNvPr id="102" name="Hexagon 101"/>
+              <p:cNvSpPr/>
+              <p:nvPr/>
+            </p:nvSpPr>
+            <p:spPr bwMode="auto">
+              <a:xfrm>
+                <a:off x="7180685" y="3213558"/>
+                <a:ext cx="520039" cy="439027"/>
+              </a:xfrm>
+              <a:prstGeom prst="hexagon">
+                <a:avLst/>
+              </a:prstGeom>
+              <a:solidFill>
+                <a:srgbClr val="3C454F"/>
+              </a:solidFill>
+              <a:ln>
+                <a:noFill/>
+                <a:headEnd type="none" w="med" len="med"/>
+                <a:tailEnd type="none" w="med" len="med"/>
+              </a:ln>
+              <a:effectLst/>
+            </p:spPr>
+            <p:style>
+              <a:lnRef idx="1">
+                <a:schemeClr val="accent2"/>
+              </a:lnRef>
+              <a:fillRef idx="3">
+                <a:schemeClr val="accent2"/>
+              </a:fillRef>
+              <a:effectRef idx="2">
+                <a:schemeClr val="accent2"/>
+              </a:effectRef>
+              <a:fontRef idx="minor">
+                <a:schemeClr val="lt1"/>
+              </a:fontRef>
+            </p:style>
+            <p:txBody>
+              <a:bodyPr vert="horz" wrap="square" lIns="91436" tIns="45718" rIns="91436" bIns="45718" numCol="1" rtlCol="0" anchor="ctr" anchorCtr="0" compatLnSpc="1">
+                <a:prstTxWarp prst="textNoShape">
+                  <a:avLst/>
+                </a:prstTxWarp>
+              </a:bodyPr>
+              <a:lstStyle/>
+              <a:p>
+                <a:pPr algn="ctr" defTabSz="914099" fontAlgn="base">
+                  <a:spcBef>
+                    <a:spcPct val="0"/>
+                  </a:spcBef>
+                  <a:spcAft>
+                    <a:spcPct val="0"/>
+                  </a:spcAft>
+                </a:pPr>
+                <a:endParaRPr lang="en-US" sz="2200" dirty="0">
+                  <a:solidFill>
+                    <a:srgbClr val="3C454F"/>
+                  </a:solidFill>
+                </a:endParaRPr>
+              </a:p>
+            </p:txBody>
+          </p:sp>
+          <p:sp>
+            <p:nvSpPr>
+              <p:cNvPr id="103" name="Oval 102"/>
+              <p:cNvSpPr/>
+              <p:nvPr/>
+            </p:nvSpPr>
+            <p:spPr bwMode="auto">
+              <a:xfrm>
+                <a:off x="7154432" y="3158752"/>
+                <a:ext cx="548641" cy="548640"/>
+              </a:xfrm>
+              <a:prstGeom prst="ellipse">
+                <a:avLst/>
+              </a:prstGeom>
+              <a:noFill/>
+              <a:ln>
+                <a:solidFill>
+                  <a:srgbClr val="3C454F"/>
+                </a:solidFill>
+                <a:headEnd type="none" w="med" len="med"/>
+                <a:tailEnd type="none" w="med" len="med"/>
+              </a:ln>
+              <a:effectLst/>
+            </p:spPr>
+            <p:style>
+              <a:lnRef idx="1">
+                <a:schemeClr val="accent2"/>
+              </a:lnRef>
+              <a:fillRef idx="3">
+                <a:schemeClr val="accent2"/>
+              </a:fillRef>
+              <a:effectRef idx="2">
+                <a:schemeClr val="accent2"/>
+              </a:effectRef>
+              <a:fontRef idx="minor">
+                <a:schemeClr val="lt1"/>
+              </a:fontRef>
+            </p:style>
+            <p:txBody>
+              <a:bodyPr vert="horz" wrap="square" lIns="91436" tIns="45718" rIns="91436" bIns="45718" numCol="1" rtlCol="0" anchor="ctr" anchorCtr="0" compatLnSpc="1">
+                <a:prstTxWarp prst="textNoShape">
+                  <a:avLst/>
+                </a:prstTxWarp>
+              </a:bodyPr>
+              <a:lstStyle/>
+              <a:p>
+                <a:pPr algn="ctr" defTabSz="914099" fontAlgn="base">
+                  <a:spcBef>
+                    <a:spcPct val="0"/>
+                  </a:spcBef>
+                  <a:spcAft>
+                    <a:spcPct val="0"/>
+                  </a:spcAft>
+                </a:pPr>
+                <a:endParaRPr lang="en-US" sz="2200" dirty="0">
+                  <a:solidFill>
+                    <a:srgbClr val="3C454F"/>
+                  </a:solidFill>
+                </a:endParaRPr>
+              </a:p>
+            </p:txBody>
+          </p:sp>
+          <p:sp>
+            <p:nvSpPr>
+              <p:cNvPr id="104" name="Rectangle 103"/>
+              <p:cNvSpPr/>
+              <p:nvPr/>
+            </p:nvSpPr>
+            <p:spPr bwMode="auto">
+              <a:xfrm>
+                <a:off x="7214924" y="2646946"/>
+                <a:ext cx="457200" cy="91440"/>
+              </a:xfrm>
+              <a:prstGeom prst="rect">
+                <a:avLst/>
+              </a:prstGeom>
+              <a:solidFill>
+                <a:srgbClr val="3C454F"/>
+              </a:solidFill>
+              <a:ln>
+                <a:noFill/>
+                <a:headEnd type="none" w="med" len="med"/>
+                <a:tailEnd type="none" w="med" len="med"/>
+              </a:ln>
+              <a:effectLst/>
+            </p:spPr>
+            <p:style>
+              <a:lnRef idx="1">
+                <a:schemeClr val="accent2"/>
+              </a:lnRef>
+              <a:fillRef idx="3">
+                <a:schemeClr val="accent2"/>
+              </a:fillRef>
+              <a:effectRef idx="2">
+                <a:schemeClr val="accent2"/>
+              </a:effectRef>
+              <a:fontRef idx="minor">
+                <a:schemeClr val="lt1"/>
+              </a:fontRef>
+            </p:style>
+            <p:txBody>
+              <a:bodyPr vert="horz" wrap="square" lIns="91436" tIns="45718" rIns="91436" bIns="45718" numCol="1" rtlCol="0" anchor="ctr" anchorCtr="0" compatLnSpc="1">
+                <a:prstTxWarp prst="textNoShape">
+                  <a:avLst/>
+                </a:prstTxWarp>
+              </a:bodyPr>
+              <a:lstStyle/>
+              <a:p>
+                <a:pPr algn="ctr" defTabSz="914099" fontAlgn="base">
+                  <a:spcBef>
+                    <a:spcPct val="0"/>
+                  </a:spcBef>
+                  <a:spcAft>
+                    <a:spcPct val="0"/>
+                  </a:spcAft>
+                </a:pPr>
+                <a:endParaRPr lang="en-US" sz="2200" dirty="0">
+                  <a:solidFill>
+                    <a:srgbClr val="3C454F"/>
+                  </a:solidFill>
+                </a:endParaRPr>
+              </a:p>
+            </p:txBody>
+          </p:sp>
+          <p:cxnSp>
+            <p:nvCxnSpPr>
+              <p:cNvPr id="105" name="Straight Arrow Connector 104"/>
+              <p:cNvCxnSpPr/>
+              <p:nvPr/>
+            </p:nvCxnSpPr>
+            <p:spPr>
+              <a:xfrm flipH="1">
+                <a:off x="7740925" y="2694845"/>
+                <a:ext cx="369665" cy="0"/>
+              </a:xfrm>
+              <a:prstGeom prst="straightConnector1">
+                <a:avLst/>
+              </a:prstGeom>
+              <a:ln w="38100">
+                <a:solidFill>
+                  <a:srgbClr val="3C454F"/>
+                </a:solidFill>
+                <a:tailEnd type="triangle" w="sm" len="sm"/>
+              </a:ln>
+            </p:spPr>
+            <p:style>
+              <a:lnRef idx="1">
+                <a:schemeClr val="accent1"/>
+              </a:lnRef>
+              <a:fillRef idx="0">
+                <a:schemeClr val="accent1"/>
+              </a:fillRef>
+              <a:effectRef idx="0">
+                <a:schemeClr val="accent1"/>
+              </a:effectRef>
+              <a:fontRef idx="minor">
+                <a:schemeClr val="tx1"/>
+              </a:fontRef>
+            </p:style>
+          </p:cxnSp>
+          <p:sp>
+            <p:nvSpPr>
+              <p:cNvPr id="106" name="Rectangle 105"/>
+              <p:cNvSpPr/>
+              <p:nvPr/>
+            </p:nvSpPr>
+            <p:spPr>
+              <a:xfrm>
+                <a:off x="7970678" y="2204965"/>
+                <a:ext cx="741148" cy="1004289"/>
+              </a:xfrm>
+              <a:prstGeom prst="rect">
+                <a:avLst/>
+              </a:prstGeom>
+            </p:spPr>
+            <p:txBody>
+              <a:bodyPr wrap="none">
+                <a:spAutoFit/>
+              </a:bodyPr>
+              <a:lstStyle/>
+              <a:p>
+                <a:r>
+                  <a:rPr lang="en-US" sz="2000" b="1" kern="0" dirty="0">
+                    <a:ln>
+                      <a:solidFill>
+                        <a:schemeClr val="bg1">
+                          <a:alpha val="0"/>
+                        </a:schemeClr>
+                      </a:solidFill>
+                    </a:ln>
+                    <a:solidFill>
+                      <a:srgbClr val="3C454F"/>
+                    </a:solidFill>
+                    <a:latin typeface="Segoe UI Light" pitchFamily="34" charset="0"/>
+                  </a:rPr>
+                  <a:t>?</a:t>
+                </a:r>
+                <a:endParaRPr lang="en-US" sz="1400" b="1" dirty="0">
+                  <a:solidFill>
+                    <a:srgbClr val="3C454F"/>
+                  </a:solidFill>
+                  <a:latin typeface="Segoe UI Light" pitchFamily="34" charset="0"/>
+                </a:endParaRPr>
+              </a:p>
+            </p:txBody>
+          </p:sp>
+        </p:grpSp>
+      </p:grpSp>
+      <p:grpSp>
+        <p:nvGrpSpPr>
+          <p:cNvPr id="34" name="Group 33"/>
+          <p:cNvGrpSpPr/>
+          <p:nvPr/>
+        </p:nvGrpSpPr>
+        <p:grpSpPr>
+          <a:xfrm>
+            <a:off x="516322" y="2425451"/>
+            <a:ext cx="4428843" cy="1367599"/>
+            <a:chOff x="5445520" y="1906568"/>
+            <a:chExt cx="4428843" cy="1367599"/>
+          </a:xfrm>
+        </p:grpSpPr>
+        <p:grpSp>
+          <p:nvGrpSpPr>
+            <p:cNvPr id="71" name="Group 70"/>
+            <p:cNvGrpSpPr/>
+            <p:nvPr/>
+          </p:nvGrpSpPr>
+          <p:grpSpPr>
+            <a:xfrm>
+              <a:off x="6828556" y="1906568"/>
+              <a:ext cx="3045807" cy="1367599"/>
+              <a:chOff x="342904" y="1145539"/>
+              <a:chExt cx="3045807" cy="1367599"/>
+            </a:xfrm>
+          </p:grpSpPr>
+          <p:sp>
+            <p:nvSpPr>
+              <p:cNvPr id="72" name="TextBox 71"/>
+              <p:cNvSpPr txBox="1"/>
+              <p:nvPr/>
+            </p:nvSpPr>
+            <p:spPr>
+              <a:xfrm>
+                <a:off x="342904" y="1145539"/>
+                <a:ext cx="3045807" cy="843304"/>
+              </a:xfrm>
+              <a:prstGeom prst="rect">
+                <a:avLst/>
+              </a:prstGeom>
+              <a:noFill/>
+              <a:ln>
+                <a:noFill/>
+              </a:ln>
+            </p:spPr>
+            <p:txBody>
+              <a:bodyPr wrap="square" lIns="0" tIns="45718" rIns="0" bIns="45718" rtlCol="0">
+                <a:spAutoFit/>
+              </a:bodyPr>
+              <a:lstStyle/>
+              <a:p>
+                <a:pPr>
+                  <a:lnSpc>
+                    <a:spcPct val="90000"/>
+                  </a:lnSpc>
+                  <a:spcBef>
+                    <a:spcPct val="20000"/>
+                  </a:spcBef>
+                </a:pPr>
+                <a:r>
+                  <a:rPr lang="en-US" sz="2000" dirty="0">
+                    <a:solidFill>
+                      <a:srgbClr val="3C454F"/>
+                    </a:solidFill>
+                    <a:latin typeface="Segoe UI" pitchFamily="34" charset="0"/>
+                    <a:ea typeface="Segoe UI" pitchFamily="34" charset="0"/>
+                    <a:cs typeface="Segoe UI" pitchFamily="34" charset="0"/>
+                  </a:rPr>
+                  <a:t>Messaging</a:t>
+                </a:r>
+                <a:endParaRPr lang="en-US" sz="2000" dirty="0">
+                  <a:solidFill>
+                    <a:srgbClr val="3C454F"/>
+                  </a:solidFill>
+                  <a:latin typeface="Segoe UI" pitchFamily="34" charset="0"/>
+                  <a:ea typeface="Segoe UI" pitchFamily="34" charset="0"/>
+                  <a:cs typeface="Segoe UI" pitchFamily="34" charset="0"/>
+                </a:endParaRPr>
+              </a:p>
+              <a:p>
+                <a:pPr>
+                  <a:lnSpc>
+                    <a:spcPct val="90000"/>
+                  </a:lnSpc>
+                  <a:spcBef>
+                    <a:spcPct val="20000"/>
+                  </a:spcBef>
+                </a:pPr>
+                <a:r>
+                  <a:rPr lang="en-US" sz="1400" dirty="0">
+                    <a:solidFill>
+                      <a:srgbClr val="3C454F"/>
+                    </a:solidFill>
+                    <a:latin typeface="Segoe UI" pitchFamily="34" charset="0"/>
+                    <a:ea typeface="Segoe UI" pitchFamily="34" charset="0"/>
+                    <a:cs typeface="Segoe UI" pitchFamily="34" charset="0"/>
+                  </a:rPr>
+                  <a:t>Queuing Pub/Sub</a:t>
+                </a:r>
+              </a:p>
+              <a:p>
+                <a:pPr>
+                  <a:lnSpc>
+                    <a:spcPct val="90000"/>
+                  </a:lnSpc>
+                  <a:spcBef>
+                    <a:spcPct val="20000"/>
+                  </a:spcBef>
+                </a:pPr>
+                <a:r>
+                  <a:rPr lang="en-US" sz="1400" dirty="0">
+                    <a:solidFill>
+                      <a:srgbClr val="3C454F"/>
+                    </a:solidFill>
+                    <a:latin typeface="Segoe UI" pitchFamily="34" charset="0"/>
+                    <a:ea typeface="Segoe UI" pitchFamily="34" charset="0"/>
+                    <a:cs typeface="Segoe UI" pitchFamily="34" charset="0"/>
+                  </a:rPr>
+                  <a:t>Reliable Transfer</a:t>
+                </a:r>
+              </a:p>
+            </p:txBody>
+          </p:sp>
+          <p:sp>
+            <p:nvSpPr>
+              <p:cNvPr id="73" name="Rectangle 72"/>
+              <p:cNvSpPr/>
+              <p:nvPr/>
+            </p:nvSpPr>
+            <p:spPr>
+              <a:xfrm>
+                <a:off x="342905" y="2143806"/>
+                <a:ext cx="3022453" cy="369332"/>
+              </a:xfrm>
+              <a:prstGeom prst="rect">
+                <a:avLst/>
+              </a:prstGeom>
+              <a:ln>
+                <a:noFill/>
+              </a:ln>
+            </p:spPr>
+            <p:txBody>
+              <a:bodyPr wrap="square" lIns="0" tIns="0" rIns="0" bIns="0">
+                <a:spAutoFit/>
+              </a:bodyPr>
+              <a:lstStyle/>
+              <a:p>
+                <a:pPr marL="0" lvl="1" defTabSz="1218836" fontAlgn="base">
+                  <a:spcAft>
+                    <a:spcPct val="0"/>
+                  </a:spcAft>
+                </a:pPr>
+                <a:r>
+                  <a:rPr lang="en-US" sz="1200" dirty="0">
+                    <a:solidFill>
+                      <a:srgbClr val="3C454F"/>
+                    </a:solidFill>
+                    <a:ea typeface="Kozuka Gothic Pro R" pitchFamily="34" charset="-128"/>
+                  </a:rPr>
+                  <a:t>Reliable, transaction-aware cloud messaging infrastructure for business apps.</a:t>
+                </a:r>
+              </a:p>
+            </p:txBody>
+          </p:sp>
+        </p:grpSp>
+        <p:grpSp>
+          <p:nvGrpSpPr>
+            <p:cNvPr id="107" name="Group 106"/>
+            <p:cNvGrpSpPr/>
+            <p:nvPr/>
+          </p:nvGrpSpPr>
+          <p:grpSpPr>
+            <a:xfrm>
+              <a:off x="5445520" y="2057419"/>
+              <a:ext cx="880388" cy="883214"/>
+              <a:chOff x="3846625" y="1616683"/>
+              <a:chExt cx="1653774" cy="1659083"/>
+            </a:xfrm>
+          </p:grpSpPr>
+          <p:sp>
+            <p:nvSpPr>
+              <p:cNvPr id="108" name="Isosceles Triangle 107"/>
+              <p:cNvSpPr/>
+              <p:nvPr/>
+            </p:nvSpPr>
+            <p:spPr bwMode="auto">
+              <a:xfrm>
+                <a:off x="4462513" y="1616683"/>
+                <a:ext cx="433403" cy="327903"/>
+              </a:xfrm>
+              <a:prstGeom prst="triangle">
+                <a:avLst/>
+              </a:prstGeom>
+              <a:solidFill>
+                <a:srgbClr val="3C454F"/>
+              </a:solidFill>
+              <a:ln>
+                <a:solidFill>
+                  <a:srgbClr val="3C454F"/>
+                </a:solidFill>
+                <a:headEnd type="none" w="med" len="med"/>
+                <a:tailEnd type="none" w="med" len="med"/>
+              </a:ln>
+              <a:effectLst/>
+            </p:spPr>
+            <p:style>
+              <a:lnRef idx="1">
+                <a:schemeClr val="accent2"/>
+              </a:lnRef>
+              <a:fillRef idx="3">
+                <a:schemeClr val="accent2"/>
+              </a:fillRef>
+              <a:effectRef idx="2">
+                <a:schemeClr val="accent2"/>
+              </a:effectRef>
+              <a:fontRef idx="minor">
+                <a:schemeClr val="lt1"/>
+              </a:fontRef>
+            </p:style>
+            <p:txBody>
+              <a:bodyPr vert="horz" wrap="square" lIns="91436" tIns="45718" rIns="91436" bIns="45718" numCol="1" rtlCol="0" anchor="ctr" anchorCtr="0" compatLnSpc="1">
+                <a:prstTxWarp prst="textNoShape">
+                  <a:avLst/>
+                </a:prstTxWarp>
+              </a:bodyPr>
+              <a:lstStyle/>
+              <a:p>
+                <a:pPr algn="ctr" defTabSz="914099" fontAlgn="base">
+                  <a:spcBef>
+                    <a:spcPct val="0"/>
+                  </a:spcBef>
+                  <a:spcAft>
+                    <a:spcPct val="0"/>
+                  </a:spcAft>
+                </a:pPr>
+                <a:endParaRPr lang="en-US" sz="2200" dirty="0">
+                  <a:solidFill>
+                    <a:srgbClr val="3C454F"/>
+                  </a:solidFill>
+                </a:endParaRPr>
+              </a:p>
+            </p:txBody>
+          </p:sp>
+          <p:cxnSp>
+            <p:nvCxnSpPr>
+              <p:cNvPr id="109" name="Straight Arrow Connector 108"/>
+              <p:cNvCxnSpPr/>
+              <p:nvPr/>
+            </p:nvCxnSpPr>
+            <p:spPr>
+              <a:xfrm>
+                <a:off x="4679215" y="1944586"/>
+                <a:ext cx="0" cy="915040"/>
+              </a:xfrm>
+              <a:prstGeom prst="straightConnector1">
+                <a:avLst/>
+              </a:prstGeom>
+              <a:ln w="38100">
+                <a:solidFill>
+                  <a:srgbClr val="3C454F"/>
+                </a:solidFill>
+                <a:tailEnd type="triangle"/>
+              </a:ln>
+            </p:spPr>
+            <p:style>
+              <a:lnRef idx="1">
+                <a:schemeClr val="accent1"/>
+              </a:lnRef>
+              <a:fillRef idx="0">
+                <a:schemeClr val="accent1"/>
+              </a:fillRef>
+              <a:effectRef idx="0">
+                <a:schemeClr val="accent1"/>
+              </a:effectRef>
+              <a:fontRef idx="minor">
+                <a:schemeClr val="tx1"/>
+              </a:fontRef>
+            </p:style>
+          </p:cxnSp>
+          <p:sp>
+            <p:nvSpPr>
+              <p:cNvPr id="110" name="Oval 109"/>
+              <p:cNvSpPr/>
+              <p:nvPr/>
+            </p:nvSpPr>
+            <p:spPr bwMode="auto">
+              <a:xfrm>
+                <a:off x="3846625" y="2848655"/>
+                <a:ext cx="410592" cy="410592"/>
+              </a:xfrm>
+              <a:prstGeom prst="ellipse">
+                <a:avLst/>
+              </a:prstGeom>
+              <a:solidFill>
+                <a:srgbClr val="3C454F"/>
+              </a:solidFill>
+              <a:ln>
+                <a:noFill/>
+                <a:headEnd type="none" w="med" len="med"/>
+                <a:tailEnd type="none" w="med" len="med"/>
+              </a:ln>
+              <a:effectLst/>
+            </p:spPr>
+            <p:style>
+              <a:lnRef idx="1">
+                <a:schemeClr val="accent2"/>
+              </a:lnRef>
+              <a:fillRef idx="3">
+                <a:schemeClr val="accent2"/>
+              </a:fillRef>
+              <a:effectRef idx="2">
+                <a:schemeClr val="accent2"/>
+              </a:effectRef>
+              <a:fontRef idx="minor">
+                <a:schemeClr val="lt1"/>
+              </a:fontRef>
+            </p:style>
+            <p:txBody>
+              <a:bodyPr vert="horz" wrap="square" lIns="91436" tIns="45718" rIns="91436" bIns="45718" numCol="1" rtlCol="0" anchor="ctr" anchorCtr="0" compatLnSpc="1">
+                <a:prstTxWarp prst="textNoShape">
+                  <a:avLst/>
+                </a:prstTxWarp>
+              </a:bodyPr>
+              <a:lstStyle/>
+              <a:p>
+                <a:pPr algn="ctr" defTabSz="914099" fontAlgn="base">
+                  <a:spcBef>
+                    <a:spcPct val="0"/>
+                  </a:spcBef>
+                  <a:spcAft>
+                    <a:spcPct val="0"/>
+                  </a:spcAft>
+                </a:pPr>
+                <a:endParaRPr lang="en-US" sz="2200" dirty="0">
+                  <a:solidFill>
+                    <a:srgbClr val="3C454F"/>
+                  </a:solidFill>
+                </a:endParaRPr>
+              </a:p>
+            </p:txBody>
+          </p:sp>
+          <p:sp>
+            <p:nvSpPr>
+              <p:cNvPr id="111" name="Oval 110"/>
+              <p:cNvSpPr/>
+              <p:nvPr/>
+            </p:nvSpPr>
+            <p:spPr bwMode="auto">
+              <a:xfrm>
+                <a:off x="5089807" y="2848655"/>
+                <a:ext cx="410592" cy="410592"/>
+              </a:xfrm>
+              <a:prstGeom prst="ellipse">
+                <a:avLst/>
+              </a:prstGeom>
+              <a:solidFill>
+                <a:srgbClr val="3C454F"/>
+              </a:solidFill>
+              <a:ln>
+                <a:noFill/>
+                <a:headEnd type="none" w="med" len="med"/>
+                <a:tailEnd type="none" w="med" len="med"/>
+              </a:ln>
+              <a:effectLst/>
+            </p:spPr>
+            <p:style>
+              <a:lnRef idx="1">
+                <a:schemeClr val="accent2"/>
+              </a:lnRef>
+              <a:fillRef idx="3">
+                <a:schemeClr val="accent2"/>
+              </a:fillRef>
+              <a:effectRef idx="2">
+                <a:schemeClr val="accent2"/>
+              </a:effectRef>
+              <a:fontRef idx="minor">
+                <a:schemeClr val="lt1"/>
+              </a:fontRef>
+            </p:style>
+            <p:txBody>
+              <a:bodyPr vert="horz" wrap="square" lIns="91436" tIns="45718" rIns="91436" bIns="45718" numCol="1" rtlCol="0" anchor="ctr" anchorCtr="0" compatLnSpc="1">
+                <a:prstTxWarp prst="textNoShape">
+                  <a:avLst/>
+                </a:prstTxWarp>
+              </a:bodyPr>
+              <a:lstStyle/>
+              <a:p>
+                <a:pPr algn="ctr" defTabSz="914099" fontAlgn="base">
+                  <a:spcBef>
+                    <a:spcPct val="0"/>
+                  </a:spcBef>
+                  <a:spcAft>
+                    <a:spcPct val="0"/>
+                  </a:spcAft>
+                </a:pPr>
+                <a:endParaRPr lang="en-US" sz="2200" dirty="0">
+                  <a:solidFill>
+                    <a:srgbClr val="3C454F"/>
+                  </a:solidFill>
+                </a:endParaRPr>
+              </a:p>
+            </p:txBody>
+          </p:sp>
+          <p:cxnSp>
+            <p:nvCxnSpPr>
+              <p:cNvPr id="112" name="Straight Arrow Connector 111"/>
+              <p:cNvCxnSpPr/>
+              <p:nvPr/>
+            </p:nvCxnSpPr>
+            <p:spPr>
+              <a:xfrm>
+                <a:off x="4257217" y="3041955"/>
+                <a:ext cx="205296" cy="1"/>
+              </a:xfrm>
+              <a:prstGeom prst="straightConnector1">
+                <a:avLst/>
+              </a:prstGeom>
+              <a:ln w="38100">
+                <a:solidFill>
+                  <a:srgbClr val="3C454F"/>
+                </a:solidFill>
+                <a:tailEnd type="triangle" w="sm" len="sm"/>
+              </a:ln>
+            </p:spPr>
+            <p:style>
+              <a:lnRef idx="1">
+                <a:schemeClr val="accent1"/>
+              </a:lnRef>
+              <a:fillRef idx="0">
+                <a:schemeClr val="accent1"/>
+              </a:fillRef>
+              <a:effectRef idx="0">
+                <a:schemeClr val="accent1"/>
+              </a:effectRef>
+              <a:fontRef idx="minor">
+                <a:schemeClr val="tx1"/>
+              </a:fontRef>
+            </p:style>
+          </p:cxnSp>
+          <p:cxnSp>
+            <p:nvCxnSpPr>
+              <p:cNvPr id="113" name="Straight Arrow Connector 112"/>
+              <p:cNvCxnSpPr/>
+              <p:nvPr/>
+            </p:nvCxnSpPr>
+            <p:spPr>
+              <a:xfrm>
+                <a:off x="4895916" y="3053951"/>
+                <a:ext cx="205296" cy="0"/>
+              </a:xfrm>
+              <a:prstGeom prst="straightConnector1">
+                <a:avLst/>
+              </a:prstGeom>
+              <a:ln w="38100">
+                <a:solidFill>
+                  <a:srgbClr val="3C454F"/>
+                </a:solidFill>
+                <a:tailEnd type="triangle" w="sm" len="sm"/>
+              </a:ln>
+            </p:spPr>
+            <p:style>
+              <a:lnRef idx="1">
+                <a:schemeClr val="accent1"/>
+              </a:lnRef>
+              <a:fillRef idx="0">
+                <a:schemeClr val="accent1"/>
+              </a:fillRef>
+              <a:effectRef idx="0">
+                <a:schemeClr val="accent1"/>
+              </a:effectRef>
+              <a:fontRef idx="minor">
+                <a:schemeClr val="tx1"/>
+              </a:fontRef>
+            </p:style>
+          </p:cxnSp>
+          <p:sp>
+            <p:nvSpPr>
+              <p:cNvPr id="114" name="Freeform 34"/>
+              <p:cNvSpPr>
+                <a:spLocks noEditPoints="1"/>
+              </p:cNvSpPr>
+              <p:nvPr/>
+            </p:nvSpPr>
+            <p:spPr bwMode="auto">
+              <a:xfrm>
+                <a:off x="4476752" y="2882168"/>
+                <a:ext cx="401098" cy="393598"/>
+              </a:xfrm>
+              <a:custGeom>
+                <a:avLst/>
+                <a:gdLst>
+                  <a:gd name="T0" fmla="*/ 1691 w 1811"/>
+                  <a:gd name="T1" fmla="*/ 192 h 1777"/>
+                  <a:gd name="T2" fmla="*/ 907 w 1811"/>
+                  <a:gd name="T3" fmla="*/ 0 h 1777"/>
+                  <a:gd name="T4" fmla="*/ 330 w 1811"/>
+                  <a:gd name="T5" fmla="*/ 83 h 1777"/>
+                  <a:gd name="T6" fmla="*/ 120 w 1811"/>
+                  <a:gd name="T7" fmla="*/ 192 h 1777"/>
+                  <a:gd name="T8" fmla="*/ 0 w 1811"/>
+                  <a:gd name="T9" fmla="*/ 419 h 1777"/>
+                  <a:gd name="T10" fmla="*/ 0 w 1811"/>
+                  <a:gd name="T11" fmla="*/ 1306 h 1777"/>
+                  <a:gd name="T12" fmla="*/ 108 w 1811"/>
+                  <a:gd name="T13" fmla="*/ 1543 h 1777"/>
+                  <a:gd name="T14" fmla="*/ 907 w 1811"/>
+                  <a:gd name="T15" fmla="*/ 1777 h 1777"/>
+                  <a:gd name="T16" fmla="*/ 1150 w 1811"/>
+                  <a:gd name="T17" fmla="*/ 1762 h 1777"/>
+                  <a:gd name="T18" fmla="*/ 1700 w 1811"/>
+                  <a:gd name="T19" fmla="*/ 1547 h 1777"/>
+                  <a:gd name="T20" fmla="*/ 1703 w 1811"/>
+                  <a:gd name="T21" fmla="*/ 1547 h 1777"/>
+                  <a:gd name="T22" fmla="*/ 1811 w 1811"/>
+                  <a:gd name="T23" fmla="*/ 1310 h 1777"/>
+                  <a:gd name="T24" fmla="*/ 1811 w 1811"/>
+                  <a:gd name="T25" fmla="*/ 832 h 1777"/>
+                  <a:gd name="T26" fmla="*/ 1811 w 1811"/>
+                  <a:gd name="T27" fmla="*/ 832 h 1777"/>
+                  <a:gd name="T28" fmla="*/ 1811 w 1811"/>
+                  <a:gd name="T29" fmla="*/ 419 h 1777"/>
+                  <a:gd name="T30" fmla="*/ 1691 w 1811"/>
+                  <a:gd name="T31" fmla="*/ 192 h 1777"/>
+                  <a:gd name="T32" fmla="*/ 907 w 1811"/>
+                  <a:gd name="T33" fmla="*/ 167 h 1777"/>
+                  <a:gd name="T34" fmla="*/ 1646 w 1811"/>
+                  <a:gd name="T35" fmla="*/ 419 h 1777"/>
+                  <a:gd name="T36" fmla="*/ 907 w 1811"/>
+                  <a:gd name="T37" fmla="*/ 672 h 1777"/>
+                  <a:gd name="T38" fmla="*/ 167 w 1811"/>
+                  <a:gd name="T39" fmla="*/ 419 h 1777"/>
+                  <a:gd name="T40" fmla="*/ 907 w 1811"/>
+                  <a:gd name="T41" fmla="*/ 167 h 1777"/>
+                  <a:gd name="T42" fmla="*/ 167 w 1811"/>
+                  <a:gd name="T43" fmla="*/ 593 h 1777"/>
+                  <a:gd name="T44" fmla="*/ 232 w 1811"/>
+                  <a:gd name="T45" fmla="*/ 638 h 1777"/>
+                  <a:gd name="T46" fmla="*/ 907 w 1811"/>
+                  <a:gd name="T47" fmla="*/ 771 h 1777"/>
+                  <a:gd name="T48" fmla="*/ 1455 w 1811"/>
+                  <a:gd name="T49" fmla="*/ 692 h 1777"/>
+                  <a:gd name="T50" fmla="*/ 1641 w 1811"/>
+                  <a:gd name="T51" fmla="*/ 598 h 1777"/>
+                  <a:gd name="T52" fmla="*/ 1646 w 1811"/>
+                  <a:gd name="T53" fmla="*/ 593 h 1777"/>
+                  <a:gd name="T54" fmla="*/ 1646 w 1811"/>
+                  <a:gd name="T55" fmla="*/ 774 h 1777"/>
+                  <a:gd name="T56" fmla="*/ 1646 w 1811"/>
+                  <a:gd name="T57" fmla="*/ 822 h 1777"/>
+                  <a:gd name="T58" fmla="*/ 1245 w 1811"/>
+                  <a:gd name="T59" fmla="*/ 932 h 1777"/>
+                  <a:gd name="T60" fmla="*/ 901 w 1811"/>
+                  <a:gd name="T61" fmla="*/ 962 h 1777"/>
+                  <a:gd name="T62" fmla="*/ 167 w 1811"/>
+                  <a:gd name="T63" fmla="*/ 722 h 1777"/>
+                  <a:gd name="T64" fmla="*/ 167 w 1811"/>
+                  <a:gd name="T65" fmla="*/ 593 h 1777"/>
+                  <a:gd name="T66" fmla="*/ 167 w 1811"/>
+                  <a:gd name="T67" fmla="*/ 1049 h 1777"/>
+                  <a:gd name="T68" fmla="*/ 167 w 1811"/>
+                  <a:gd name="T69" fmla="*/ 884 h 1777"/>
+                  <a:gd name="T70" fmla="*/ 232 w 1811"/>
+                  <a:gd name="T71" fmla="*/ 929 h 1777"/>
+                  <a:gd name="T72" fmla="*/ 901 w 1811"/>
+                  <a:gd name="T73" fmla="*/ 1058 h 1777"/>
+                  <a:gd name="T74" fmla="*/ 1183 w 1811"/>
+                  <a:gd name="T75" fmla="*/ 1040 h 1777"/>
+                  <a:gd name="T76" fmla="*/ 1646 w 1811"/>
+                  <a:gd name="T77" fmla="*/ 934 h 1777"/>
+                  <a:gd name="T78" fmla="*/ 1646 w 1811"/>
+                  <a:gd name="T79" fmla="*/ 1138 h 1777"/>
+                  <a:gd name="T80" fmla="*/ 1159 w 1811"/>
+                  <a:gd name="T81" fmla="*/ 1252 h 1777"/>
+                  <a:gd name="T82" fmla="*/ 901 w 1811"/>
+                  <a:gd name="T83" fmla="*/ 1268 h 1777"/>
+                  <a:gd name="T84" fmla="*/ 167 w 1811"/>
+                  <a:gd name="T85" fmla="*/ 1053 h 1777"/>
+                  <a:gd name="T86" fmla="*/ 167 w 1811"/>
+                  <a:gd name="T87" fmla="*/ 1049 h 1777"/>
+                  <a:gd name="T88" fmla="*/ 907 w 1811"/>
+                  <a:gd name="T89" fmla="*/ 1611 h 1777"/>
+                  <a:gd name="T90" fmla="*/ 167 w 1811"/>
+                  <a:gd name="T91" fmla="*/ 1306 h 1777"/>
+                  <a:gd name="T92" fmla="*/ 167 w 1811"/>
+                  <a:gd name="T93" fmla="*/ 1196 h 1777"/>
+                  <a:gd name="T94" fmla="*/ 226 w 1811"/>
+                  <a:gd name="T95" fmla="*/ 1233 h 1777"/>
+                  <a:gd name="T96" fmla="*/ 901 w 1811"/>
+                  <a:gd name="T97" fmla="*/ 1365 h 1777"/>
+                  <a:gd name="T98" fmla="*/ 1157 w 1811"/>
+                  <a:gd name="T99" fmla="*/ 1350 h 1777"/>
+                  <a:gd name="T100" fmla="*/ 1646 w 1811"/>
+                  <a:gd name="T101" fmla="*/ 1241 h 1777"/>
+                  <a:gd name="T102" fmla="*/ 1646 w 1811"/>
+                  <a:gd name="T103" fmla="*/ 1394 h 1777"/>
+                  <a:gd name="T104" fmla="*/ 1517 w 1811"/>
+                  <a:gd name="T105" fmla="*/ 1510 h 1777"/>
+                  <a:gd name="T106" fmla="*/ 1153 w 1811"/>
+                  <a:gd name="T107" fmla="*/ 1594 h 1777"/>
+                  <a:gd name="T108" fmla="*/ 907 w 1811"/>
+                  <a:gd name="T109" fmla="*/ 1611 h 1777"/>
+                </a:gdLst>
+                <a:ahLst/>
+                <a:cxnLst>
+                  <a:cxn ang="0">
+                    <a:pos x="T0" y="T1"/>
+                  </a:cxn>
+                  <a:cxn ang="0">
+                    <a:pos x="T2" y="T3"/>
+                  </a:cxn>
+                  <a:cxn ang="0">
+                    <a:pos x="T4" y="T5"/>
+                  </a:cxn>
+                  <a:cxn ang="0">
+                    <a:pos x="T6" y="T7"/>
+                  </a:cxn>
+                  <a:cxn ang="0">
+                    <a:pos x="T8" y="T9"/>
+                  </a:cxn>
+                  <a:cxn ang="0">
+                    <a:pos x="T10" y="T11"/>
+                  </a:cxn>
+                  <a:cxn ang="0">
+                    <a:pos x="T12" y="T13"/>
+                  </a:cxn>
+                  <a:cxn ang="0">
+                    <a:pos x="T14" y="T15"/>
+                  </a:cxn>
+                  <a:cxn ang="0">
+                    <a:pos x="T16" y="T17"/>
+                  </a:cxn>
+                  <a:cxn ang="0">
+                    <a:pos x="T18" y="T19"/>
+                  </a:cxn>
+                  <a:cxn ang="0">
+                    <a:pos x="T20" y="T21"/>
+                  </a:cxn>
+                  <a:cxn ang="0">
+                    <a:pos x="T22" y="T23"/>
+                  </a:cxn>
+                  <a:cxn ang="0">
+                    <a:pos x="T24" y="T25"/>
+                  </a:cxn>
+                  <a:cxn ang="0">
+                    <a:pos x="T26" y="T27"/>
+                  </a:cxn>
+                  <a:cxn ang="0">
+                    <a:pos x="T28" y="T29"/>
+                  </a:cxn>
+                  <a:cxn ang="0">
+                    <a:pos x="T30" y="T31"/>
+                  </a:cxn>
+                  <a:cxn ang="0">
+                    <a:pos x="T32" y="T33"/>
+                  </a:cxn>
+                  <a:cxn ang="0">
+                    <a:pos x="T34" y="T35"/>
+                  </a:cxn>
+                  <a:cxn ang="0">
+                    <a:pos x="T36" y="T37"/>
+                  </a:cxn>
+                  <a:cxn ang="0">
+                    <a:pos x="T38" y="T39"/>
+                  </a:cxn>
+                  <a:cxn ang="0">
+                    <a:pos x="T40" y="T41"/>
+                  </a:cxn>
+                  <a:cxn ang="0">
+                    <a:pos x="T42" y="T43"/>
+                  </a:cxn>
+                  <a:cxn ang="0">
+                    <a:pos x="T44" y="T45"/>
+                  </a:cxn>
+                  <a:cxn ang="0">
+                    <a:pos x="T46" y="T47"/>
+                  </a:cxn>
+                  <a:cxn ang="0">
+                    <a:pos x="T48" y="T49"/>
+                  </a:cxn>
+                  <a:cxn ang="0">
+                    <a:pos x="T50" y="T51"/>
+                  </a:cxn>
+                  <a:cxn ang="0">
+                    <a:pos x="T52" y="T53"/>
+                  </a:cxn>
+                  <a:cxn ang="0">
+                    <a:pos x="T54" y="T55"/>
+                  </a:cxn>
+                  <a:cxn ang="0">
+                    <a:pos x="T56" y="T57"/>
+                  </a:cxn>
+                  <a:cxn ang="0">
+                    <a:pos x="T58" y="T59"/>
+                  </a:cxn>
+                  <a:cxn ang="0">
+                    <a:pos x="T60" y="T61"/>
+                  </a:cxn>
+                  <a:cxn ang="0">
+                    <a:pos x="T62" y="T63"/>
+                  </a:cxn>
+                  <a:cxn ang="0">
+                    <a:pos x="T64" y="T65"/>
+                  </a:cxn>
+                  <a:cxn ang="0">
+                    <a:pos x="T66" y="T67"/>
+                  </a:cxn>
+                  <a:cxn ang="0">
+                    <a:pos x="T68" y="T69"/>
+                  </a:cxn>
+                  <a:cxn ang="0">
+                    <a:pos x="T70" y="T71"/>
+                  </a:cxn>
+                  <a:cxn ang="0">
+                    <a:pos x="T72" y="T73"/>
+                  </a:cxn>
+                  <a:cxn ang="0">
+                    <a:pos x="T74" y="T75"/>
+                  </a:cxn>
+                  <a:cxn ang="0">
+                    <a:pos x="T76" y="T77"/>
+                  </a:cxn>
+                  <a:cxn ang="0">
+                    <a:pos x="T78" y="T79"/>
+                  </a:cxn>
+                  <a:cxn ang="0">
+                    <a:pos x="T80" y="T81"/>
+                  </a:cxn>
+                  <a:cxn ang="0">
+                    <a:pos x="T82" y="T83"/>
+                  </a:cxn>
+                  <a:cxn ang="0">
+                    <a:pos x="T84" y="T85"/>
+                  </a:cxn>
+                  <a:cxn ang="0">
+                    <a:pos x="T86" y="T87"/>
+                  </a:cxn>
+                  <a:cxn ang="0">
+                    <a:pos x="T88" y="T89"/>
+                  </a:cxn>
+                  <a:cxn ang="0">
+                    <a:pos x="T90" y="T91"/>
+                  </a:cxn>
+                  <a:cxn ang="0">
+                    <a:pos x="T92" y="T93"/>
+                  </a:cxn>
+                  <a:cxn ang="0">
+                    <a:pos x="T94" y="T95"/>
+                  </a:cxn>
+                  <a:cxn ang="0">
+                    <a:pos x="T96" y="T97"/>
+                  </a:cxn>
+                  <a:cxn ang="0">
+                    <a:pos x="T98" y="T99"/>
+                  </a:cxn>
+                  <a:cxn ang="0">
+                    <a:pos x="T100" y="T101"/>
+                  </a:cxn>
+                  <a:cxn ang="0">
+                    <a:pos x="T102" y="T103"/>
+                  </a:cxn>
+                  <a:cxn ang="0">
+                    <a:pos x="T104" y="T105"/>
+                  </a:cxn>
+                  <a:cxn ang="0">
+                    <a:pos x="T106" y="T107"/>
+                  </a:cxn>
+                  <a:cxn ang="0">
+                    <a:pos x="T108" y="T109"/>
+                  </a:cxn>
+                </a:cxnLst>
+                <a:rect l="0" t="0" r="r" b="b"/>
+                <a:pathLst>
+                  <a:path w="1811" h="1777">
+                    <a:moveTo>
+                      <a:pt x="1691" y="192"/>
+                    </a:moveTo>
+                    <a:cubicBezTo>
+                      <a:pt x="1512" y="56"/>
+                      <a:pt x="1237" y="5"/>
+                      <a:pt x="907" y="0"/>
+                    </a:cubicBezTo>
+                    <a:cubicBezTo>
+                      <a:pt x="686" y="0"/>
+                      <a:pt x="486" y="30"/>
+                      <a:pt x="330" y="83"/>
+                    </a:cubicBezTo>
+                    <a:cubicBezTo>
+                      <a:pt x="250" y="111"/>
+                      <a:pt x="181" y="143"/>
+                      <a:pt x="120" y="192"/>
+                    </a:cubicBezTo>
+                    <a:cubicBezTo>
+                      <a:pt x="61" y="237"/>
+                      <a:pt x="0" y="315"/>
+                      <a:pt x="0" y="419"/>
+                    </a:cubicBezTo>
+                    <a:cubicBezTo>
+                      <a:pt x="0" y="1306"/>
+                      <a:pt x="0" y="1306"/>
+                      <a:pt x="0" y="1306"/>
+                    </a:cubicBezTo>
+                    <a:cubicBezTo>
+                      <a:pt x="0" y="1405"/>
+                      <a:pt x="49" y="1488"/>
+                      <a:pt x="108" y="1543"/>
+                    </a:cubicBezTo>
+                    <a:cubicBezTo>
+                      <a:pt x="286" y="1707"/>
+                      <a:pt x="571" y="1772"/>
+                      <a:pt x="907" y="1777"/>
+                    </a:cubicBezTo>
+                    <a:cubicBezTo>
+                      <a:pt x="989" y="1777"/>
+                      <a:pt x="1074" y="1772"/>
+                      <a:pt x="1150" y="1762"/>
+                    </a:cubicBezTo>
+                    <a:cubicBezTo>
+                      <a:pt x="1150" y="1762"/>
+                      <a:pt x="1560" y="1688"/>
+                      <a:pt x="1700" y="1547"/>
+                    </a:cubicBezTo>
+                    <a:cubicBezTo>
+                      <a:pt x="1703" y="1547"/>
+                      <a:pt x="1703" y="1547"/>
+                      <a:pt x="1703" y="1547"/>
+                    </a:cubicBezTo>
+                    <a:cubicBezTo>
+                      <a:pt x="1762" y="1492"/>
+                      <a:pt x="1811" y="1409"/>
+                      <a:pt x="1811" y="1310"/>
+                    </a:cubicBezTo>
+                    <a:cubicBezTo>
+                      <a:pt x="1811" y="1310"/>
+                      <a:pt x="1811" y="1310"/>
+                      <a:pt x="1811" y="832"/>
+                    </a:cubicBezTo>
+                    <a:cubicBezTo>
+                      <a:pt x="1811" y="832"/>
+                      <a:pt x="1811" y="832"/>
+                      <a:pt x="1811" y="832"/>
+                    </a:cubicBezTo>
+                    <a:cubicBezTo>
+                      <a:pt x="1811" y="419"/>
+                      <a:pt x="1811" y="419"/>
+                      <a:pt x="1811" y="419"/>
+                    </a:cubicBezTo>
+                    <a:cubicBezTo>
+                      <a:pt x="1811" y="315"/>
+                      <a:pt x="1750" y="237"/>
+                      <a:pt x="1691" y="192"/>
+                    </a:cubicBezTo>
+                    <a:close/>
+                    <a:moveTo>
+                      <a:pt x="907" y="167"/>
+                    </a:moveTo>
+                    <a:cubicBezTo>
+                      <a:pt x="1313" y="167"/>
+                      <a:pt x="1646" y="280"/>
+                      <a:pt x="1646" y="419"/>
+                    </a:cubicBezTo>
+                    <a:cubicBezTo>
+                      <a:pt x="1646" y="559"/>
+                      <a:pt x="1313" y="672"/>
+                      <a:pt x="907" y="672"/>
+                    </a:cubicBezTo>
+                    <a:cubicBezTo>
+                      <a:pt x="498" y="672"/>
+                      <a:pt x="167" y="559"/>
+                      <a:pt x="167" y="419"/>
+                    </a:cubicBezTo>
+                    <a:cubicBezTo>
+                      <a:pt x="167" y="280"/>
+                      <a:pt x="498" y="167"/>
+                      <a:pt x="907" y="167"/>
+                    </a:cubicBezTo>
+                    <a:close/>
+                    <a:moveTo>
+                      <a:pt x="167" y="593"/>
+                    </a:moveTo>
+                    <a:cubicBezTo>
+                      <a:pt x="186" y="609"/>
+                      <a:pt x="208" y="625"/>
+                      <a:pt x="232" y="638"/>
+                    </a:cubicBezTo>
+                    <a:cubicBezTo>
+                      <a:pt x="385" y="722"/>
+                      <a:pt x="626" y="769"/>
+                      <a:pt x="907" y="771"/>
+                    </a:cubicBezTo>
+                    <a:cubicBezTo>
+                      <a:pt x="1117" y="771"/>
+                      <a:pt x="1310" y="742"/>
+                      <a:pt x="1455" y="692"/>
+                    </a:cubicBezTo>
+                    <a:cubicBezTo>
+                      <a:pt x="1529" y="667"/>
+                      <a:pt x="1590" y="636"/>
+                      <a:pt x="1641" y="598"/>
+                    </a:cubicBezTo>
+                    <a:cubicBezTo>
+                      <a:pt x="1642" y="596"/>
+                      <a:pt x="1644" y="594"/>
+                      <a:pt x="1646" y="593"/>
+                    </a:cubicBezTo>
+                    <a:cubicBezTo>
+                      <a:pt x="1646" y="774"/>
+                      <a:pt x="1646" y="774"/>
+                      <a:pt x="1646" y="774"/>
+                    </a:cubicBezTo>
+                    <a:cubicBezTo>
+                      <a:pt x="1646" y="822"/>
+                      <a:pt x="1646" y="822"/>
+                      <a:pt x="1646" y="822"/>
+                    </a:cubicBezTo>
+                    <a:cubicBezTo>
+                      <a:pt x="1472" y="895"/>
+                      <a:pt x="1245" y="932"/>
+                      <a:pt x="1245" y="932"/>
+                    </a:cubicBezTo>
+                    <a:cubicBezTo>
+                      <a:pt x="1143" y="950"/>
+                      <a:pt x="1025" y="962"/>
+                      <a:pt x="901" y="962"/>
+                    </a:cubicBezTo>
+                    <a:cubicBezTo>
+                      <a:pt x="505" y="962"/>
+                      <a:pt x="182" y="854"/>
+                      <a:pt x="167" y="722"/>
+                    </a:cubicBezTo>
+                    <a:cubicBezTo>
+                      <a:pt x="167" y="593"/>
+                      <a:pt x="167" y="593"/>
+                      <a:pt x="167" y="593"/>
+                    </a:cubicBezTo>
+                    <a:close/>
+                    <a:moveTo>
+                      <a:pt x="167" y="1049"/>
+                    </a:moveTo>
+                    <a:cubicBezTo>
+                      <a:pt x="167" y="940"/>
+                      <a:pt x="167" y="899"/>
+                      <a:pt x="167" y="884"/>
+                    </a:cubicBezTo>
+                    <a:cubicBezTo>
+                      <a:pt x="187" y="901"/>
+                      <a:pt x="209" y="914"/>
+                      <a:pt x="232" y="929"/>
+                    </a:cubicBezTo>
+                    <a:cubicBezTo>
+                      <a:pt x="385" y="1012"/>
+                      <a:pt x="625" y="1058"/>
+                      <a:pt x="901" y="1058"/>
+                    </a:cubicBezTo>
+                    <a:cubicBezTo>
+                      <a:pt x="1000" y="1058"/>
+                      <a:pt x="1096" y="1048"/>
+                      <a:pt x="1183" y="1040"/>
+                    </a:cubicBezTo>
+                    <a:cubicBezTo>
+                      <a:pt x="1381" y="1022"/>
+                      <a:pt x="1569" y="961"/>
+                      <a:pt x="1646" y="934"/>
+                    </a:cubicBezTo>
+                    <a:cubicBezTo>
+                      <a:pt x="1646" y="1138"/>
+                      <a:pt x="1646" y="1138"/>
+                      <a:pt x="1646" y="1138"/>
+                    </a:cubicBezTo>
+                    <a:cubicBezTo>
+                      <a:pt x="1283" y="1244"/>
+                      <a:pt x="1159" y="1252"/>
+                      <a:pt x="1159" y="1252"/>
+                    </a:cubicBezTo>
+                    <a:cubicBezTo>
+                      <a:pt x="1079" y="1262"/>
+                      <a:pt x="991" y="1268"/>
+                      <a:pt x="901" y="1268"/>
+                    </a:cubicBezTo>
+                    <a:cubicBezTo>
+                      <a:pt x="527" y="1268"/>
+                      <a:pt x="218" y="1174"/>
+                      <a:pt x="167" y="1053"/>
+                    </a:cubicBezTo>
+                    <a:cubicBezTo>
+                      <a:pt x="167" y="1049"/>
+                      <a:pt x="167" y="1049"/>
+                      <a:pt x="167" y="1049"/>
+                    </a:cubicBezTo>
+                    <a:close/>
+                    <a:moveTo>
+                      <a:pt x="907" y="1611"/>
+                    </a:moveTo>
+                    <a:cubicBezTo>
+                      <a:pt x="498" y="1611"/>
+                      <a:pt x="167" y="1474"/>
+                      <a:pt x="167" y="1306"/>
+                    </a:cubicBezTo>
+                    <a:cubicBezTo>
+                      <a:pt x="167" y="1262"/>
+                      <a:pt x="167" y="1226"/>
+                      <a:pt x="167" y="1196"/>
+                    </a:cubicBezTo>
+                    <a:cubicBezTo>
+                      <a:pt x="186" y="1210"/>
+                      <a:pt x="205" y="1221"/>
+                      <a:pt x="226" y="1233"/>
+                    </a:cubicBezTo>
+                    <a:cubicBezTo>
+                      <a:pt x="378" y="1318"/>
+                      <a:pt x="622" y="1365"/>
+                      <a:pt x="901" y="1365"/>
+                    </a:cubicBezTo>
+                    <a:cubicBezTo>
+                      <a:pt x="991" y="1365"/>
+                      <a:pt x="1076" y="1359"/>
+                      <a:pt x="1157" y="1350"/>
+                    </a:cubicBezTo>
+                    <a:cubicBezTo>
+                      <a:pt x="1346" y="1327"/>
+                      <a:pt x="1544" y="1272"/>
+                      <a:pt x="1646" y="1241"/>
+                    </a:cubicBezTo>
+                    <a:cubicBezTo>
+                      <a:pt x="1646" y="1394"/>
+                      <a:pt x="1646" y="1394"/>
+                      <a:pt x="1646" y="1394"/>
+                    </a:cubicBezTo>
+                    <a:cubicBezTo>
+                      <a:pt x="1636" y="1419"/>
+                      <a:pt x="1607" y="1462"/>
+                      <a:pt x="1517" y="1510"/>
+                    </a:cubicBezTo>
+                    <a:cubicBezTo>
+                      <a:pt x="1291" y="1579"/>
+                      <a:pt x="1153" y="1594"/>
+                      <a:pt x="1153" y="1594"/>
+                    </a:cubicBezTo>
+                    <a:cubicBezTo>
+                      <a:pt x="1077" y="1606"/>
+                      <a:pt x="991" y="1611"/>
+                      <a:pt x="907" y="1611"/>
+                    </a:cubicBezTo>
+                    <a:close/>
+                  </a:path>
+                </a:pathLst>
+              </a:custGeom>
+              <a:solidFill>
+                <a:srgbClr val="3C454F"/>
+              </a:solidFill>
+              <a:ln>
+                <a:noFill/>
+                <a:headEnd type="none" w="med" len="med"/>
+                <a:tailEnd type="none" w="med" len="med"/>
+              </a:ln>
+            </p:spPr>
+            <p:style>
+              <a:lnRef idx="2">
+                <a:schemeClr val="accent3">
+                  <a:shade val="50000"/>
+                </a:schemeClr>
+              </a:lnRef>
+              <a:fillRef idx="1">
+                <a:schemeClr val="accent3"/>
+              </a:fillRef>
+              <a:effectRef idx="0">
+                <a:schemeClr val="accent3"/>
+              </a:effectRef>
+              <a:fontRef idx="minor">
+                <a:schemeClr val="lt1"/>
+              </a:fontRef>
+            </p:style>
+            <p:txBody>
+              <a:bodyPr vert="horz" wrap="square" lIns="82302" tIns="41151" rIns="82302" bIns="41151" numCol="1" rtlCol="0" anchor="ctr" anchorCtr="0" compatLnSpc="1">
+                <a:prstTxWarp prst="textNoShape">
+                  <a:avLst/>
+                </a:prstTxWarp>
+              </a:bodyPr>
+              <a:lstStyle/>
+              <a:p>
+                <a:pPr defTabSz="740740"/>
+                <a:endParaRPr lang="en-US" spc="-122" dirty="0">
+                  <a:solidFill>
+                    <a:srgbClr val="3C454F"/>
+                  </a:solidFill>
+                  <a:latin typeface="Segoe UI Light" pitchFamily="34" charset="0"/>
+                </a:endParaRPr>
+              </a:p>
+            </p:txBody>
+          </p:sp>
+        </p:grpSp>
+      </p:grpSp>
+      <p:cxnSp>
+        <p:nvCxnSpPr>
+          <p:cNvPr id="68" name="Straight Connector 67"/>
+          <p:cNvCxnSpPr/>
+          <p:nvPr/>
+        </p:nvCxnSpPr>
+        <p:spPr>
+          <a:xfrm>
+            <a:off x="131191" y="5461502"/>
+            <a:ext cx="4930166" cy="11091"/>
+          </a:xfrm>
+          <a:prstGeom prst="line">
+            <a:avLst/>
+          </a:prstGeom>
+          <a:ln>
+            <a:solidFill>
+              <a:schemeClr val="accent1"/>
+            </a:solidFill>
+          </a:ln>
+        </p:spPr>
+        <p:style>
+          <a:lnRef idx="1">
+            <a:schemeClr val="accent1"/>
+          </a:lnRef>
+          <a:fillRef idx="0">
+            <a:schemeClr val="accent1"/>
+          </a:fillRef>
+          <a:effectRef idx="0">
+            <a:schemeClr val="accent1"/>
+          </a:effectRef>
+          <a:fontRef idx="minor">
+            <a:schemeClr val="tx1"/>
+          </a:fontRef>
+        </p:style>
+      </p:cxnSp>
+      <p:grpSp>
+        <p:nvGrpSpPr>
+          <p:cNvPr id="25" name="Group 24"/>
+          <p:cNvGrpSpPr/>
+          <p:nvPr/>
+        </p:nvGrpSpPr>
+        <p:grpSpPr>
+          <a:xfrm>
+            <a:off x="524276" y="4003759"/>
+            <a:ext cx="4428843" cy="1367599"/>
+            <a:chOff x="395687" y="4067258"/>
+            <a:chExt cx="4428843" cy="1367599"/>
+          </a:xfrm>
+        </p:grpSpPr>
+        <p:cxnSp>
+          <p:nvCxnSpPr>
+            <p:cNvPr id="120" name="Straight Arrow Connector 119"/>
+            <p:cNvCxnSpPr>
+              <a:stCxn id="81" idx="3"/>
+              <a:endCxn id="84" idx="1"/>
+            </p:cNvCxnSpPr>
+            <p:nvPr/>
+          </p:nvCxnSpPr>
+          <p:spPr>
+            <a:xfrm>
+              <a:off x="838917" y="4392668"/>
+              <a:ext cx="250589" cy="513292"/>
+            </a:xfrm>
+            <a:prstGeom prst="straightConnector1">
+              <a:avLst/>
+            </a:prstGeom>
+            <a:ln w="38100">
+              <a:solidFill>
+                <a:srgbClr val="3C454F"/>
+              </a:solidFill>
+              <a:tailEnd type="triangle"/>
+            </a:ln>
+          </p:spPr>
+          <p:style>
+            <a:lnRef idx="1">
+              <a:schemeClr val="accent1"/>
+            </a:lnRef>
+            <a:fillRef idx="0">
+              <a:schemeClr val="accent1"/>
+            </a:fillRef>
+            <a:effectRef idx="0">
+              <a:schemeClr val="accent1"/>
+            </a:effectRef>
+            <a:fontRef idx="minor">
+              <a:schemeClr val="tx1"/>
+            </a:fontRef>
+          </p:style>
+        </p:cxnSp>
+        <p:grpSp>
+          <p:nvGrpSpPr>
+            <p:cNvPr id="23" name="Group 22"/>
+            <p:cNvGrpSpPr/>
+            <p:nvPr/>
+          </p:nvGrpSpPr>
+          <p:grpSpPr>
+            <a:xfrm>
+              <a:off x="395687" y="4067258"/>
+              <a:ext cx="4428843" cy="1367599"/>
+              <a:chOff x="395687" y="4067258"/>
+              <a:chExt cx="4428843" cy="1367599"/>
+            </a:xfrm>
+          </p:grpSpPr>
+          <p:grpSp>
+            <p:nvGrpSpPr>
+              <p:cNvPr id="69" name="Group 68"/>
+              <p:cNvGrpSpPr/>
+              <p:nvPr/>
+            </p:nvGrpSpPr>
+            <p:grpSpPr>
+              <a:xfrm>
+                <a:off x="395687" y="4067258"/>
+                <a:ext cx="4428843" cy="1367599"/>
+                <a:chOff x="5445520" y="1906568"/>
+                <a:chExt cx="4428843" cy="1367599"/>
+              </a:xfrm>
+            </p:grpSpPr>
+            <p:grpSp>
+              <p:nvGrpSpPr>
+                <p:cNvPr id="70" name="Group 69"/>
+                <p:cNvGrpSpPr/>
+                <p:nvPr/>
+              </p:nvGrpSpPr>
+              <p:grpSpPr>
+                <a:xfrm>
+                  <a:off x="6828556" y="1906568"/>
+                  <a:ext cx="3045807" cy="1367599"/>
+                  <a:chOff x="342904" y="1145539"/>
+                  <a:chExt cx="3045807" cy="1367599"/>
+                </a:xfrm>
+              </p:grpSpPr>
+              <p:sp>
+                <p:nvSpPr>
+                  <p:cNvPr id="118" name="TextBox 117"/>
+                  <p:cNvSpPr txBox="1"/>
+                  <p:nvPr/>
+                </p:nvSpPr>
+                <p:spPr>
+                  <a:xfrm>
+                    <a:off x="342904" y="1145539"/>
+                    <a:ext cx="3045807" cy="843304"/>
+                  </a:xfrm>
+                  <a:prstGeom prst="rect">
+                    <a:avLst/>
+                  </a:prstGeom>
+                  <a:noFill/>
+                  <a:ln>
+                    <a:noFill/>
+                  </a:ln>
+                </p:spPr>
+                <p:txBody>
+                  <a:bodyPr wrap="square" lIns="0" tIns="45718" rIns="0" bIns="45718" rtlCol="0">
+                    <a:spAutoFit/>
+                  </a:bodyPr>
+                  <a:lstStyle/>
+                  <a:p>
+                    <a:pPr>
+                      <a:lnSpc>
+                        <a:spcPct val="90000"/>
+                      </a:lnSpc>
+                      <a:spcBef>
+                        <a:spcPct val="20000"/>
+                      </a:spcBef>
+                    </a:pPr>
+                    <a:r>
+                      <a:rPr lang="en-US" sz="2000" dirty="0">
+                        <a:solidFill>
+                          <a:srgbClr val="3C454F"/>
+                        </a:solidFill>
+                        <a:latin typeface="Segoe UI" pitchFamily="34" charset="0"/>
+                        <a:ea typeface="Segoe UI" pitchFamily="34" charset="0"/>
+                        <a:cs typeface="Segoe UI" pitchFamily="34" charset="0"/>
+                      </a:rPr>
+                      <a:t>Notification</a:t>
+                    </a:r>
+                  </a:p>
+                  <a:p>
+                    <a:pPr>
+                      <a:lnSpc>
+                        <a:spcPct val="90000"/>
+                      </a:lnSpc>
+                      <a:spcBef>
+                        <a:spcPct val="20000"/>
+                      </a:spcBef>
+                    </a:pPr>
+                    <a:r>
+                      <a:rPr lang="en-US" sz="1400" dirty="0">
+                        <a:solidFill>
+                          <a:srgbClr val="3C454F"/>
+                        </a:solidFill>
+                        <a:latin typeface="Segoe UI" pitchFamily="34" charset="0"/>
+                        <a:ea typeface="Segoe UI" pitchFamily="34" charset="0"/>
+                        <a:cs typeface="Segoe UI" pitchFamily="34" charset="0"/>
+                      </a:rPr>
+                      <a:t>Multiplatform</a:t>
+                    </a:r>
+                  </a:p>
+                  <a:p>
+                    <a:pPr>
+                      <a:lnSpc>
+                        <a:spcPct val="90000"/>
+                      </a:lnSpc>
+                      <a:spcBef>
+                        <a:spcPct val="20000"/>
+                      </a:spcBef>
+                    </a:pPr>
+                    <a:r>
+                      <a:rPr lang="en-US" sz="1400" dirty="0">
+                        <a:solidFill>
+                          <a:srgbClr val="3C454F"/>
+                        </a:solidFill>
+                        <a:latin typeface="Segoe UI" pitchFamily="34" charset="0"/>
+                        <a:ea typeface="Segoe UI" pitchFamily="34" charset="0"/>
+                        <a:cs typeface="Segoe UI" pitchFamily="34" charset="0"/>
+                      </a:rPr>
+                      <a:t>Easily Scale out</a:t>
+                    </a:r>
+                    <a:endParaRPr lang="en-US" sz="1400" dirty="0">
+                      <a:solidFill>
+                        <a:srgbClr val="3C454F"/>
+                      </a:solidFill>
+                      <a:latin typeface="Segoe UI" pitchFamily="34" charset="0"/>
+                      <a:ea typeface="Segoe UI" pitchFamily="34" charset="0"/>
+                      <a:cs typeface="Segoe UI" pitchFamily="34" charset="0"/>
+                    </a:endParaRPr>
+                  </a:p>
+                </p:txBody>
+              </p:sp>
+              <p:sp>
+                <p:nvSpPr>
+                  <p:cNvPr id="119" name="Rectangle 118"/>
+                  <p:cNvSpPr/>
+                  <p:nvPr/>
+                </p:nvSpPr>
+                <p:spPr>
+                  <a:xfrm>
+                    <a:off x="342905" y="2143806"/>
+                    <a:ext cx="3022453" cy="369332"/>
+                  </a:xfrm>
+                  <a:prstGeom prst="rect">
+                    <a:avLst/>
+                  </a:prstGeom>
+                  <a:ln>
+                    <a:noFill/>
+                  </a:ln>
+                </p:spPr>
+                <p:txBody>
+                  <a:bodyPr wrap="square" lIns="0" tIns="0" rIns="0" bIns="0">
+                    <a:spAutoFit/>
+                  </a:bodyPr>
+                  <a:lstStyle/>
+                  <a:p>
+                    <a:pPr marL="0" lvl="1" defTabSz="1218836" fontAlgn="base">
+                      <a:spcAft>
+                        <a:spcPct val="0"/>
+                      </a:spcAft>
+                    </a:pPr>
+                    <a:r>
+                      <a:rPr lang="en-US" sz="1200" dirty="0">
+                        <a:solidFill>
+                          <a:srgbClr val="3C454F"/>
+                        </a:solidFill>
+                        <a:ea typeface="Kozuka Gothic Pro R" pitchFamily="34" charset="-128"/>
+                      </a:rPr>
+                      <a:t>Push notifications to large number of mobile devices.</a:t>
+                    </a:r>
+                    <a:endParaRPr lang="en-US" sz="1200" dirty="0">
+                      <a:solidFill>
+                        <a:srgbClr val="3C454F"/>
+                      </a:solidFill>
+                      <a:ea typeface="Kozuka Gothic Pro R" pitchFamily="34" charset="-128"/>
+                    </a:endParaRPr>
+                  </a:p>
+                </p:txBody>
+              </p:sp>
+            </p:grpSp>
+            <p:grpSp>
+              <p:nvGrpSpPr>
+                <p:cNvPr id="80" name="Group 79"/>
+                <p:cNvGrpSpPr/>
+                <p:nvPr/>
+              </p:nvGrpSpPr>
+              <p:grpSpPr>
+                <a:xfrm>
+                  <a:off x="5445520" y="2057419"/>
+                  <a:ext cx="880388" cy="874420"/>
+                  <a:chOff x="3846625" y="1616683"/>
+                  <a:chExt cx="1653774" cy="1642564"/>
+                </a:xfrm>
+              </p:grpSpPr>
+              <p:sp>
+                <p:nvSpPr>
+                  <p:cNvPr id="81" name="Isosceles Triangle 80"/>
+                  <p:cNvSpPr/>
+                  <p:nvPr/>
+                </p:nvSpPr>
+                <p:spPr bwMode="auto">
+                  <a:xfrm>
+                    <a:off x="4462513" y="1616683"/>
+                    <a:ext cx="433403" cy="327903"/>
+                  </a:xfrm>
+                  <a:prstGeom prst="triangle">
+                    <a:avLst/>
+                  </a:prstGeom>
+                  <a:solidFill>
+                    <a:srgbClr val="3C454F"/>
+                  </a:solidFill>
+                  <a:ln>
+                    <a:noFill/>
+                    <a:headEnd type="none" w="med" len="med"/>
+                    <a:tailEnd type="none" w="med" len="med"/>
+                  </a:ln>
+                  <a:effectLst/>
+                </p:spPr>
+                <p:style>
+                  <a:lnRef idx="1">
+                    <a:schemeClr val="accent2"/>
+                  </a:lnRef>
+                  <a:fillRef idx="3">
+                    <a:schemeClr val="accent2"/>
+                  </a:fillRef>
+                  <a:effectRef idx="2">
+                    <a:schemeClr val="accent2"/>
+                  </a:effectRef>
+                  <a:fontRef idx="minor">
+                    <a:schemeClr val="lt1"/>
+                  </a:fontRef>
+                </p:style>
+                <p:txBody>
+                  <a:bodyPr vert="horz" wrap="square" lIns="91436" tIns="45718" rIns="91436" bIns="45718" numCol="1" rtlCol="0" anchor="ctr" anchorCtr="0" compatLnSpc="1">
+                    <a:prstTxWarp prst="textNoShape">
+                      <a:avLst/>
+                    </a:prstTxWarp>
+                  </a:bodyPr>
+                  <a:lstStyle/>
+                  <a:p>
+                    <a:pPr algn="ctr" defTabSz="914099" fontAlgn="base">
+                      <a:spcBef>
+                        <a:spcPct val="0"/>
+                      </a:spcBef>
+                      <a:spcAft>
+                        <a:spcPct val="0"/>
+                      </a:spcAft>
+                    </a:pPr>
+                    <a:endParaRPr lang="en-US" sz="2200" dirty="0">
+                      <a:solidFill>
+                        <a:srgbClr val="3C454F"/>
+                      </a:solidFill>
+                    </a:endParaRPr>
+                  </a:p>
+                </p:txBody>
+              </p:sp>
+              <p:cxnSp>
+                <p:nvCxnSpPr>
+                  <p:cNvPr id="82" name="Straight Arrow Connector 81"/>
+                  <p:cNvCxnSpPr>
+                    <a:endCxn id="83" idx="7"/>
+                  </p:cNvCxnSpPr>
+                  <p:nvPr/>
+                </p:nvCxnSpPr>
+                <p:spPr>
+                  <a:xfrm flipH="1">
+                    <a:off x="4197087" y="1944585"/>
+                    <a:ext cx="482128" cy="964199"/>
+                  </a:xfrm>
+                  <a:prstGeom prst="straightConnector1">
+                    <a:avLst/>
+                  </a:prstGeom>
+                  <a:ln w="38100">
+                    <a:solidFill>
+                      <a:srgbClr val="3C454F"/>
+                    </a:solidFill>
+                    <a:tailEnd type="triangle"/>
+                  </a:ln>
+                </p:spPr>
+                <p:style>
+                  <a:lnRef idx="1">
+                    <a:schemeClr val="accent1"/>
+                  </a:lnRef>
+                  <a:fillRef idx="0">
+                    <a:schemeClr val="accent1"/>
+                  </a:fillRef>
+                  <a:effectRef idx="0">
+                    <a:schemeClr val="accent1"/>
+                  </a:effectRef>
+                  <a:fontRef idx="minor">
+                    <a:schemeClr val="tx1"/>
+                  </a:fontRef>
+                </p:style>
+              </p:cxnSp>
+              <p:sp>
+                <p:nvSpPr>
+                  <p:cNvPr id="83" name="Oval 82"/>
+                  <p:cNvSpPr/>
+                  <p:nvPr/>
+                </p:nvSpPr>
+                <p:spPr bwMode="auto">
+                  <a:xfrm>
+                    <a:off x="3846625" y="2848655"/>
+                    <a:ext cx="410592" cy="410592"/>
+                  </a:xfrm>
+                  <a:prstGeom prst="ellipse">
+                    <a:avLst/>
+                  </a:prstGeom>
+                  <a:solidFill>
+                    <a:srgbClr val="3C454F"/>
+                  </a:solidFill>
+                  <a:ln>
+                    <a:noFill/>
+                    <a:headEnd type="none" w="med" len="med"/>
+                    <a:tailEnd type="none" w="med" len="med"/>
+                  </a:ln>
+                  <a:effectLst/>
+                </p:spPr>
+                <p:style>
+                  <a:lnRef idx="1">
+                    <a:schemeClr val="accent2"/>
+                  </a:lnRef>
+                  <a:fillRef idx="3">
+                    <a:schemeClr val="accent2"/>
+                  </a:fillRef>
+                  <a:effectRef idx="2">
+                    <a:schemeClr val="accent2"/>
+                  </a:effectRef>
+                  <a:fontRef idx="minor">
+                    <a:schemeClr val="lt1"/>
+                  </a:fontRef>
+                </p:style>
+                <p:txBody>
+                  <a:bodyPr vert="horz" wrap="square" lIns="91436" tIns="45718" rIns="91436" bIns="45718" numCol="1" rtlCol="0" anchor="ctr" anchorCtr="0" compatLnSpc="1">
+                    <a:prstTxWarp prst="textNoShape">
+                      <a:avLst/>
+                    </a:prstTxWarp>
+                  </a:bodyPr>
+                  <a:lstStyle/>
+                  <a:p>
+                    <a:pPr algn="ctr" defTabSz="914099" fontAlgn="base">
+                      <a:spcBef>
+                        <a:spcPct val="0"/>
+                      </a:spcBef>
+                      <a:spcAft>
+                        <a:spcPct val="0"/>
+                      </a:spcAft>
+                    </a:pPr>
+                    <a:endParaRPr lang="en-US" sz="2200" dirty="0">
+                      <a:solidFill>
+                        <a:srgbClr val="3C454F"/>
+                      </a:solidFill>
+                    </a:endParaRPr>
+                  </a:p>
+                </p:txBody>
+              </p:sp>
+              <p:sp>
+                <p:nvSpPr>
+                  <p:cNvPr id="84" name="Oval 83"/>
+                  <p:cNvSpPr/>
+                  <p:nvPr/>
+                </p:nvSpPr>
+                <p:spPr bwMode="auto">
+                  <a:xfrm>
+                    <a:off x="5089807" y="2848655"/>
+                    <a:ext cx="410592" cy="410592"/>
+                  </a:xfrm>
+                  <a:prstGeom prst="ellipse">
+                    <a:avLst/>
+                  </a:prstGeom>
+                  <a:solidFill>
+                    <a:srgbClr val="3C454F"/>
+                  </a:solidFill>
+                  <a:ln>
+                    <a:noFill/>
+                    <a:headEnd type="none" w="med" len="med"/>
+                    <a:tailEnd type="none" w="med" len="med"/>
+                  </a:ln>
+                  <a:effectLst/>
+                </p:spPr>
+                <p:style>
+                  <a:lnRef idx="1">
+                    <a:schemeClr val="accent2"/>
+                  </a:lnRef>
+                  <a:fillRef idx="3">
+                    <a:schemeClr val="accent2"/>
+                  </a:fillRef>
+                  <a:effectRef idx="2">
+                    <a:schemeClr val="accent2"/>
+                  </a:effectRef>
+                  <a:fontRef idx="minor">
+                    <a:schemeClr val="lt1"/>
+                  </a:fontRef>
+                </p:style>
+                <p:txBody>
+                  <a:bodyPr vert="horz" wrap="square" lIns="91436" tIns="45718" rIns="91436" bIns="45718" numCol="1" rtlCol="0" anchor="ctr" anchorCtr="0" compatLnSpc="1">
+                    <a:prstTxWarp prst="textNoShape">
+                      <a:avLst/>
+                    </a:prstTxWarp>
+                  </a:bodyPr>
+                  <a:lstStyle/>
+                  <a:p>
+                    <a:pPr algn="ctr" defTabSz="914099" fontAlgn="base">
+                      <a:spcBef>
+                        <a:spcPct val="0"/>
+                      </a:spcBef>
+                      <a:spcAft>
+                        <a:spcPct val="0"/>
+                      </a:spcAft>
+                    </a:pPr>
+                    <a:endParaRPr lang="en-US" sz="2200" dirty="0">
+                      <a:solidFill>
+                        <a:srgbClr val="3C454F"/>
+                      </a:solidFill>
+                    </a:endParaRPr>
+                  </a:p>
+                </p:txBody>
+              </p:sp>
+            </p:grpSp>
+          </p:grpSp>
+          <p:sp>
+            <p:nvSpPr>
+              <p:cNvPr id="121" name="Oval 120"/>
+              <p:cNvSpPr/>
+              <p:nvPr/>
+            </p:nvSpPr>
+            <p:spPr bwMode="auto">
+              <a:xfrm>
+                <a:off x="727745" y="4868699"/>
+                <a:ext cx="218579" cy="218579"/>
+              </a:xfrm>
+              <a:prstGeom prst="ellipse">
+                <a:avLst/>
+              </a:prstGeom>
+              <a:solidFill>
+                <a:srgbClr val="3C454F"/>
+              </a:solidFill>
+              <a:ln>
+                <a:noFill/>
+                <a:headEnd type="none" w="med" len="med"/>
+                <a:tailEnd type="none" w="med" len="med"/>
+              </a:ln>
+              <a:effectLst/>
+            </p:spPr>
+            <p:style>
+              <a:lnRef idx="1">
+                <a:schemeClr val="accent2"/>
+              </a:lnRef>
+              <a:fillRef idx="3">
+                <a:schemeClr val="accent2"/>
+              </a:fillRef>
+              <a:effectRef idx="2">
+                <a:schemeClr val="accent2"/>
+              </a:effectRef>
+              <a:fontRef idx="minor">
+                <a:schemeClr val="lt1"/>
+              </a:fontRef>
+            </p:style>
+            <p:txBody>
+              <a:bodyPr vert="horz" wrap="square" lIns="91436" tIns="45718" rIns="91436" bIns="45718" numCol="1" rtlCol="0" anchor="ctr" anchorCtr="0" compatLnSpc="1">
+                <a:prstTxWarp prst="textNoShape">
+                  <a:avLst/>
+                </a:prstTxWarp>
+              </a:bodyPr>
+              <a:lstStyle/>
+              <a:p>
+                <a:pPr algn="ctr" defTabSz="914099" fontAlgn="base">
+                  <a:spcBef>
+                    <a:spcPct val="0"/>
+                  </a:spcBef>
+                  <a:spcAft>
+                    <a:spcPct val="0"/>
+                  </a:spcAft>
+                </a:pPr>
+                <a:endParaRPr lang="en-US" sz="2200" dirty="0">
+                  <a:solidFill>
+                    <a:srgbClr val="3C454F"/>
+                  </a:solidFill>
+                </a:endParaRPr>
+              </a:p>
+            </p:txBody>
+          </p:sp>
+          <p:cxnSp>
+            <p:nvCxnSpPr>
+              <p:cNvPr id="122" name="Straight Arrow Connector 121"/>
+              <p:cNvCxnSpPr>
+                <a:stCxn id="81" idx="3"/>
+                <a:endCxn id="121" idx="0"/>
+              </p:cNvCxnSpPr>
+              <p:nvPr/>
+            </p:nvCxnSpPr>
+            <p:spPr>
+              <a:xfrm flipH="1">
+                <a:off x="837035" y="4392668"/>
+                <a:ext cx="1882" cy="476031"/>
+              </a:xfrm>
+              <a:prstGeom prst="straightConnector1">
+                <a:avLst/>
+              </a:prstGeom>
+              <a:ln w="38100">
+                <a:solidFill>
+                  <a:srgbClr val="3C454F"/>
+                </a:solidFill>
+                <a:tailEnd type="triangle"/>
+              </a:ln>
+            </p:spPr>
+            <p:style>
+              <a:lnRef idx="1">
+                <a:schemeClr val="accent1"/>
+              </a:lnRef>
+              <a:fillRef idx="0">
+                <a:schemeClr val="accent1"/>
+              </a:fillRef>
+              <a:effectRef idx="0">
+                <a:schemeClr val="accent1"/>
+              </a:effectRef>
+              <a:fontRef idx="minor">
+                <a:schemeClr val="tx1"/>
+              </a:fontRef>
+            </p:style>
+          </p:cxnSp>
+        </p:grpSp>
+      </p:grpSp>
+    </p:spTree>
+    <p:extLst>
+      <p:ext uri="{BB962C8B-B14F-4D97-AF65-F5344CB8AC3E}">
+        <p14:creationId xmlns:p14="http://schemas.microsoft.com/office/powerpoint/2010/main" val="631377516"/>
+      </p:ext>
+    </p:extLst>
+  </p:cSld>
+  <p:clrMapOvr>
+    <a:masterClrMapping/>
+  </p:clrMapOvr>
+  <mc:AlternateContent xmlns:mc="http://schemas.openxmlformats.org/markup-compatibility/2006">
+    <mc:Choice xmlns:p14="http://schemas.microsoft.com/office/powerpoint/2010/main" Requires="p14">
+      <p:transition spd="med" p14:dur="700">
+        <p:fade/>
+      </p:transition>
+    </mc:Choice>
+    <mc:Fallback>
+      <p:transition spd="med">
+        <p:fade/>
+      </p:transition>
+    </mc:Fallback>
+  </mc:AlternateContent>
+  <p:timing>
+    <p:tnLst>
+      <p:par>
+        <p:cTn id="1" dur="indefinite" restart="never" nodeType="tmRoot">
+          <p:childTnLst>
+            <p:seq concurrent="1" nextAc="seek">
+              <p:cTn id="2" dur="indefinite" nodeType="mainSeq">
+                <p:childTnLst>
+                  <p:par>
+                    <p:cTn id="3" fill="hold">
+                      <p:stCondLst>
+                        <p:cond delay="indefinite"/>
+                        <p:cond evt="onBegin" delay="0">
+                          <p:tn val="2"/>
+                        </p:cond>
+                      </p:stCondLst>
+                      <p:childTnLst>
+                        <p:par>
+                          <p:cTn id="4" fill="hold">
+                            <p:stCondLst>
+                              <p:cond delay="0"/>
+                            </p:stCondLst>
+                            <p:childTnLst>
+                              <p:par>
+                                <p:cTn id="5" presetID="10" presetClass="entr" presetSubtype="0" fill="hold" nodeType="withEffect">
+                                  <p:stCondLst>
+                                    <p:cond delay="0"/>
+                                  </p:stCondLst>
+                                  <p:childTnLst>
+                                    <p:set>
+                                      <p:cBhvr>
+                                        <p:cTn id="6" dur="1" fill="hold">
+                                          <p:stCondLst>
+                                            <p:cond delay="0"/>
+                                          </p:stCondLst>
+                                        </p:cTn>
+                                        <p:tgtEl>
+                                          <p:spTgt spid="29"/>
+                                        </p:tgtEl>
+                                        <p:attrNameLst>
+                                          <p:attrName>style.visibility</p:attrName>
+                                        </p:attrNameLst>
+                                      </p:cBhvr>
+                                      <p:to>
+                                        <p:strVal val="visible"/>
+                                      </p:to>
+                                    </p:set>
+                                    <p:animEffect transition="in" filter="fade">
+                                      <p:cBhvr>
+                                        <p:cTn id="7" dur="500"/>
+                                        <p:tgtEl>
+                                          <p:spTgt spid="29"/>
+                                        </p:tgtEl>
+                                      </p:cBhvr>
+                                    </p:animEffect>
+                                  </p:childTnLst>
+                                </p:cTn>
+                              </p:par>
+                              <p:par>
+                                <p:cTn id="8" presetID="10" presetClass="entr" presetSubtype="0" fill="hold" nodeType="withEffect">
+                                  <p:stCondLst>
+                                    <p:cond delay="100"/>
+                                  </p:stCondLst>
+                                  <p:childTnLst>
+                                    <p:set>
+                                      <p:cBhvr>
+                                        <p:cTn id="9" dur="1" fill="hold">
+                                          <p:stCondLst>
+                                            <p:cond delay="0"/>
+                                          </p:stCondLst>
+                                        </p:cTn>
+                                        <p:tgtEl>
+                                          <p:spTgt spid="34"/>
+                                        </p:tgtEl>
+                                        <p:attrNameLst>
+                                          <p:attrName>style.visibility</p:attrName>
+                                        </p:attrNameLst>
+                                      </p:cBhvr>
+                                      <p:to>
+                                        <p:strVal val="visible"/>
+                                      </p:to>
+                                    </p:set>
+                                    <p:animEffect transition="in" filter="fade">
+                                      <p:cBhvr>
+                                        <p:cTn id="10" dur="500"/>
+                                        <p:tgtEl>
+                                          <p:spTgt spid="34"/>
+                                        </p:tgtEl>
+                                      </p:cBhvr>
+                                    </p:animEffect>
+                                  </p:childTnLst>
+                                </p:cTn>
+                              </p:par>
+                              <p:par>
+                                <p:cTn id="11" presetID="10" presetClass="entr" presetSubtype="0" fill="hold" nodeType="withEffect">
+                                  <p:stCondLst>
+                                    <p:cond delay="200"/>
+                                  </p:stCondLst>
+                                  <p:childTnLst>
+                                    <p:set>
+                                      <p:cBhvr>
+                                        <p:cTn id="12" dur="1" fill="hold">
+                                          <p:stCondLst>
+                                            <p:cond delay="0"/>
+                                          </p:stCondLst>
+                                        </p:cTn>
+                                        <p:tgtEl>
+                                          <p:spTgt spid="42"/>
+                                        </p:tgtEl>
+                                        <p:attrNameLst>
+                                          <p:attrName>style.visibility</p:attrName>
+                                        </p:attrNameLst>
+                                      </p:cBhvr>
+                                      <p:to>
+                                        <p:strVal val="visible"/>
+                                      </p:to>
+                                    </p:set>
+                                    <p:animEffect transition="in" filter="fade">
+                                      <p:cBhvr>
+                                        <p:cTn id="13" dur="500"/>
+                                        <p:tgtEl>
+                                          <p:spTgt spid="42"/>
+                                        </p:tgtEl>
+                                      </p:cBhvr>
+                                    </p:animEffect>
+                                  </p:childTnLst>
+                                </p:cTn>
+                              </p:par>
+                              <p:par>
+                                <p:cTn id="14" presetID="10" presetClass="entr" presetSubtype="0" fill="hold" nodeType="withEffect">
+                                  <p:stCondLst>
+                                    <p:cond delay="300"/>
+                                  </p:stCondLst>
+                                  <p:childTnLst>
+                                    <p:set>
+                                      <p:cBhvr>
+                                        <p:cTn id="15" dur="1" fill="hold">
+                                          <p:stCondLst>
+                                            <p:cond delay="0"/>
+                                          </p:stCondLst>
+                                        </p:cTn>
+                                        <p:tgtEl>
+                                          <p:spTgt spid="46"/>
+                                        </p:tgtEl>
+                                        <p:attrNameLst>
+                                          <p:attrName>style.visibility</p:attrName>
+                                        </p:attrNameLst>
+                                      </p:cBhvr>
+                                      <p:to>
+                                        <p:strVal val="visible"/>
+                                      </p:to>
+                                    </p:set>
+                                    <p:animEffect transition="in" filter="fade">
+                                      <p:cBhvr>
+                                        <p:cTn id="16" dur="500"/>
+                                        <p:tgtEl>
+                                          <p:spTgt spid="46"/>
+                                        </p:tgtEl>
+                                      </p:cBhvr>
+                                    </p:animEffect>
+                                  </p:childTnLst>
+                                </p:cTn>
+                              </p:par>
+                              <p:par>
+                                <p:cTn id="17" presetID="10" presetClass="entr" presetSubtype="0" fill="hold" nodeType="withEffect">
+                                  <p:stCondLst>
+                                    <p:cond delay="500"/>
+                                  </p:stCondLst>
+                                  <p:childTnLst>
+                                    <p:set>
+                                      <p:cBhvr>
+                                        <p:cTn id="18" dur="1" fill="hold">
+                                          <p:stCondLst>
+                                            <p:cond delay="0"/>
+                                          </p:stCondLst>
+                                        </p:cTn>
+                                        <p:tgtEl>
+                                          <p:spTgt spid="25"/>
+                                        </p:tgtEl>
+                                        <p:attrNameLst>
+                                          <p:attrName>style.visibility</p:attrName>
+                                        </p:attrNameLst>
+                                      </p:cBhvr>
+                                      <p:to>
+                                        <p:strVal val="visible"/>
+                                      </p:to>
+                                    </p:set>
+                                    <p:animEffect transition="in" filter="fade">
+                                      <p:cBhvr>
+                                        <p:cTn id="19" dur="500"/>
+                                        <p:tgtEl>
+                                          <p:spTgt spid="25"/>
+                                        </p:tgtEl>
+                                      </p:cBhvr>
+                                    </p:animEffect>
+                                  </p:childTnLst>
+                                </p:cTn>
+                              </p:par>
+                            </p:childTnLst>
+                          </p:cTn>
+                        </p:par>
+                      </p:childTnLst>
+                    </p:cTn>
+                  </p:par>
+                </p:childTnLst>
+              </p:cTn>
+              <p:prevCondLst>
+                <p:cond evt="onPrev" delay="0">
+                  <p:tgtEl>
+                    <p:sldTgt/>
+                  </p:tgtEl>
+                </p:cond>
+              </p:prevCondLst>
+              <p:nextCondLst>
+                <p:cond evt="onNext" delay="0">
+                  <p:tgtEl>
+                    <p:sldTgt/>
+                  </p:tgtEl>
+                </p:cond>
+              </p:nextCondLst>
+            </p:seq>
+          </p:childTnLst>
+        </p:cTn>
+      </p:par>
+    </p:tnLst>
+  </p:timing>
+</p:sld>
+</file>
+
+<file path=ppt/slides/slide11.xml><?xml version="1.0" encoding="utf-8"?>
+<p:sld xmlns:a="http://schemas.openxmlformats.org/drawingml/2006/main" xmlns:r="http://schemas.openxmlformats.org/officeDocument/2006/relationships" xmlns:p="http://schemas.openxmlformats.org/presentationml/2006/main">
+  <p:cSld>
+    <p:spTree>
+      <p:nvGrpSpPr>
+        <p:cNvPr id="1" name=""/>
+        <p:cNvGrpSpPr/>
+        <p:nvPr/>
+      </p:nvGrpSpPr>
+      <p:grpSpPr>
+        <a:xfrm>
+          <a:off x="0" y="0"/>
+          <a:ext cx="0" cy="0"/>
+          <a:chOff x="0" y="0"/>
+          <a:chExt cx="0" cy="0"/>
+        </a:xfrm>
+      </p:grpSpPr>
+      <p:sp>
+        <p:nvSpPr>
+          <p:cNvPr id="4" name="Title 3"/>
+          <p:cNvSpPr>
+            <a:spLocks noGrp="1"/>
+          </p:cNvSpPr>
+          <p:nvPr>
+            <p:ph type="title"/>
+          </p:nvPr>
+        </p:nvSpPr>
+        <p:spPr/>
+        <p:txBody>
+          <a:bodyPr/>
+          <a:lstStyle/>
+          <a:p>
+            <a:r>
+              <a:rPr lang="en-US" dirty="0" smtClean="0"/>
+              <a:t>Windows Azure Service Bus</a:t>
+            </a:r>
+            <a:endParaRPr lang="en-US" dirty="0"/>
+          </a:p>
+        </p:txBody>
+      </p:sp>
+    </p:spTree>
+    <p:extLst>
+      <p:ext uri="{BB962C8B-B14F-4D97-AF65-F5344CB8AC3E}">
+        <p14:creationId xmlns:p14="http://schemas.microsoft.com/office/powerpoint/2010/main" val="2972643606"/>
+      </p:ext>
+    </p:extLst>
+  </p:cSld>
+  <p:clrMapOvr>
+    <a:masterClrMapping/>
+  </p:clrMapOvr>
+  <p:timing>
+    <p:tnLst>
+      <p:par>
+        <p:cTn id="1" dur="indefinite" restart="never" nodeType="tmRoot"/>
+      </p:par>
+    </p:tnLst>
+  </p:timing>
+</p:sld>
+</file>
+
+<file path=ppt/slides/slide12.xml><?xml version="1.0" encoding="utf-8"?>
+<p:sld xmlns:a="http://schemas.openxmlformats.org/drawingml/2006/main" xmlns:r="http://schemas.openxmlformats.org/officeDocument/2006/relationships" xmlns:p="http://schemas.openxmlformats.org/presentationml/2006/main">
+  <p:cSld>
+    <p:spTree>
+      <p:nvGrpSpPr>
+        <p:cNvPr id="1" name=""/>
+        <p:cNvGrpSpPr/>
+        <p:nvPr/>
+      </p:nvGrpSpPr>
+      <p:grpSpPr>
+        <a:xfrm>
+          <a:off x="0" y="0"/>
+          <a:ext cx="0" cy="0"/>
+          <a:chOff x="0" y="0"/>
+          <a:chExt cx="0" cy="0"/>
+        </a:xfrm>
+      </p:grpSpPr>
+      <p:sp>
+        <p:nvSpPr>
+          <p:cNvPr id="2" name="Text Placeholder 1"/>
+          <p:cNvSpPr>
+            <a:spLocks noGrp="1"/>
+          </p:cNvSpPr>
+          <p:nvPr>
+            <p:ph type="body" sz="quarter" idx="10"/>
+          </p:nvPr>
+        </p:nvSpPr>
+        <p:spPr/>
+        <p:txBody>
+          <a:bodyPr/>
+          <a:lstStyle/>
+          <a:p>
+            <a:endParaRPr lang="en-US"/>
+          </a:p>
+        </p:txBody>
+      </p:sp>
+      <p:sp>
+        <p:nvSpPr>
+          <p:cNvPr id="3" name="Subtitle 2"/>
+          <p:cNvSpPr>
+            <a:spLocks noGrp="1"/>
+          </p:cNvSpPr>
+          <p:nvPr>
+            <p:ph type="subTitle" idx="1"/>
+          </p:nvPr>
+        </p:nvSpPr>
+        <p:spPr/>
+        <p:txBody>
+          <a:bodyPr/>
+          <a:lstStyle/>
+          <a:p>
+            <a:endParaRPr lang="en-US"/>
+          </a:p>
+        </p:txBody>
+      </p:sp>
+    </p:spTree>
+    <p:extLst>
+      <p:ext uri="{BB962C8B-B14F-4D97-AF65-F5344CB8AC3E}">
+        <p14:creationId xmlns:p14="http://schemas.microsoft.com/office/powerpoint/2010/main" val="2179250933"/>
+      </p:ext>
+    </p:extLst>
+  </p:cSld>
+  <p:clrMapOvr>
+    <a:masterClrMapping/>
+  </p:clrMapOvr>
+  <p:timing>
+    <p:tnLst>
+      <p:par>
+        <p:cTn id="1" dur="indefinite" restart="never" nodeType="tmRoot"/>
+      </p:par>
+    </p:tnLst>
+  </p:timing>
+</p:sld>
+</file>
+
+<file path=ppt/slides/slide13.xml><?xml version="1.0" encoding="utf-8"?>
+<p:sld xmlns:a="http://schemas.openxmlformats.org/drawingml/2006/main" xmlns:r="http://schemas.openxmlformats.org/officeDocument/2006/relationships" xmlns:p="http://schemas.openxmlformats.org/presentationml/2006/main">
+  <p:cSld>
+    <p:spTree>
+      <p:nvGrpSpPr>
+        <p:cNvPr id="1" name=""/>
+        <p:cNvGrpSpPr/>
+        <p:nvPr/>
+      </p:nvGrpSpPr>
+      <p:grpSpPr>
+        <a:xfrm>
+          <a:off x="0" y="0"/>
+          <a:ext cx="0" cy="0"/>
+          <a:chOff x="0" y="0"/>
+          <a:chExt cx="0" cy="0"/>
+        </a:xfrm>
+      </p:grpSpPr>
+    </p:spTree>
+    <p:extLst>
+      <p:ext uri="{BB962C8B-B14F-4D97-AF65-F5344CB8AC3E}">
+        <p14:creationId xmlns:p14="http://schemas.microsoft.com/office/powerpoint/2010/main" val="898363405"/>
+      </p:ext>
+    </p:extLst>
+  </p:cSld>
+  <p:clrMapOvr>
+    <a:masterClrMapping/>
+  </p:clrMapOvr>
+  <p:timing>
+    <p:tnLst>
+      <p:par>
+        <p:cTn id="1" dur="indefinite" restart="never" nodeType="tmRoot"/>
+      </p:par>
+    </p:tnLst>
+  </p:timing>
+</p:sld>
+</file>
+
 <file path=ppt/slides/slide2.xml><?xml version="1.0" encoding="utf-8"?>
 <p:sld xmlns:a="http://schemas.openxmlformats.org/drawingml/2006/main" xmlns:r="http://schemas.openxmlformats.org/officeDocument/2006/relationships" xmlns:p="http://schemas.openxmlformats.org/presentationml/2006/main">
   <p:cSld>
@@ -3567,7 +7700,7 @@
           <a:p>
             <a:r>
               <a:rPr lang="en-GB" dirty="0" smtClean="0"/>
-              <a:t>Securing Web Services</a:t>
+              <a:t>Securing WCF Services</a:t>
             </a:r>
             <a:endParaRPr lang="en-GB" dirty="0"/>
           </a:p>
@@ -3691,10 +7824,2280 @@
   <p:clrMapOvr>
     <a:masterClrMapping/>
   </p:clrMapOvr>
+  <p:timing>
+    <p:tnLst>
+      <p:par>
+        <p:cTn id="1" dur="indefinite" restart="never" nodeType="tmRoot"/>
+      </p:par>
+    </p:tnLst>
+  </p:timing>
 </p:sld>
 </file>
 
 <file path=ppt/slides/slide4.xml><?xml version="1.0" encoding="utf-8"?>
+<p:sld xmlns:a="http://schemas.openxmlformats.org/drawingml/2006/main" xmlns:r="http://schemas.openxmlformats.org/officeDocument/2006/relationships" xmlns:p="http://schemas.openxmlformats.org/presentationml/2006/main">
+  <p:cSld>
+    <p:spTree>
+      <p:nvGrpSpPr>
+        <p:cNvPr id="1" name=""/>
+        <p:cNvGrpSpPr/>
+        <p:nvPr/>
+      </p:nvGrpSpPr>
+      <p:grpSpPr>
+        <a:xfrm>
+          <a:off x="0" y="0"/>
+          <a:ext cx="0" cy="0"/>
+          <a:chOff x="0" y="0"/>
+          <a:chExt cx="0" cy="0"/>
+        </a:xfrm>
+      </p:grpSpPr>
+      <p:sp>
+        <p:nvSpPr>
+          <p:cNvPr id="4" name="Title 3"/>
+          <p:cNvSpPr>
+            <a:spLocks noGrp="1"/>
+          </p:cNvSpPr>
+          <p:nvPr>
+            <p:ph type="title"/>
+          </p:nvPr>
+        </p:nvSpPr>
+        <p:spPr/>
+        <p:txBody>
+          <a:bodyPr/>
+          <a:lstStyle/>
+          <a:p>
+            <a:r>
+              <a:rPr lang="en-US" dirty="0" smtClean="0"/>
+              <a:t>Creating Services and Client Components</a:t>
+            </a:r>
+            <a:endParaRPr lang="en-US" dirty="0"/>
+          </a:p>
+        </p:txBody>
+      </p:sp>
+      <p:grpSp>
+        <p:nvGrpSpPr>
+          <p:cNvPr id="55" name="Group 54"/>
+          <p:cNvGrpSpPr/>
+          <p:nvPr/>
+        </p:nvGrpSpPr>
+        <p:grpSpPr>
+          <a:xfrm>
+            <a:off x="1305772" y="1117600"/>
+            <a:ext cx="9671916" cy="5370740"/>
+            <a:chOff x="189008" y="466725"/>
+            <a:chExt cx="11183842" cy="6210300"/>
+          </a:xfrm>
+        </p:grpSpPr>
+        <p:sp>
+          <p:nvSpPr>
+            <p:cNvPr id="6" name="Rectangle 5"/>
+            <p:cNvSpPr/>
+            <p:nvPr/>
+          </p:nvSpPr>
+          <p:spPr>
+            <a:xfrm>
+              <a:off x="6268598" y="466725"/>
+              <a:ext cx="5104252" cy="6210300"/>
+            </a:xfrm>
+            <a:prstGeom prst="rect">
+              <a:avLst/>
+            </a:prstGeom>
+          </p:spPr>
+          <p:style>
+            <a:lnRef idx="2">
+              <a:schemeClr val="accent5">
+                <a:shade val="50000"/>
+              </a:schemeClr>
+            </a:lnRef>
+            <a:fillRef idx="1">
+              <a:schemeClr val="accent5"/>
+            </a:fillRef>
+            <a:effectRef idx="0">
+              <a:schemeClr val="accent5"/>
+            </a:effectRef>
+            <a:fontRef idx="minor">
+              <a:schemeClr val="lt1"/>
+            </a:fontRef>
+          </p:style>
+          <p:txBody>
+            <a:bodyPr rtlCol="0" anchor="t"/>
+            <a:lstStyle/>
+            <a:p>
+              <a:r>
+                <a:rPr lang="en-US" sz="1400" dirty="0" smtClean="0"/>
+                <a:t>Host Process (.exe, IIS, WAS)</a:t>
+              </a:r>
+              <a:endParaRPr lang="en-US" sz="1400" dirty="0"/>
+            </a:p>
+          </p:txBody>
+        </p:sp>
+        <p:grpSp>
+          <p:nvGrpSpPr>
+            <p:cNvPr id="7" name="Service"/>
+            <p:cNvGrpSpPr/>
+            <p:nvPr/>
+          </p:nvGrpSpPr>
+          <p:grpSpPr>
+            <a:xfrm>
+              <a:off x="8305799" y="824984"/>
+              <a:ext cx="2867026" cy="2630663"/>
+              <a:chOff x="7639049" y="2001322"/>
+              <a:chExt cx="3248026" cy="2980253"/>
+            </a:xfrm>
+          </p:grpSpPr>
+          <p:sp>
+            <p:nvSpPr>
+              <p:cNvPr id="8" name="Public Class"/>
+              <p:cNvSpPr/>
+              <p:nvPr/>
+            </p:nvSpPr>
+            <p:spPr>
+              <a:xfrm>
+                <a:off x="7762875" y="2390775"/>
+                <a:ext cx="3124200" cy="2590800"/>
+              </a:xfrm>
+              <a:prstGeom prst="rect">
+                <a:avLst/>
+              </a:prstGeom>
+            </p:spPr>
+            <p:style>
+              <a:lnRef idx="2">
+                <a:schemeClr val="accent3">
+                  <a:shade val="50000"/>
+                </a:schemeClr>
+              </a:lnRef>
+              <a:fillRef idx="1">
+                <a:schemeClr val="accent3"/>
+              </a:fillRef>
+              <a:effectRef idx="0">
+                <a:schemeClr val="accent3"/>
+              </a:effectRef>
+              <a:fontRef idx="minor">
+                <a:schemeClr val="lt1"/>
+              </a:fontRef>
+            </p:style>
+            <p:txBody>
+              <a:bodyPr rtlCol="0" anchor="t"/>
+              <a:lstStyle/>
+              <a:p>
+                <a:r>
+                  <a:rPr lang="en-US" sz="1100" dirty="0" smtClean="0">
+                    <a:latin typeface="Consolas" panose="020B0609020204030204" pitchFamily="49" charset="0"/>
+                    <a:cs typeface="Consolas" panose="020B0609020204030204" pitchFamily="49" charset="0"/>
+                  </a:rPr>
+                  <a:t>public class</a:t>
+                </a:r>
+                <a:endParaRPr lang="en-US" sz="1100" dirty="0">
+                  <a:latin typeface="Consolas" panose="020B0609020204030204" pitchFamily="49" charset="0"/>
+                  <a:cs typeface="Consolas" panose="020B0609020204030204" pitchFamily="49" charset="0"/>
+                </a:endParaRPr>
+              </a:p>
+            </p:txBody>
+          </p:sp>
+          <p:sp>
+            <p:nvSpPr>
+              <p:cNvPr id="9" name="ServiceContract"/>
+              <p:cNvSpPr txBox="1"/>
+              <p:nvPr/>
+            </p:nvSpPr>
+            <p:spPr>
+              <a:xfrm>
+                <a:off x="7639049" y="2001322"/>
+                <a:ext cx="2590801" cy="326808"/>
+              </a:xfrm>
+              <a:prstGeom prst="rect">
+                <a:avLst/>
+              </a:prstGeom>
+              <a:noFill/>
+            </p:spPr>
+            <p:txBody>
+              <a:bodyPr wrap="square" rtlCol="0">
+                <a:spAutoFit/>
+              </a:bodyPr>
+              <a:lstStyle/>
+              <a:p>
+                <a:r>
+                  <a:rPr lang="en-US" sz="1100" dirty="0" smtClean="0">
+                    <a:solidFill>
+                      <a:schemeClr val="tx2"/>
+                    </a:solidFill>
+                    <a:latin typeface="Consolas" panose="020B0609020204030204" pitchFamily="49" charset="0"/>
+                    <a:cs typeface="Consolas" panose="020B0609020204030204" pitchFamily="49" charset="0"/>
+                  </a:rPr>
+                  <a:t>[</a:t>
+                </a:r>
+                <a:r>
+                  <a:rPr lang="en-US" sz="1100" dirty="0" err="1" smtClean="0">
+                    <a:solidFill>
+                      <a:schemeClr val="tx2"/>
+                    </a:solidFill>
+                    <a:latin typeface="Consolas" panose="020B0609020204030204" pitchFamily="49" charset="0"/>
+                    <a:cs typeface="Consolas" panose="020B0609020204030204" pitchFamily="49" charset="0"/>
+                  </a:rPr>
+                  <a:t>ServiceContract</a:t>
+                </a:r>
+                <a:r>
+                  <a:rPr lang="en-US" sz="1100" dirty="0" smtClean="0">
+                    <a:solidFill>
+                      <a:schemeClr val="tx2"/>
+                    </a:solidFill>
+                    <a:latin typeface="Consolas" panose="020B0609020204030204" pitchFamily="49" charset="0"/>
+                    <a:cs typeface="Consolas" panose="020B0609020204030204" pitchFamily="49" charset="0"/>
+                  </a:rPr>
+                  <a:t>]</a:t>
+                </a:r>
+                <a:endParaRPr lang="en-US" sz="1100" dirty="0">
+                  <a:solidFill>
+                    <a:schemeClr val="tx2"/>
+                  </a:solidFill>
+                  <a:latin typeface="Consolas" panose="020B0609020204030204" pitchFamily="49" charset="0"/>
+                  <a:cs typeface="Consolas" panose="020B0609020204030204" pitchFamily="49" charset="0"/>
+                </a:endParaRPr>
+              </a:p>
+            </p:txBody>
+          </p:sp>
+          <p:sp>
+            <p:nvSpPr>
+              <p:cNvPr id="10" name="Public Method 02"/>
+              <p:cNvSpPr/>
+              <p:nvPr/>
+            </p:nvSpPr>
+            <p:spPr>
+              <a:xfrm>
+                <a:off x="8053387" y="4152901"/>
+                <a:ext cx="2519363" cy="381000"/>
+              </a:xfrm>
+              <a:prstGeom prst="rect">
+                <a:avLst/>
+              </a:prstGeom>
+              <a:solidFill>
+                <a:schemeClr val="accent3">
+                  <a:lumMod val="75000"/>
+                </a:schemeClr>
+              </a:solidFill>
+            </p:spPr>
+            <p:style>
+              <a:lnRef idx="2">
+                <a:schemeClr val="accent3">
+                  <a:shade val="50000"/>
+                </a:schemeClr>
+              </a:lnRef>
+              <a:fillRef idx="1">
+                <a:schemeClr val="accent3"/>
+              </a:fillRef>
+              <a:effectRef idx="0">
+                <a:schemeClr val="accent3"/>
+              </a:effectRef>
+              <a:fontRef idx="minor">
+                <a:schemeClr val="lt1"/>
+              </a:fontRef>
+            </p:style>
+            <p:txBody>
+              <a:bodyPr rtlCol="0" anchor="t"/>
+              <a:lstStyle/>
+              <a:p>
+                <a:r>
+                  <a:rPr lang="en-US" sz="1100" dirty="0" smtClean="0">
+                    <a:latin typeface="Consolas" panose="020B0609020204030204" pitchFamily="49" charset="0"/>
+                    <a:cs typeface="Consolas" panose="020B0609020204030204" pitchFamily="49" charset="0"/>
+                  </a:rPr>
+                  <a:t>public method</a:t>
+                </a:r>
+                <a:endParaRPr lang="en-US" sz="1100" dirty="0">
+                  <a:latin typeface="Consolas" panose="020B0609020204030204" pitchFamily="49" charset="0"/>
+                  <a:cs typeface="Consolas" panose="020B0609020204030204" pitchFamily="49" charset="0"/>
+                </a:endParaRPr>
+              </a:p>
+            </p:txBody>
+          </p:sp>
+          <p:sp>
+            <p:nvSpPr>
+              <p:cNvPr id="11" name="OperationContract 02"/>
+              <p:cNvSpPr txBox="1"/>
+              <p:nvPr/>
+            </p:nvSpPr>
+            <p:spPr>
+              <a:xfrm>
+                <a:off x="7981949" y="3752850"/>
+                <a:ext cx="2590801" cy="326808"/>
+              </a:xfrm>
+              <a:prstGeom prst="rect">
+                <a:avLst/>
+              </a:prstGeom>
+              <a:noFill/>
+            </p:spPr>
+            <p:txBody>
+              <a:bodyPr wrap="square" rtlCol="0">
+                <a:spAutoFit/>
+              </a:bodyPr>
+              <a:lstStyle/>
+              <a:p>
+                <a:r>
+                  <a:rPr lang="en-US" sz="1100" dirty="0" smtClean="0">
+                    <a:solidFill>
+                      <a:schemeClr val="tx2"/>
+                    </a:solidFill>
+                    <a:latin typeface="Consolas" panose="020B0609020204030204" pitchFamily="49" charset="0"/>
+                    <a:cs typeface="Consolas" panose="020B0609020204030204" pitchFamily="49" charset="0"/>
+                  </a:rPr>
+                  <a:t>[</a:t>
+                </a:r>
+                <a:r>
+                  <a:rPr lang="en-US" sz="1100" dirty="0" err="1" smtClean="0">
+                    <a:solidFill>
+                      <a:schemeClr val="tx2"/>
+                    </a:solidFill>
+                    <a:latin typeface="Consolas" panose="020B0609020204030204" pitchFamily="49" charset="0"/>
+                    <a:cs typeface="Consolas" panose="020B0609020204030204" pitchFamily="49" charset="0"/>
+                  </a:rPr>
+                  <a:t>OperationContract</a:t>
+                </a:r>
+                <a:r>
+                  <a:rPr lang="en-US" sz="1100" dirty="0" smtClean="0">
+                    <a:solidFill>
+                      <a:schemeClr val="tx2"/>
+                    </a:solidFill>
+                    <a:latin typeface="Consolas" panose="020B0609020204030204" pitchFamily="49" charset="0"/>
+                    <a:cs typeface="Consolas" panose="020B0609020204030204" pitchFamily="49" charset="0"/>
+                  </a:rPr>
+                  <a:t>]</a:t>
+                </a:r>
+                <a:endParaRPr lang="en-US" sz="1100" dirty="0">
+                  <a:solidFill>
+                    <a:schemeClr val="tx2"/>
+                  </a:solidFill>
+                  <a:latin typeface="Consolas" panose="020B0609020204030204" pitchFamily="49" charset="0"/>
+                  <a:cs typeface="Consolas" panose="020B0609020204030204" pitchFamily="49" charset="0"/>
+                </a:endParaRPr>
+              </a:p>
+            </p:txBody>
+          </p:sp>
+          <p:sp>
+            <p:nvSpPr>
+              <p:cNvPr id="12" name="Public Method 01"/>
+              <p:cNvSpPr/>
+              <p:nvPr/>
+            </p:nvSpPr>
+            <p:spPr>
+              <a:xfrm>
+                <a:off x="8053387" y="3200401"/>
+                <a:ext cx="2519363" cy="381000"/>
+              </a:xfrm>
+              <a:prstGeom prst="rect">
+                <a:avLst/>
+              </a:prstGeom>
+              <a:solidFill>
+                <a:schemeClr val="accent3">
+                  <a:lumMod val="75000"/>
+                </a:schemeClr>
+              </a:solidFill>
+            </p:spPr>
+            <p:style>
+              <a:lnRef idx="2">
+                <a:schemeClr val="accent3">
+                  <a:shade val="50000"/>
+                </a:schemeClr>
+              </a:lnRef>
+              <a:fillRef idx="1">
+                <a:schemeClr val="accent3"/>
+              </a:fillRef>
+              <a:effectRef idx="0">
+                <a:schemeClr val="accent3"/>
+              </a:effectRef>
+              <a:fontRef idx="minor">
+                <a:schemeClr val="lt1"/>
+              </a:fontRef>
+            </p:style>
+            <p:txBody>
+              <a:bodyPr rtlCol="0" anchor="t"/>
+              <a:lstStyle/>
+              <a:p>
+                <a:r>
+                  <a:rPr lang="en-US" sz="1100" dirty="0" smtClean="0">
+                    <a:latin typeface="Consolas" panose="020B0609020204030204" pitchFamily="49" charset="0"/>
+                    <a:cs typeface="Consolas" panose="020B0609020204030204" pitchFamily="49" charset="0"/>
+                  </a:rPr>
+                  <a:t>public method</a:t>
+                </a:r>
+                <a:endParaRPr lang="en-US" sz="1100" dirty="0">
+                  <a:latin typeface="Consolas" panose="020B0609020204030204" pitchFamily="49" charset="0"/>
+                  <a:cs typeface="Consolas" panose="020B0609020204030204" pitchFamily="49" charset="0"/>
+                </a:endParaRPr>
+              </a:p>
+            </p:txBody>
+          </p:sp>
+          <p:sp>
+            <p:nvSpPr>
+              <p:cNvPr id="13" name="OperationContract 01"/>
+              <p:cNvSpPr txBox="1"/>
+              <p:nvPr/>
+            </p:nvSpPr>
+            <p:spPr>
+              <a:xfrm>
+                <a:off x="7981949" y="2800351"/>
+                <a:ext cx="2590801" cy="326808"/>
+              </a:xfrm>
+              <a:prstGeom prst="rect">
+                <a:avLst/>
+              </a:prstGeom>
+              <a:noFill/>
+            </p:spPr>
+            <p:txBody>
+              <a:bodyPr wrap="square" rtlCol="0">
+                <a:spAutoFit/>
+              </a:bodyPr>
+              <a:lstStyle/>
+              <a:p>
+                <a:r>
+                  <a:rPr lang="en-US" sz="1100" dirty="0" smtClean="0">
+                    <a:solidFill>
+                      <a:schemeClr val="tx2"/>
+                    </a:solidFill>
+                    <a:latin typeface="Consolas" panose="020B0609020204030204" pitchFamily="49" charset="0"/>
+                    <a:cs typeface="Consolas" panose="020B0609020204030204" pitchFamily="49" charset="0"/>
+                  </a:rPr>
+                  <a:t>[</a:t>
+                </a:r>
+                <a:r>
+                  <a:rPr lang="en-US" sz="1100" dirty="0" err="1" smtClean="0">
+                    <a:solidFill>
+                      <a:schemeClr val="tx2"/>
+                    </a:solidFill>
+                    <a:latin typeface="Consolas" panose="020B0609020204030204" pitchFamily="49" charset="0"/>
+                    <a:cs typeface="Consolas" panose="020B0609020204030204" pitchFamily="49" charset="0"/>
+                  </a:rPr>
+                  <a:t>OperationContract</a:t>
+                </a:r>
+                <a:r>
+                  <a:rPr lang="en-US" sz="1100" dirty="0" smtClean="0">
+                    <a:solidFill>
+                      <a:schemeClr val="tx2"/>
+                    </a:solidFill>
+                    <a:latin typeface="Consolas" panose="020B0609020204030204" pitchFamily="49" charset="0"/>
+                    <a:cs typeface="Consolas" panose="020B0609020204030204" pitchFamily="49" charset="0"/>
+                  </a:rPr>
+                  <a:t>]</a:t>
+                </a:r>
+                <a:endParaRPr lang="en-US" sz="1100" dirty="0">
+                  <a:solidFill>
+                    <a:schemeClr val="tx2"/>
+                  </a:solidFill>
+                  <a:latin typeface="Consolas" panose="020B0609020204030204" pitchFamily="49" charset="0"/>
+                  <a:cs typeface="Consolas" panose="020B0609020204030204" pitchFamily="49" charset="0"/>
+                </a:endParaRPr>
+              </a:p>
+            </p:txBody>
+          </p:sp>
+        </p:grpSp>
+        <p:sp>
+          <p:nvSpPr>
+            <p:cNvPr id="14" name="Rectangle 13"/>
+            <p:cNvSpPr/>
+            <p:nvPr/>
+          </p:nvSpPr>
+          <p:spPr>
+            <a:xfrm>
+              <a:off x="6501446" y="1168753"/>
+              <a:ext cx="1714500" cy="5260622"/>
+            </a:xfrm>
+            <a:prstGeom prst="rect">
+              <a:avLst/>
+            </a:prstGeom>
+          </p:spPr>
+          <p:style>
+            <a:lnRef idx="2">
+              <a:schemeClr val="accent1">
+                <a:shade val="50000"/>
+              </a:schemeClr>
+            </a:lnRef>
+            <a:fillRef idx="1">
+              <a:schemeClr val="accent1"/>
+            </a:fillRef>
+            <a:effectRef idx="0">
+              <a:schemeClr val="accent1"/>
+            </a:effectRef>
+            <a:fontRef idx="minor">
+              <a:schemeClr val="lt1"/>
+            </a:fontRef>
+          </p:style>
+          <p:txBody>
+            <a:bodyPr rtlCol="0" anchor="t"/>
+            <a:lstStyle/>
+            <a:p>
+              <a:pPr algn="ctr"/>
+              <a:r>
+                <a:rPr lang="en-US" sz="1100" dirty="0" err="1" smtClean="0">
+                  <a:latin typeface="Consolas" panose="020B0609020204030204" pitchFamily="49" charset="0"/>
+                  <a:cs typeface="Consolas" panose="020B0609020204030204" pitchFamily="49" charset="0"/>
+                </a:rPr>
+                <a:t>ServiceHost</a:t>
+              </a:r>
+              <a:endParaRPr lang="en-US" sz="1100" dirty="0">
+                <a:latin typeface="Consolas" panose="020B0609020204030204" pitchFamily="49" charset="0"/>
+                <a:cs typeface="Consolas" panose="020B0609020204030204" pitchFamily="49" charset="0"/>
+              </a:endParaRPr>
+            </a:p>
+          </p:txBody>
+        </p:sp>
+        <p:sp>
+          <p:nvSpPr>
+            <p:cNvPr id="15" name="Rectangle 14"/>
+            <p:cNvSpPr/>
+            <p:nvPr/>
+          </p:nvSpPr>
+          <p:spPr>
+            <a:xfrm>
+              <a:off x="6602410" y="1883408"/>
+              <a:ext cx="1499616" cy="336308"/>
+            </a:xfrm>
+            <a:prstGeom prst="rect">
+              <a:avLst/>
+            </a:prstGeom>
+            <a:solidFill>
+              <a:schemeClr val="accent1">
+                <a:lumMod val="75000"/>
+              </a:schemeClr>
+            </a:solidFill>
+          </p:spPr>
+          <p:style>
+            <a:lnRef idx="2">
+              <a:schemeClr val="accent1">
+                <a:shade val="50000"/>
+              </a:schemeClr>
+            </a:lnRef>
+            <a:fillRef idx="1">
+              <a:schemeClr val="accent1"/>
+            </a:fillRef>
+            <a:effectRef idx="0">
+              <a:schemeClr val="accent1"/>
+            </a:effectRef>
+            <a:fontRef idx="minor">
+              <a:schemeClr val="lt1"/>
+            </a:fontRef>
+          </p:style>
+          <p:txBody>
+            <a:bodyPr rtlCol="0" anchor="ctr"/>
+            <a:lstStyle/>
+            <a:p>
+              <a:pPr algn="ctr"/>
+              <a:r>
+                <a:rPr lang="en-US" sz="1050" dirty="0" err="1" smtClean="0">
+                  <a:latin typeface="Consolas" panose="020B0609020204030204" pitchFamily="49" charset="0"/>
+                  <a:cs typeface="Consolas" panose="020B0609020204030204" pitchFamily="49" charset="0"/>
+                </a:rPr>
+                <a:t>ChannelListener</a:t>
+              </a:r>
+              <a:endParaRPr lang="en-US" sz="1050" dirty="0">
+                <a:latin typeface="Consolas" panose="020B0609020204030204" pitchFamily="49" charset="0"/>
+                <a:cs typeface="Consolas" panose="020B0609020204030204" pitchFamily="49" charset="0"/>
+              </a:endParaRPr>
+            </a:p>
+          </p:txBody>
+        </p:sp>
+        <p:sp>
+          <p:nvSpPr>
+            <p:cNvPr id="16" name="Rectangle 15"/>
+            <p:cNvSpPr/>
+            <p:nvPr/>
+          </p:nvSpPr>
+          <p:spPr>
+            <a:xfrm>
+              <a:off x="6602410" y="2724178"/>
+              <a:ext cx="1499616" cy="336308"/>
+            </a:xfrm>
+            <a:prstGeom prst="rect">
+              <a:avLst/>
+            </a:prstGeom>
+            <a:solidFill>
+              <a:schemeClr val="accent1">
+                <a:lumMod val="75000"/>
+              </a:schemeClr>
+            </a:solidFill>
+          </p:spPr>
+          <p:style>
+            <a:lnRef idx="2">
+              <a:schemeClr val="accent1">
+                <a:shade val="50000"/>
+              </a:schemeClr>
+            </a:lnRef>
+            <a:fillRef idx="1">
+              <a:schemeClr val="accent1"/>
+            </a:fillRef>
+            <a:effectRef idx="0">
+              <a:schemeClr val="accent1"/>
+            </a:effectRef>
+            <a:fontRef idx="minor">
+              <a:schemeClr val="lt1"/>
+            </a:fontRef>
+          </p:style>
+          <p:txBody>
+            <a:bodyPr rtlCol="0" anchor="ctr"/>
+            <a:lstStyle/>
+            <a:p>
+              <a:pPr algn="ctr"/>
+              <a:r>
+                <a:rPr lang="en-US" sz="1050" dirty="0" err="1" smtClean="0">
+                  <a:latin typeface="Consolas" panose="020B0609020204030204" pitchFamily="49" charset="0"/>
+                  <a:cs typeface="Consolas" panose="020B0609020204030204" pitchFamily="49" charset="0"/>
+                </a:rPr>
+                <a:t>ChannelListener</a:t>
+              </a:r>
+              <a:endParaRPr lang="en-US" sz="1050" dirty="0">
+                <a:latin typeface="Consolas" panose="020B0609020204030204" pitchFamily="49" charset="0"/>
+                <a:cs typeface="Consolas" panose="020B0609020204030204" pitchFamily="49" charset="0"/>
+              </a:endParaRPr>
+            </a:p>
+          </p:txBody>
+        </p:sp>
+        <p:sp>
+          <p:nvSpPr>
+            <p:cNvPr id="17" name="TextBox 16"/>
+            <p:cNvSpPr txBox="1"/>
+            <p:nvPr/>
+          </p:nvSpPr>
+          <p:spPr>
+            <a:xfrm>
+              <a:off x="5032532" y="1743808"/>
+              <a:ext cx="1427232" cy="288473"/>
+            </a:xfrm>
+            <a:prstGeom prst="rect">
+              <a:avLst/>
+            </a:prstGeom>
+            <a:noFill/>
+          </p:spPr>
+          <p:txBody>
+            <a:bodyPr wrap="square" rtlCol="0">
+              <a:spAutoFit/>
+            </a:bodyPr>
+            <a:lstStyle/>
+            <a:p>
+              <a:r>
+                <a:rPr lang="en-US" sz="1100" dirty="0" smtClean="0"/>
+                <a:t>HTTP</a:t>
+              </a:r>
+              <a:endParaRPr lang="en-US" sz="1100" dirty="0"/>
+            </a:p>
+          </p:txBody>
+        </p:sp>
+        <p:sp>
+          <p:nvSpPr>
+            <p:cNvPr id="18" name="TextBox 17"/>
+            <p:cNvSpPr txBox="1"/>
+            <p:nvPr/>
+          </p:nvSpPr>
+          <p:spPr>
+            <a:xfrm>
+              <a:off x="5032532" y="3450094"/>
+              <a:ext cx="2017553" cy="288473"/>
+            </a:xfrm>
+            <a:prstGeom prst="rect">
+              <a:avLst/>
+            </a:prstGeom>
+            <a:noFill/>
+          </p:spPr>
+          <p:txBody>
+            <a:bodyPr wrap="square" rtlCol="0">
+              <a:spAutoFit/>
+            </a:bodyPr>
+            <a:lstStyle/>
+            <a:p>
+              <a:r>
+                <a:rPr lang="en-US" sz="1100" dirty="0" smtClean="0"/>
+                <a:t>Metadata</a:t>
+              </a:r>
+              <a:endParaRPr lang="en-US" sz="1100" dirty="0"/>
+            </a:p>
+          </p:txBody>
+        </p:sp>
+        <p:sp>
+          <p:nvSpPr>
+            <p:cNvPr id="19" name="Rectangle 18"/>
+            <p:cNvSpPr/>
+            <p:nvPr/>
+          </p:nvSpPr>
+          <p:spPr>
+            <a:xfrm>
+              <a:off x="189008" y="466725"/>
+              <a:ext cx="3131199" cy="6210300"/>
+            </a:xfrm>
+            <a:prstGeom prst="rect">
+              <a:avLst/>
+            </a:prstGeom>
+          </p:spPr>
+          <p:style>
+            <a:lnRef idx="2">
+              <a:schemeClr val="accent5">
+                <a:shade val="50000"/>
+              </a:schemeClr>
+            </a:lnRef>
+            <a:fillRef idx="1">
+              <a:schemeClr val="accent5"/>
+            </a:fillRef>
+            <a:effectRef idx="0">
+              <a:schemeClr val="accent5"/>
+            </a:effectRef>
+            <a:fontRef idx="minor">
+              <a:schemeClr val="lt1"/>
+            </a:fontRef>
+          </p:style>
+          <p:txBody>
+            <a:bodyPr rtlCol="0" anchor="t"/>
+            <a:lstStyle/>
+            <a:p>
+              <a:r>
+                <a:rPr lang="en-US" sz="1400" dirty="0" smtClean="0"/>
+                <a:t>Client Process (.exe, …,  ?)</a:t>
+              </a:r>
+              <a:endParaRPr lang="en-US" sz="1400" dirty="0"/>
+            </a:p>
+          </p:txBody>
+        </p:sp>
+        <p:sp>
+          <p:nvSpPr>
+            <p:cNvPr id="20" name="Public Class"/>
+            <p:cNvSpPr/>
+            <p:nvPr/>
+          </p:nvSpPr>
+          <p:spPr>
+            <a:xfrm>
+              <a:off x="306776" y="1168753"/>
+              <a:ext cx="2899131" cy="2286894"/>
+            </a:xfrm>
+            <a:prstGeom prst="rect">
+              <a:avLst/>
+            </a:prstGeom>
+          </p:spPr>
+          <p:style>
+            <a:lnRef idx="2">
+              <a:schemeClr val="accent3">
+                <a:shade val="50000"/>
+              </a:schemeClr>
+            </a:lnRef>
+            <a:fillRef idx="1">
+              <a:schemeClr val="accent3"/>
+            </a:fillRef>
+            <a:effectRef idx="0">
+              <a:schemeClr val="accent3"/>
+            </a:effectRef>
+            <a:fontRef idx="minor">
+              <a:schemeClr val="lt1"/>
+            </a:fontRef>
+          </p:style>
+          <p:txBody>
+            <a:bodyPr rtlCol="0" anchor="t"/>
+            <a:lstStyle/>
+            <a:p>
+              <a:r>
+                <a:rPr lang="en-US" sz="1100" dirty="0" smtClean="0">
+                  <a:latin typeface="Consolas" panose="020B0609020204030204" pitchFamily="49" charset="0"/>
+                  <a:cs typeface="Consolas" panose="020B0609020204030204" pitchFamily="49" charset="0"/>
+                </a:rPr>
+                <a:t>proxy class</a:t>
+              </a:r>
+              <a:endParaRPr lang="en-US" sz="1100" dirty="0">
+                <a:latin typeface="Consolas" panose="020B0609020204030204" pitchFamily="49" charset="0"/>
+                <a:cs typeface="Consolas" panose="020B0609020204030204" pitchFamily="49" charset="0"/>
+              </a:endParaRPr>
+            </a:p>
+          </p:txBody>
+        </p:sp>
+        <p:sp>
+          <p:nvSpPr>
+            <p:cNvPr id="21" name="Public Method 02"/>
+            <p:cNvSpPr/>
+            <p:nvPr/>
+          </p:nvSpPr>
+          <p:spPr>
+            <a:xfrm>
+              <a:off x="408972" y="2724178"/>
+              <a:ext cx="1054949" cy="336308"/>
+            </a:xfrm>
+            <a:prstGeom prst="rect">
+              <a:avLst/>
+            </a:prstGeom>
+            <a:solidFill>
+              <a:schemeClr val="accent3">
+                <a:lumMod val="75000"/>
+              </a:schemeClr>
+            </a:solidFill>
+          </p:spPr>
+          <p:style>
+            <a:lnRef idx="2">
+              <a:schemeClr val="accent3">
+                <a:shade val="50000"/>
+              </a:schemeClr>
+            </a:lnRef>
+            <a:fillRef idx="1">
+              <a:schemeClr val="accent3"/>
+            </a:fillRef>
+            <a:effectRef idx="0">
+              <a:schemeClr val="accent3"/>
+            </a:effectRef>
+            <a:fontRef idx="minor">
+              <a:schemeClr val="lt1"/>
+            </a:fontRef>
+          </p:style>
+          <p:txBody>
+            <a:bodyPr rtlCol="0" anchor="t"/>
+            <a:lstStyle/>
+            <a:p>
+              <a:r>
+                <a:rPr lang="en-US" sz="1100" dirty="0" smtClean="0">
+                  <a:latin typeface="Consolas" panose="020B0609020204030204" pitchFamily="49" charset="0"/>
+                  <a:cs typeface="Consolas" panose="020B0609020204030204" pitchFamily="49" charset="0"/>
+                </a:rPr>
+                <a:t>method</a:t>
+              </a:r>
+              <a:endParaRPr lang="en-US" sz="1100" dirty="0">
+                <a:latin typeface="Consolas" panose="020B0609020204030204" pitchFamily="49" charset="0"/>
+                <a:cs typeface="Consolas" panose="020B0609020204030204" pitchFamily="49" charset="0"/>
+              </a:endParaRPr>
+            </a:p>
+          </p:txBody>
+        </p:sp>
+        <p:sp>
+          <p:nvSpPr>
+            <p:cNvPr id="22" name="Public Method 01"/>
+            <p:cNvSpPr/>
+            <p:nvPr/>
+          </p:nvSpPr>
+          <p:spPr>
+            <a:xfrm>
+              <a:off x="408973" y="1883408"/>
+              <a:ext cx="1054948" cy="336308"/>
+            </a:xfrm>
+            <a:prstGeom prst="rect">
+              <a:avLst/>
+            </a:prstGeom>
+            <a:solidFill>
+              <a:schemeClr val="accent3">
+                <a:lumMod val="75000"/>
+              </a:schemeClr>
+            </a:solidFill>
+          </p:spPr>
+          <p:style>
+            <a:lnRef idx="2">
+              <a:schemeClr val="accent3">
+                <a:shade val="50000"/>
+              </a:schemeClr>
+            </a:lnRef>
+            <a:fillRef idx="1">
+              <a:schemeClr val="accent3"/>
+            </a:fillRef>
+            <a:effectRef idx="0">
+              <a:schemeClr val="accent3"/>
+            </a:effectRef>
+            <a:fontRef idx="minor">
+              <a:schemeClr val="lt1"/>
+            </a:fontRef>
+          </p:style>
+          <p:txBody>
+            <a:bodyPr rtlCol="0" anchor="t"/>
+            <a:lstStyle/>
+            <a:p>
+              <a:r>
+                <a:rPr lang="en-US" sz="1100" dirty="0" smtClean="0">
+                  <a:latin typeface="Consolas" panose="020B0609020204030204" pitchFamily="49" charset="0"/>
+                  <a:cs typeface="Consolas" panose="020B0609020204030204" pitchFamily="49" charset="0"/>
+                </a:rPr>
+                <a:t>method</a:t>
+              </a:r>
+              <a:endParaRPr lang="en-US" sz="1100" dirty="0">
+                <a:latin typeface="Consolas" panose="020B0609020204030204" pitchFamily="49" charset="0"/>
+                <a:cs typeface="Consolas" panose="020B0609020204030204" pitchFamily="49" charset="0"/>
+              </a:endParaRPr>
+            </a:p>
+          </p:txBody>
+        </p:sp>
+        <p:sp>
+          <p:nvSpPr>
+            <p:cNvPr id="23" name="Rectangle 22"/>
+            <p:cNvSpPr/>
+            <p:nvPr/>
+          </p:nvSpPr>
+          <p:spPr>
+            <a:xfrm>
+              <a:off x="1663075" y="1883408"/>
+              <a:ext cx="1413678" cy="336308"/>
+            </a:xfrm>
+            <a:prstGeom prst="rect">
+              <a:avLst/>
+            </a:prstGeom>
+            <a:solidFill>
+              <a:schemeClr val="accent1">
+                <a:lumMod val="75000"/>
+              </a:schemeClr>
+            </a:solidFill>
+          </p:spPr>
+          <p:style>
+            <a:lnRef idx="2">
+              <a:schemeClr val="accent1">
+                <a:shade val="50000"/>
+              </a:schemeClr>
+            </a:lnRef>
+            <a:fillRef idx="1">
+              <a:schemeClr val="accent1"/>
+            </a:fillRef>
+            <a:effectRef idx="0">
+              <a:schemeClr val="accent1"/>
+            </a:effectRef>
+            <a:fontRef idx="minor">
+              <a:schemeClr val="lt1"/>
+            </a:fontRef>
+          </p:style>
+          <p:txBody>
+            <a:bodyPr rtlCol="0" anchor="ctr"/>
+            <a:lstStyle/>
+            <a:p>
+              <a:pPr algn="ctr"/>
+              <a:r>
+                <a:rPr lang="en-US" sz="1050" dirty="0" err="1" smtClean="0">
+                  <a:latin typeface="Consolas" panose="020B0609020204030204" pitchFamily="49" charset="0"/>
+                  <a:cs typeface="Consolas" panose="020B0609020204030204" pitchFamily="49" charset="0"/>
+                </a:rPr>
+                <a:t>ChannelFactory</a:t>
+              </a:r>
+              <a:endParaRPr lang="en-US" sz="1050" dirty="0">
+                <a:latin typeface="Consolas" panose="020B0609020204030204" pitchFamily="49" charset="0"/>
+                <a:cs typeface="Consolas" panose="020B0609020204030204" pitchFamily="49" charset="0"/>
+              </a:endParaRPr>
+            </a:p>
+          </p:txBody>
+        </p:sp>
+        <p:grpSp>
+          <p:nvGrpSpPr>
+            <p:cNvPr id="24" name="Group 23"/>
+            <p:cNvGrpSpPr/>
+            <p:nvPr/>
+          </p:nvGrpSpPr>
+          <p:grpSpPr>
+            <a:xfrm>
+              <a:off x="4921249" y="2051562"/>
+              <a:ext cx="1580197" cy="1731592"/>
+              <a:chOff x="4367844" y="2051562"/>
+              <a:chExt cx="2133603" cy="1731592"/>
+            </a:xfrm>
+          </p:grpSpPr>
+          <p:cxnSp>
+            <p:nvCxnSpPr>
+              <p:cNvPr id="25" name="Straight Connector 24"/>
+              <p:cNvCxnSpPr/>
+              <p:nvPr/>
+            </p:nvCxnSpPr>
+            <p:spPr>
+              <a:xfrm flipH="1">
+                <a:off x="4367845" y="2051562"/>
+                <a:ext cx="2133602" cy="0"/>
+              </a:xfrm>
+              <a:prstGeom prst="line">
+                <a:avLst/>
+              </a:prstGeom>
+              <a:ln w="76200">
+                <a:tailEnd type="oval" w="lg" len="lg"/>
+              </a:ln>
+            </p:spPr>
+            <p:style>
+              <a:lnRef idx="1">
+                <a:schemeClr val="accent1"/>
+              </a:lnRef>
+              <a:fillRef idx="0">
+                <a:schemeClr val="accent1"/>
+              </a:fillRef>
+              <a:effectRef idx="0">
+                <a:schemeClr val="accent1"/>
+              </a:effectRef>
+              <a:fontRef idx="minor">
+                <a:schemeClr val="tx1"/>
+              </a:fontRef>
+            </p:style>
+          </p:cxnSp>
+          <p:cxnSp>
+            <p:nvCxnSpPr>
+              <p:cNvPr id="26" name="Straight Connector 25"/>
+              <p:cNvCxnSpPr/>
+              <p:nvPr/>
+            </p:nvCxnSpPr>
+            <p:spPr>
+              <a:xfrm flipH="1">
+                <a:off x="4367844" y="3783154"/>
+                <a:ext cx="2133601" cy="0"/>
+              </a:xfrm>
+              <a:prstGeom prst="line">
+                <a:avLst/>
+              </a:prstGeom>
+              <a:ln w="76200">
+                <a:solidFill>
+                  <a:schemeClr val="accent2"/>
+                </a:solidFill>
+                <a:tailEnd type="oval" w="lg" len="lg"/>
+              </a:ln>
+            </p:spPr>
+            <p:style>
+              <a:lnRef idx="1">
+                <a:schemeClr val="accent1"/>
+              </a:lnRef>
+              <a:fillRef idx="0">
+                <a:schemeClr val="accent1"/>
+              </a:fillRef>
+              <a:effectRef idx="0">
+                <a:schemeClr val="accent1"/>
+              </a:effectRef>
+              <a:fontRef idx="minor">
+                <a:schemeClr val="tx1"/>
+              </a:fontRef>
+            </p:style>
+          </p:cxnSp>
+          <p:cxnSp>
+            <p:nvCxnSpPr>
+              <p:cNvPr id="27" name="Straight Connector 26"/>
+              <p:cNvCxnSpPr/>
+              <p:nvPr/>
+            </p:nvCxnSpPr>
+            <p:spPr>
+              <a:xfrm flipH="1">
+                <a:off x="4367845" y="2885213"/>
+                <a:ext cx="2133602" cy="0"/>
+              </a:xfrm>
+              <a:prstGeom prst="line">
+                <a:avLst/>
+              </a:prstGeom>
+              <a:ln w="76200">
+                <a:tailEnd type="oval" w="lg" len="lg"/>
+              </a:ln>
+            </p:spPr>
+            <p:style>
+              <a:lnRef idx="1">
+                <a:schemeClr val="accent1"/>
+              </a:lnRef>
+              <a:fillRef idx="0">
+                <a:schemeClr val="accent1"/>
+              </a:fillRef>
+              <a:effectRef idx="0">
+                <a:schemeClr val="accent1"/>
+              </a:effectRef>
+              <a:fontRef idx="minor">
+                <a:schemeClr val="tx1"/>
+              </a:fontRef>
+            </p:style>
+          </p:cxnSp>
+        </p:grpSp>
+        <p:sp>
+          <p:nvSpPr>
+            <p:cNvPr id="28" name="TextBox 27"/>
+            <p:cNvSpPr txBox="1"/>
+            <p:nvPr/>
+          </p:nvSpPr>
+          <p:spPr>
+            <a:xfrm>
+              <a:off x="5032532" y="2577459"/>
+              <a:ext cx="1427232" cy="288473"/>
+            </a:xfrm>
+            <a:prstGeom prst="rect">
+              <a:avLst/>
+            </a:prstGeom>
+            <a:noFill/>
+          </p:spPr>
+          <p:txBody>
+            <a:bodyPr wrap="square" rtlCol="0">
+              <a:spAutoFit/>
+            </a:bodyPr>
+            <a:lstStyle/>
+            <a:p>
+              <a:r>
+                <a:rPr lang="en-US" sz="1100" dirty="0" smtClean="0"/>
+                <a:t>TCP</a:t>
+              </a:r>
+              <a:endParaRPr lang="en-US" sz="1100" dirty="0"/>
+            </a:p>
+          </p:txBody>
+        </p:sp>
+        <p:grpSp>
+          <p:nvGrpSpPr>
+            <p:cNvPr id="29" name="Service"/>
+            <p:cNvGrpSpPr/>
+            <p:nvPr/>
+          </p:nvGrpSpPr>
+          <p:grpSpPr>
+            <a:xfrm>
+              <a:off x="8305799" y="3799064"/>
+              <a:ext cx="2867026" cy="2630663"/>
+              <a:chOff x="7639049" y="2001322"/>
+              <a:chExt cx="3248026" cy="2980253"/>
+            </a:xfrm>
+          </p:grpSpPr>
+          <p:sp>
+            <p:nvSpPr>
+              <p:cNvPr id="30" name="Public Class"/>
+              <p:cNvSpPr/>
+              <p:nvPr/>
+            </p:nvSpPr>
+            <p:spPr>
+              <a:xfrm>
+                <a:off x="7762875" y="2390775"/>
+                <a:ext cx="3124200" cy="2590800"/>
+              </a:xfrm>
+              <a:prstGeom prst="rect">
+                <a:avLst/>
+              </a:prstGeom>
+            </p:spPr>
+            <p:style>
+              <a:lnRef idx="2">
+                <a:schemeClr val="accent6">
+                  <a:shade val="50000"/>
+                </a:schemeClr>
+              </a:lnRef>
+              <a:fillRef idx="1">
+                <a:schemeClr val="accent6"/>
+              </a:fillRef>
+              <a:effectRef idx="0">
+                <a:schemeClr val="accent6"/>
+              </a:effectRef>
+              <a:fontRef idx="minor">
+                <a:schemeClr val="lt1"/>
+              </a:fontRef>
+            </p:style>
+            <p:txBody>
+              <a:bodyPr rtlCol="0" anchor="t"/>
+              <a:lstStyle/>
+              <a:p>
+                <a:r>
+                  <a:rPr lang="en-US" sz="1100" dirty="0" smtClean="0">
+                    <a:latin typeface="Consolas" panose="020B0609020204030204" pitchFamily="49" charset="0"/>
+                    <a:cs typeface="Consolas" panose="020B0609020204030204" pitchFamily="49" charset="0"/>
+                  </a:rPr>
+                  <a:t>public class</a:t>
+                </a:r>
+                <a:endParaRPr lang="en-US" sz="1100" dirty="0">
+                  <a:latin typeface="Consolas" panose="020B0609020204030204" pitchFamily="49" charset="0"/>
+                  <a:cs typeface="Consolas" panose="020B0609020204030204" pitchFamily="49" charset="0"/>
+                </a:endParaRPr>
+              </a:p>
+            </p:txBody>
+          </p:sp>
+          <p:sp>
+            <p:nvSpPr>
+              <p:cNvPr id="31" name="ServiceContract"/>
+              <p:cNvSpPr txBox="1"/>
+              <p:nvPr/>
+            </p:nvSpPr>
+            <p:spPr>
+              <a:xfrm>
+                <a:off x="7639049" y="2001322"/>
+                <a:ext cx="2590801" cy="326808"/>
+              </a:xfrm>
+              <a:prstGeom prst="rect">
+                <a:avLst/>
+              </a:prstGeom>
+              <a:noFill/>
+            </p:spPr>
+            <p:txBody>
+              <a:bodyPr wrap="square" rtlCol="0">
+                <a:spAutoFit/>
+              </a:bodyPr>
+              <a:lstStyle/>
+              <a:p>
+                <a:r>
+                  <a:rPr lang="en-US" sz="1100" dirty="0" smtClean="0">
+                    <a:solidFill>
+                      <a:schemeClr val="tx2"/>
+                    </a:solidFill>
+                    <a:latin typeface="Consolas" panose="020B0609020204030204" pitchFamily="49" charset="0"/>
+                    <a:cs typeface="Consolas" panose="020B0609020204030204" pitchFamily="49" charset="0"/>
+                  </a:rPr>
+                  <a:t>[</a:t>
+                </a:r>
+                <a:r>
+                  <a:rPr lang="en-US" sz="1100" dirty="0" err="1" smtClean="0">
+                    <a:solidFill>
+                      <a:schemeClr val="tx2"/>
+                    </a:solidFill>
+                    <a:latin typeface="Consolas" panose="020B0609020204030204" pitchFamily="49" charset="0"/>
+                    <a:cs typeface="Consolas" panose="020B0609020204030204" pitchFamily="49" charset="0"/>
+                  </a:rPr>
+                  <a:t>DataContract</a:t>
+                </a:r>
+                <a:r>
+                  <a:rPr lang="en-US" sz="1100" dirty="0" smtClean="0">
+                    <a:solidFill>
+                      <a:schemeClr val="tx2"/>
+                    </a:solidFill>
+                    <a:latin typeface="Consolas" panose="020B0609020204030204" pitchFamily="49" charset="0"/>
+                    <a:cs typeface="Consolas" panose="020B0609020204030204" pitchFamily="49" charset="0"/>
+                  </a:rPr>
+                  <a:t>]</a:t>
+                </a:r>
+                <a:endParaRPr lang="en-US" sz="1100" dirty="0">
+                  <a:solidFill>
+                    <a:schemeClr val="tx2"/>
+                  </a:solidFill>
+                  <a:latin typeface="Consolas" panose="020B0609020204030204" pitchFamily="49" charset="0"/>
+                  <a:cs typeface="Consolas" panose="020B0609020204030204" pitchFamily="49" charset="0"/>
+                </a:endParaRPr>
+              </a:p>
+            </p:txBody>
+          </p:sp>
+          <p:sp>
+            <p:nvSpPr>
+              <p:cNvPr id="32" name="Public Method 02"/>
+              <p:cNvSpPr/>
+              <p:nvPr/>
+            </p:nvSpPr>
+            <p:spPr>
+              <a:xfrm>
+                <a:off x="8053387" y="4152901"/>
+                <a:ext cx="2519363" cy="381000"/>
+              </a:xfrm>
+              <a:prstGeom prst="rect">
+                <a:avLst/>
+              </a:prstGeom>
+              <a:solidFill>
+                <a:schemeClr val="accent6">
+                  <a:lumMod val="75000"/>
+                </a:schemeClr>
+              </a:solidFill>
+            </p:spPr>
+            <p:style>
+              <a:lnRef idx="2">
+                <a:schemeClr val="accent6">
+                  <a:shade val="50000"/>
+                </a:schemeClr>
+              </a:lnRef>
+              <a:fillRef idx="1">
+                <a:schemeClr val="accent6"/>
+              </a:fillRef>
+              <a:effectRef idx="0">
+                <a:schemeClr val="accent6"/>
+              </a:effectRef>
+              <a:fontRef idx="minor">
+                <a:schemeClr val="lt1"/>
+              </a:fontRef>
+            </p:style>
+            <p:txBody>
+              <a:bodyPr rtlCol="0" anchor="t"/>
+              <a:lstStyle/>
+              <a:p>
+                <a:r>
+                  <a:rPr lang="en-US" sz="1100" dirty="0" smtClean="0">
+                    <a:latin typeface="Consolas" panose="020B0609020204030204" pitchFamily="49" charset="0"/>
+                    <a:cs typeface="Consolas" panose="020B0609020204030204" pitchFamily="49" charset="0"/>
+                  </a:rPr>
+                  <a:t>public property</a:t>
+                </a:r>
+                <a:endParaRPr lang="en-US" sz="1100" dirty="0">
+                  <a:latin typeface="Consolas" panose="020B0609020204030204" pitchFamily="49" charset="0"/>
+                  <a:cs typeface="Consolas" panose="020B0609020204030204" pitchFamily="49" charset="0"/>
+                </a:endParaRPr>
+              </a:p>
+            </p:txBody>
+          </p:sp>
+          <p:sp>
+            <p:nvSpPr>
+              <p:cNvPr id="33" name="OperationContract 02"/>
+              <p:cNvSpPr txBox="1"/>
+              <p:nvPr/>
+            </p:nvSpPr>
+            <p:spPr>
+              <a:xfrm>
+                <a:off x="7981949" y="3752850"/>
+                <a:ext cx="2590801" cy="326808"/>
+              </a:xfrm>
+              <a:prstGeom prst="rect">
+                <a:avLst/>
+              </a:prstGeom>
+              <a:noFill/>
+            </p:spPr>
+            <p:txBody>
+              <a:bodyPr wrap="square" rtlCol="0">
+                <a:spAutoFit/>
+              </a:bodyPr>
+              <a:lstStyle/>
+              <a:p>
+                <a:r>
+                  <a:rPr lang="en-US" sz="1100" dirty="0" smtClean="0">
+                    <a:solidFill>
+                      <a:schemeClr val="tx2"/>
+                    </a:solidFill>
+                    <a:latin typeface="Consolas" panose="020B0609020204030204" pitchFamily="49" charset="0"/>
+                    <a:cs typeface="Consolas" panose="020B0609020204030204" pitchFamily="49" charset="0"/>
+                  </a:rPr>
+                  <a:t>[</a:t>
+                </a:r>
+                <a:r>
+                  <a:rPr lang="en-US" sz="1100" dirty="0" err="1" smtClean="0">
+                    <a:solidFill>
+                      <a:schemeClr val="tx2"/>
+                    </a:solidFill>
+                    <a:latin typeface="Consolas" panose="020B0609020204030204" pitchFamily="49" charset="0"/>
+                    <a:cs typeface="Consolas" panose="020B0609020204030204" pitchFamily="49" charset="0"/>
+                  </a:rPr>
+                  <a:t>DataMember</a:t>
+                </a:r>
+                <a:r>
+                  <a:rPr lang="en-US" sz="1100" dirty="0" smtClean="0">
+                    <a:solidFill>
+                      <a:schemeClr val="tx2"/>
+                    </a:solidFill>
+                    <a:latin typeface="Consolas" panose="020B0609020204030204" pitchFamily="49" charset="0"/>
+                    <a:cs typeface="Consolas" panose="020B0609020204030204" pitchFamily="49" charset="0"/>
+                  </a:rPr>
+                  <a:t>]</a:t>
+                </a:r>
+                <a:endParaRPr lang="en-US" sz="1100" dirty="0">
+                  <a:solidFill>
+                    <a:schemeClr val="tx2"/>
+                  </a:solidFill>
+                  <a:latin typeface="Consolas" panose="020B0609020204030204" pitchFamily="49" charset="0"/>
+                  <a:cs typeface="Consolas" panose="020B0609020204030204" pitchFamily="49" charset="0"/>
+                </a:endParaRPr>
+              </a:p>
+            </p:txBody>
+          </p:sp>
+          <p:sp>
+            <p:nvSpPr>
+              <p:cNvPr id="34" name="Public Method 01"/>
+              <p:cNvSpPr/>
+              <p:nvPr/>
+            </p:nvSpPr>
+            <p:spPr>
+              <a:xfrm>
+                <a:off x="8053387" y="3200401"/>
+                <a:ext cx="2519363" cy="381000"/>
+              </a:xfrm>
+              <a:prstGeom prst="rect">
+                <a:avLst/>
+              </a:prstGeom>
+              <a:solidFill>
+                <a:schemeClr val="accent6">
+                  <a:lumMod val="75000"/>
+                </a:schemeClr>
+              </a:solidFill>
+            </p:spPr>
+            <p:style>
+              <a:lnRef idx="2">
+                <a:schemeClr val="accent6">
+                  <a:shade val="50000"/>
+                </a:schemeClr>
+              </a:lnRef>
+              <a:fillRef idx="1">
+                <a:schemeClr val="accent6"/>
+              </a:fillRef>
+              <a:effectRef idx="0">
+                <a:schemeClr val="accent6"/>
+              </a:effectRef>
+              <a:fontRef idx="minor">
+                <a:schemeClr val="lt1"/>
+              </a:fontRef>
+            </p:style>
+            <p:txBody>
+              <a:bodyPr rtlCol="0" anchor="t"/>
+              <a:lstStyle/>
+              <a:p>
+                <a:r>
+                  <a:rPr lang="en-US" sz="1100" dirty="0" smtClean="0">
+                    <a:latin typeface="Consolas" panose="020B0609020204030204" pitchFamily="49" charset="0"/>
+                    <a:cs typeface="Consolas" panose="020B0609020204030204" pitchFamily="49" charset="0"/>
+                  </a:rPr>
+                  <a:t>public property</a:t>
+                </a:r>
+                <a:endParaRPr lang="en-US" sz="1100" dirty="0">
+                  <a:latin typeface="Consolas" panose="020B0609020204030204" pitchFamily="49" charset="0"/>
+                  <a:cs typeface="Consolas" panose="020B0609020204030204" pitchFamily="49" charset="0"/>
+                </a:endParaRPr>
+              </a:p>
+            </p:txBody>
+          </p:sp>
+          <p:sp>
+            <p:nvSpPr>
+              <p:cNvPr id="35" name="OperationContract 01"/>
+              <p:cNvSpPr txBox="1"/>
+              <p:nvPr/>
+            </p:nvSpPr>
+            <p:spPr>
+              <a:xfrm>
+                <a:off x="7981949" y="2800351"/>
+                <a:ext cx="2590801" cy="326808"/>
+              </a:xfrm>
+              <a:prstGeom prst="rect">
+                <a:avLst/>
+              </a:prstGeom>
+              <a:noFill/>
+            </p:spPr>
+            <p:txBody>
+              <a:bodyPr wrap="square" rtlCol="0">
+                <a:spAutoFit/>
+              </a:bodyPr>
+              <a:lstStyle/>
+              <a:p>
+                <a:r>
+                  <a:rPr lang="en-US" sz="1100" dirty="0" smtClean="0">
+                    <a:solidFill>
+                      <a:schemeClr val="tx2"/>
+                    </a:solidFill>
+                    <a:latin typeface="Consolas" panose="020B0609020204030204" pitchFamily="49" charset="0"/>
+                    <a:cs typeface="Consolas" panose="020B0609020204030204" pitchFamily="49" charset="0"/>
+                  </a:rPr>
+                  <a:t>[</a:t>
+                </a:r>
+                <a:r>
+                  <a:rPr lang="en-US" sz="1100" dirty="0" err="1" smtClean="0">
+                    <a:solidFill>
+                      <a:schemeClr val="tx2"/>
+                    </a:solidFill>
+                    <a:latin typeface="Consolas" panose="020B0609020204030204" pitchFamily="49" charset="0"/>
+                    <a:cs typeface="Consolas" panose="020B0609020204030204" pitchFamily="49" charset="0"/>
+                  </a:rPr>
+                  <a:t>DataMember</a:t>
+                </a:r>
+                <a:r>
+                  <a:rPr lang="en-US" sz="1100" dirty="0" smtClean="0">
+                    <a:solidFill>
+                      <a:schemeClr val="tx2"/>
+                    </a:solidFill>
+                    <a:latin typeface="Consolas" panose="020B0609020204030204" pitchFamily="49" charset="0"/>
+                    <a:cs typeface="Consolas" panose="020B0609020204030204" pitchFamily="49" charset="0"/>
+                  </a:rPr>
+                  <a:t>]</a:t>
+                </a:r>
+                <a:endParaRPr lang="en-US" sz="1100" dirty="0">
+                  <a:solidFill>
+                    <a:schemeClr val="tx2"/>
+                  </a:solidFill>
+                  <a:latin typeface="Consolas" panose="020B0609020204030204" pitchFamily="49" charset="0"/>
+                  <a:cs typeface="Consolas" panose="020B0609020204030204" pitchFamily="49" charset="0"/>
+                </a:endParaRPr>
+              </a:p>
+            </p:txBody>
+          </p:sp>
+        </p:grpSp>
+        <p:grpSp>
+          <p:nvGrpSpPr>
+            <p:cNvPr id="36" name="Service"/>
+            <p:cNvGrpSpPr/>
+            <p:nvPr/>
+          </p:nvGrpSpPr>
+          <p:grpSpPr>
+            <a:xfrm>
+              <a:off x="306777" y="4142834"/>
+              <a:ext cx="2899131" cy="2286894"/>
+              <a:chOff x="7602678" y="2390775"/>
+              <a:chExt cx="3284397" cy="2590800"/>
+            </a:xfrm>
+          </p:grpSpPr>
+          <p:sp>
+            <p:nvSpPr>
+              <p:cNvPr id="37" name="Public Class"/>
+              <p:cNvSpPr/>
+              <p:nvPr/>
+            </p:nvSpPr>
+            <p:spPr>
+              <a:xfrm>
+                <a:off x="7602678" y="2390775"/>
+                <a:ext cx="3284397" cy="2590800"/>
+              </a:xfrm>
+              <a:prstGeom prst="rect">
+                <a:avLst/>
+              </a:prstGeom>
+            </p:spPr>
+            <p:style>
+              <a:lnRef idx="2">
+                <a:schemeClr val="accent6">
+                  <a:shade val="50000"/>
+                </a:schemeClr>
+              </a:lnRef>
+              <a:fillRef idx="1">
+                <a:schemeClr val="accent6"/>
+              </a:fillRef>
+              <a:effectRef idx="0">
+                <a:schemeClr val="accent6"/>
+              </a:effectRef>
+              <a:fontRef idx="minor">
+                <a:schemeClr val="lt1"/>
+              </a:fontRef>
+            </p:style>
+            <p:txBody>
+              <a:bodyPr rtlCol="0" anchor="t"/>
+              <a:lstStyle/>
+              <a:p>
+                <a:r>
+                  <a:rPr lang="en-US" sz="1100" dirty="0" smtClean="0">
+                    <a:latin typeface="Consolas" panose="020B0609020204030204" pitchFamily="49" charset="0"/>
+                    <a:cs typeface="Consolas" panose="020B0609020204030204" pitchFamily="49" charset="0"/>
+                  </a:rPr>
+                  <a:t>proxy class</a:t>
+                </a:r>
+                <a:endParaRPr lang="en-US" sz="1100" dirty="0">
+                  <a:latin typeface="Consolas" panose="020B0609020204030204" pitchFamily="49" charset="0"/>
+                  <a:cs typeface="Consolas" panose="020B0609020204030204" pitchFamily="49" charset="0"/>
+                </a:endParaRPr>
+              </a:p>
+            </p:txBody>
+          </p:sp>
+          <p:sp>
+            <p:nvSpPr>
+              <p:cNvPr id="38" name="Public Method 02"/>
+              <p:cNvSpPr/>
+              <p:nvPr/>
+            </p:nvSpPr>
+            <p:spPr>
+              <a:xfrm>
+                <a:off x="7718454" y="4152901"/>
+                <a:ext cx="1195142" cy="381000"/>
+              </a:xfrm>
+              <a:prstGeom prst="rect">
+                <a:avLst/>
+              </a:prstGeom>
+              <a:solidFill>
+                <a:schemeClr val="accent6">
+                  <a:lumMod val="75000"/>
+                </a:schemeClr>
+              </a:solidFill>
+            </p:spPr>
+            <p:style>
+              <a:lnRef idx="2">
+                <a:schemeClr val="accent6">
+                  <a:shade val="50000"/>
+                </a:schemeClr>
+              </a:lnRef>
+              <a:fillRef idx="1">
+                <a:schemeClr val="accent6"/>
+              </a:fillRef>
+              <a:effectRef idx="0">
+                <a:schemeClr val="accent6"/>
+              </a:effectRef>
+              <a:fontRef idx="minor">
+                <a:schemeClr val="lt1"/>
+              </a:fontRef>
+            </p:style>
+            <p:txBody>
+              <a:bodyPr rtlCol="0" anchor="t"/>
+              <a:lstStyle/>
+              <a:p>
+                <a:r>
+                  <a:rPr lang="en-US" sz="1100" dirty="0" smtClean="0">
+                    <a:latin typeface="Consolas" panose="020B0609020204030204" pitchFamily="49" charset="0"/>
+                    <a:cs typeface="Consolas" panose="020B0609020204030204" pitchFamily="49" charset="0"/>
+                  </a:rPr>
+                  <a:t>property</a:t>
+                </a:r>
+                <a:endParaRPr lang="en-US" sz="1100" dirty="0">
+                  <a:latin typeface="Consolas" panose="020B0609020204030204" pitchFamily="49" charset="0"/>
+                  <a:cs typeface="Consolas" panose="020B0609020204030204" pitchFamily="49" charset="0"/>
+                </a:endParaRPr>
+              </a:p>
+            </p:txBody>
+          </p:sp>
+          <p:sp>
+            <p:nvSpPr>
+              <p:cNvPr id="39" name="Public Method 01"/>
+              <p:cNvSpPr/>
+              <p:nvPr/>
+            </p:nvSpPr>
+            <p:spPr>
+              <a:xfrm>
+                <a:off x="7718455" y="3200401"/>
+                <a:ext cx="1195142" cy="381000"/>
+              </a:xfrm>
+              <a:prstGeom prst="rect">
+                <a:avLst/>
+              </a:prstGeom>
+              <a:solidFill>
+                <a:schemeClr val="accent6">
+                  <a:lumMod val="75000"/>
+                </a:schemeClr>
+              </a:solidFill>
+            </p:spPr>
+            <p:style>
+              <a:lnRef idx="2">
+                <a:schemeClr val="accent6">
+                  <a:shade val="50000"/>
+                </a:schemeClr>
+              </a:lnRef>
+              <a:fillRef idx="1">
+                <a:schemeClr val="accent6"/>
+              </a:fillRef>
+              <a:effectRef idx="0">
+                <a:schemeClr val="accent6"/>
+              </a:effectRef>
+              <a:fontRef idx="minor">
+                <a:schemeClr val="lt1"/>
+              </a:fontRef>
+            </p:style>
+            <p:txBody>
+              <a:bodyPr rtlCol="0" anchor="t"/>
+              <a:lstStyle/>
+              <a:p>
+                <a:r>
+                  <a:rPr lang="en-US" sz="1100" dirty="0" smtClean="0">
+                    <a:latin typeface="Consolas" panose="020B0609020204030204" pitchFamily="49" charset="0"/>
+                    <a:cs typeface="Consolas" panose="020B0609020204030204" pitchFamily="49" charset="0"/>
+                  </a:rPr>
+                  <a:t>property</a:t>
+                </a:r>
+                <a:endParaRPr lang="en-US" sz="1100" dirty="0">
+                  <a:latin typeface="Consolas" panose="020B0609020204030204" pitchFamily="49" charset="0"/>
+                  <a:cs typeface="Consolas" panose="020B0609020204030204" pitchFamily="49" charset="0"/>
+                </a:endParaRPr>
+              </a:p>
+            </p:txBody>
+          </p:sp>
+        </p:grpSp>
+        <p:grpSp>
+          <p:nvGrpSpPr>
+            <p:cNvPr id="40" name="Group 39"/>
+            <p:cNvGrpSpPr/>
+            <p:nvPr/>
+          </p:nvGrpSpPr>
+          <p:grpSpPr>
+            <a:xfrm>
+              <a:off x="3129176" y="1933700"/>
+              <a:ext cx="907206" cy="225598"/>
+              <a:chOff x="3188048" y="1963499"/>
+              <a:chExt cx="667542" cy="166000"/>
+            </a:xfrm>
+          </p:grpSpPr>
+          <p:sp>
+            <p:nvSpPr>
+              <p:cNvPr id="41" name="Can 40"/>
+              <p:cNvSpPr/>
+              <p:nvPr/>
+            </p:nvSpPr>
+            <p:spPr>
+              <a:xfrm rot="5400000">
+                <a:off x="3187598" y="1963949"/>
+                <a:ext cx="166000" cy="165100"/>
+              </a:xfrm>
+              <a:prstGeom prst="can">
+                <a:avLst/>
+              </a:prstGeom>
+              <a:solidFill>
+                <a:schemeClr val="accent1">
+                  <a:lumMod val="75000"/>
+                </a:schemeClr>
+              </a:solidFill>
+            </p:spPr>
+            <p:style>
+              <a:lnRef idx="2">
+                <a:schemeClr val="accent1">
+                  <a:shade val="50000"/>
+                </a:schemeClr>
+              </a:lnRef>
+              <a:fillRef idx="1">
+                <a:schemeClr val="accent1"/>
+              </a:fillRef>
+              <a:effectRef idx="0">
+                <a:schemeClr val="accent1"/>
+              </a:effectRef>
+              <a:fontRef idx="minor">
+                <a:schemeClr val="lt1"/>
+              </a:fontRef>
+            </p:style>
+            <p:txBody>
+              <a:bodyPr rtlCol="0" anchor="ctr"/>
+              <a:lstStyle/>
+              <a:p>
+                <a:pPr algn="ctr"/>
+                <a:endParaRPr lang="en-US" sz="1400"/>
+              </a:p>
+            </p:txBody>
+          </p:sp>
+          <p:sp>
+            <p:nvSpPr>
+              <p:cNvPr id="42" name="Can 41"/>
+              <p:cNvSpPr/>
+              <p:nvPr/>
+            </p:nvSpPr>
+            <p:spPr>
+              <a:xfrm rot="5400000">
+                <a:off x="3351583" y="1963949"/>
+                <a:ext cx="166000" cy="165100"/>
+              </a:xfrm>
+              <a:prstGeom prst="can">
+                <a:avLst/>
+              </a:prstGeom>
+              <a:solidFill>
+                <a:schemeClr val="accent1">
+                  <a:lumMod val="60000"/>
+                  <a:lumOff val="40000"/>
+                </a:schemeClr>
+              </a:solidFill>
+            </p:spPr>
+            <p:style>
+              <a:lnRef idx="2">
+                <a:schemeClr val="accent1">
+                  <a:shade val="50000"/>
+                </a:schemeClr>
+              </a:lnRef>
+              <a:fillRef idx="1">
+                <a:schemeClr val="accent1"/>
+              </a:fillRef>
+              <a:effectRef idx="0">
+                <a:schemeClr val="accent1"/>
+              </a:effectRef>
+              <a:fontRef idx="minor">
+                <a:schemeClr val="lt1"/>
+              </a:fontRef>
+            </p:style>
+            <p:txBody>
+              <a:bodyPr rtlCol="0" anchor="ctr"/>
+              <a:lstStyle/>
+              <a:p>
+                <a:pPr algn="ctr"/>
+                <a:endParaRPr lang="en-US" sz="1400"/>
+              </a:p>
+            </p:txBody>
+          </p:sp>
+          <p:sp>
+            <p:nvSpPr>
+              <p:cNvPr id="43" name="Can 42"/>
+              <p:cNvSpPr/>
+              <p:nvPr/>
+            </p:nvSpPr>
+            <p:spPr>
+              <a:xfrm rot="5400000">
+                <a:off x="3517470" y="1963949"/>
+                <a:ext cx="166000" cy="165100"/>
+              </a:xfrm>
+              <a:prstGeom prst="can">
+                <a:avLst/>
+              </a:prstGeom>
+              <a:solidFill>
+                <a:schemeClr val="accent1">
+                  <a:lumMod val="40000"/>
+                  <a:lumOff val="60000"/>
+                </a:schemeClr>
+              </a:solidFill>
+            </p:spPr>
+            <p:style>
+              <a:lnRef idx="2">
+                <a:schemeClr val="accent1">
+                  <a:shade val="50000"/>
+                </a:schemeClr>
+              </a:lnRef>
+              <a:fillRef idx="1">
+                <a:schemeClr val="accent1"/>
+              </a:fillRef>
+              <a:effectRef idx="0">
+                <a:schemeClr val="accent1"/>
+              </a:effectRef>
+              <a:fontRef idx="minor">
+                <a:schemeClr val="lt1"/>
+              </a:fontRef>
+            </p:style>
+            <p:txBody>
+              <a:bodyPr rtlCol="0" anchor="ctr"/>
+              <a:lstStyle/>
+              <a:p>
+                <a:pPr algn="ctr"/>
+                <a:endParaRPr lang="en-US" sz="1400"/>
+              </a:p>
+            </p:txBody>
+          </p:sp>
+          <p:sp>
+            <p:nvSpPr>
+              <p:cNvPr id="44" name="Can 43"/>
+              <p:cNvSpPr/>
+              <p:nvPr/>
+            </p:nvSpPr>
+            <p:spPr>
+              <a:xfrm rot="5400000">
+                <a:off x="3690040" y="1963949"/>
+                <a:ext cx="166000" cy="165100"/>
+              </a:xfrm>
+              <a:prstGeom prst="can">
+                <a:avLst/>
+              </a:prstGeom>
+              <a:solidFill>
+                <a:schemeClr val="accent1">
+                  <a:lumMod val="20000"/>
+                  <a:lumOff val="80000"/>
+                </a:schemeClr>
+              </a:solidFill>
+            </p:spPr>
+            <p:style>
+              <a:lnRef idx="2">
+                <a:schemeClr val="accent1">
+                  <a:shade val="50000"/>
+                </a:schemeClr>
+              </a:lnRef>
+              <a:fillRef idx="1">
+                <a:schemeClr val="accent1"/>
+              </a:fillRef>
+              <a:effectRef idx="0">
+                <a:schemeClr val="accent1"/>
+              </a:effectRef>
+              <a:fontRef idx="minor">
+                <a:schemeClr val="lt1"/>
+              </a:fontRef>
+            </p:style>
+            <p:txBody>
+              <a:bodyPr rtlCol="0" anchor="ctr"/>
+              <a:lstStyle/>
+              <a:p>
+                <a:pPr algn="ctr"/>
+                <a:endParaRPr lang="en-US" sz="1400"/>
+              </a:p>
+            </p:txBody>
+          </p:sp>
+        </p:grpSp>
+        <p:grpSp>
+          <p:nvGrpSpPr>
+            <p:cNvPr id="45" name="Group 44"/>
+            <p:cNvGrpSpPr/>
+            <p:nvPr/>
+          </p:nvGrpSpPr>
+          <p:grpSpPr>
+            <a:xfrm rot="10800000">
+              <a:off x="5516859" y="1933700"/>
+              <a:ext cx="907206" cy="225598"/>
+              <a:chOff x="3188048" y="1963499"/>
+              <a:chExt cx="667542" cy="166000"/>
+            </a:xfrm>
+          </p:grpSpPr>
+          <p:sp>
+            <p:nvSpPr>
+              <p:cNvPr id="46" name="Can 45"/>
+              <p:cNvSpPr/>
+              <p:nvPr/>
+            </p:nvSpPr>
+            <p:spPr>
+              <a:xfrm rot="5400000">
+                <a:off x="3187598" y="1963949"/>
+                <a:ext cx="166000" cy="165100"/>
+              </a:xfrm>
+              <a:prstGeom prst="can">
+                <a:avLst/>
+              </a:prstGeom>
+              <a:solidFill>
+                <a:schemeClr val="accent1">
+                  <a:lumMod val="75000"/>
+                </a:schemeClr>
+              </a:solidFill>
+            </p:spPr>
+            <p:style>
+              <a:lnRef idx="2">
+                <a:schemeClr val="accent1">
+                  <a:shade val="50000"/>
+                </a:schemeClr>
+              </a:lnRef>
+              <a:fillRef idx="1">
+                <a:schemeClr val="accent1"/>
+              </a:fillRef>
+              <a:effectRef idx="0">
+                <a:schemeClr val="accent1"/>
+              </a:effectRef>
+              <a:fontRef idx="minor">
+                <a:schemeClr val="lt1"/>
+              </a:fontRef>
+            </p:style>
+            <p:txBody>
+              <a:bodyPr rtlCol="0" anchor="ctr"/>
+              <a:lstStyle/>
+              <a:p>
+                <a:pPr algn="ctr"/>
+                <a:endParaRPr lang="en-US" sz="1400"/>
+              </a:p>
+            </p:txBody>
+          </p:sp>
+          <p:sp>
+            <p:nvSpPr>
+              <p:cNvPr id="47" name="Can 46"/>
+              <p:cNvSpPr/>
+              <p:nvPr/>
+            </p:nvSpPr>
+            <p:spPr>
+              <a:xfrm rot="5400000">
+                <a:off x="3351583" y="1963949"/>
+                <a:ext cx="166000" cy="165100"/>
+              </a:xfrm>
+              <a:prstGeom prst="can">
+                <a:avLst/>
+              </a:prstGeom>
+              <a:solidFill>
+                <a:schemeClr val="accent1">
+                  <a:lumMod val="60000"/>
+                  <a:lumOff val="40000"/>
+                </a:schemeClr>
+              </a:solidFill>
+            </p:spPr>
+            <p:style>
+              <a:lnRef idx="2">
+                <a:schemeClr val="accent1">
+                  <a:shade val="50000"/>
+                </a:schemeClr>
+              </a:lnRef>
+              <a:fillRef idx="1">
+                <a:schemeClr val="accent1"/>
+              </a:fillRef>
+              <a:effectRef idx="0">
+                <a:schemeClr val="accent1"/>
+              </a:effectRef>
+              <a:fontRef idx="minor">
+                <a:schemeClr val="lt1"/>
+              </a:fontRef>
+            </p:style>
+            <p:txBody>
+              <a:bodyPr rtlCol="0" anchor="ctr"/>
+              <a:lstStyle/>
+              <a:p>
+                <a:pPr algn="ctr"/>
+                <a:endParaRPr lang="en-US" sz="1400"/>
+              </a:p>
+            </p:txBody>
+          </p:sp>
+          <p:sp>
+            <p:nvSpPr>
+              <p:cNvPr id="48" name="Can 47"/>
+              <p:cNvSpPr/>
+              <p:nvPr/>
+            </p:nvSpPr>
+            <p:spPr>
+              <a:xfrm rot="5400000">
+                <a:off x="3517470" y="1963949"/>
+                <a:ext cx="166000" cy="165100"/>
+              </a:xfrm>
+              <a:prstGeom prst="can">
+                <a:avLst/>
+              </a:prstGeom>
+              <a:solidFill>
+                <a:schemeClr val="accent1">
+                  <a:lumMod val="40000"/>
+                  <a:lumOff val="60000"/>
+                </a:schemeClr>
+              </a:solidFill>
+            </p:spPr>
+            <p:style>
+              <a:lnRef idx="2">
+                <a:schemeClr val="accent1">
+                  <a:shade val="50000"/>
+                </a:schemeClr>
+              </a:lnRef>
+              <a:fillRef idx="1">
+                <a:schemeClr val="accent1"/>
+              </a:fillRef>
+              <a:effectRef idx="0">
+                <a:schemeClr val="accent1"/>
+              </a:effectRef>
+              <a:fontRef idx="minor">
+                <a:schemeClr val="lt1"/>
+              </a:fontRef>
+            </p:style>
+            <p:txBody>
+              <a:bodyPr rtlCol="0" anchor="ctr"/>
+              <a:lstStyle/>
+              <a:p>
+                <a:pPr algn="ctr"/>
+                <a:endParaRPr lang="en-US" sz="1400"/>
+              </a:p>
+            </p:txBody>
+          </p:sp>
+          <p:sp>
+            <p:nvSpPr>
+              <p:cNvPr id="49" name="Can 48"/>
+              <p:cNvSpPr/>
+              <p:nvPr/>
+            </p:nvSpPr>
+            <p:spPr>
+              <a:xfrm rot="5400000">
+                <a:off x="3690040" y="1963949"/>
+                <a:ext cx="166000" cy="165100"/>
+              </a:xfrm>
+              <a:prstGeom prst="can">
+                <a:avLst/>
+              </a:prstGeom>
+              <a:solidFill>
+                <a:schemeClr val="accent1">
+                  <a:lumMod val="20000"/>
+                  <a:lumOff val="80000"/>
+                </a:schemeClr>
+              </a:solidFill>
+            </p:spPr>
+            <p:style>
+              <a:lnRef idx="2">
+                <a:schemeClr val="accent1">
+                  <a:shade val="50000"/>
+                </a:schemeClr>
+              </a:lnRef>
+              <a:fillRef idx="1">
+                <a:schemeClr val="accent1"/>
+              </a:fillRef>
+              <a:effectRef idx="0">
+                <a:schemeClr val="accent1"/>
+              </a:effectRef>
+              <a:fontRef idx="minor">
+                <a:schemeClr val="lt1"/>
+              </a:fontRef>
+            </p:style>
+            <p:txBody>
+              <a:bodyPr rtlCol="0" anchor="ctr"/>
+              <a:lstStyle/>
+              <a:p>
+                <a:pPr algn="ctr"/>
+                <a:endParaRPr lang="en-US" sz="1400"/>
+              </a:p>
+            </p:txBody>
+          </p:sp>
+        </p:grpSp>
+        <p:cxnSp>
+          <p:nvCxnSpPr>
+            <p:cNvPr id="50" name="Straight Connector 49"/>
+            <p:cNvCxnSpPr/>
+            <p:nvPr/>
+          </p:nvCxnSpPr>
+          <p:spPr>
+            <a:xfrm>
+              <a:off x="2963537" y="2046499"/>
+              <a:ext cx="3716477" cy="0"/>
+            </a:xfrm>
+            <a:prstGeom prst="line">
+              <a:avLst/>
+            </a:prstGeom>
+            <a:ln w="28575">
+              <a:solidFill>
+                <a:schemeClr val="accent6">
+                  <a:lumMod val="75000"/>
+                </a:schemeClr>
+              </a:solidFill>
+              <a:headEnd type="triangle"/>
+              <a:tailEnd type="triangle"/>
+            </a:ln>
+          </p:spPr>
+          <p:style>
+            <a:lnRef idx="1">
+              <a:schemeClr val="accent1"/>
+            </a:lnRef>
+            <a:fillRef idx="0">
+              <a:schemeClr val="accent1"/>
+            </a:fillRef>
+            <a:effectRef idx="0">
+              <a:schemeClr val="accent1"/>
+            </a:effectRef>
+            <a:fontRef idx="minor">
+              <a:schemeClr val="tx1"/>
+            </a:fontRef>
+          </p:style>
+        </p:cxnSp>
+        <p:grpSp>
+          <p:nvGrpSpPr>
+            <p:cNvPr id="51" name="Message"/>
+            <p:cNvGrpSpPr/>
+            <p:nvPr/>
+          </p:nvGrpSpPr>
+          <p:grpSpPr>
+            <a:xfrm>
+              <a:off x="4177364" y="1902834"/>
+              <a:ext cx="440675" cy="297455"/>
+              <a:chOff x="3955055" y="705080"/>
+              <a:chExt cx="440675" cy="297455"/>
+            </a:xfrm>
+            <a:solidFill>
+              <a:schemeClr val="accent6"/>
+            </a:solidFill>
+          </p:grpSpPr>
+          <p:sp>
+            <p:nvSpPr>
+              <p:cNvPr id="52" name="Rectangle 51"/>
+              <p:cNvSpPr/>
+              <p:nvPr/>
+            </p:nvSpPr>
+            <p:spPr>
+              <a:xfrm>
+                <a:off x="3955055" y="705080"/>
+                <a:ext cx="440675" cy="297455"/>
+              </a:xfrm>
+              <a:prstGeom prst="rect">
+                <a:avLst/>
+              </a:prstGeom>
+              <a:grpFill/>
+              <a:ln cap="rnd">
+                <a:solidFill>
+                  <a:schemeClr val="accent6">
+                    <a:lumMod val="75000"/>
+                  </a:schemeClr>
+                </a:solidFill>
+              </a:ln>
+            </p:spPr>
+            <p:style>
+              <a:lnRef idx="2">
+                <a:schemeClr val="accent6"/>
+              </a:lnRef>
+              <a:fillRef idx="1">
+                <a:schemeClr val="lt1"/>
+              </a:fillRef>
+              <a:effectRef idx="0">
+                <a:schemeClr val="accent6"/>
+              </a:effectRef>
+              <a:fontRef idx="minor">
+                <a:schemeClr val="dk1"/>
+              </a:fontRef>
+            </p:style>
+            <p:txBody>
+              <a:bodyPr rtlCol="0" anchor="ctr"/>
+              <a:lstStyle/>
+              <a:p>
+                <a:pPr algn="ctr"/>
+                <a:endParaRPr lang="en-US" sz="1400"/>
+              </a:p>
+            </p:txBody>
+          </p:sp>
+          <p:cxnSp>
+            <p:nvCxnSpPr>
+              <p:cNvPr id="53" name="Straight Connector 52"/>
+              <p:cNvCxnSpPr/>
+              <p:nvPr/>
+            </p:nvCxnSpPr>
+            <p:spPr>
+              <a:xfrm>
+                <a:off x="3955055" y="705080"/>
+                <a:ext cx="214514" cy="147408"/>
+              </a:xfrm>
+              <a:prstGeom prst="line">
+                <a:avLst/>
+              </a:prstGeom>
+              <a:grpFill/>
+              <a:ln cap="rnd">
+                <a:solidFill>
+                  <a:schemeClr val="accent6">
+                    <a:lumMod val="75000"/>
+                  </a:schemeClr>
+                </a:solidFill>
+              </a:ln>
+            </p:spPr>
+            <p:style>
+              <a:lnRef idx="2">
+                <a:schemeClr val="accent6"/>
+              </a:lnRef>
+              <a:fillRef idx="1">
+                <a:schemeClr val="lt1"/>
+              </a:fillRef>
+              <a:effectRef idx="0">
+                <a:schemeClr val="accent6"/>
+              </a:effectRef>
+              <a:fontRef idx="minor">
+                <a:schemeClr val="dk1"/>
+              </a:fontRef>
+            </p:style>
+          </p:cxnSp>
+          <p:cxnSp>
+            <p:nvCxnSpPr>
+              <p:cNvPr id="54" name="Straight Connector 53"/>
+              <p:cNvCxnSpPr/>
+              <p:nvPr/>
+            </p:nvCxnSpPr>
+            <p:spPr>
+              <a:xfrm flipH="1">
+                <a:off x="4171950" y="705080"/>
+                <a:ext cx="223780" cy="149789"/>
+              </a:xfrm>
+              <a:prstGeom prst="line">
+                <a:avLst/>
+              </a:prstGeom>
+              <a:grpFill/>
+              <a:ln cap="rnd">
+                <a:solidFill>
+                  <a:schemeClr val="accent6">
+                    <a:lumMod val="75000"/>
+                  </a:schemeClr>
+                </a:solidFill>
+              </a:ln>
+            </p:spPr>
+            <p:style>
+              <a:lnRef idx="2">
+                <a:schemeClr val="accent6"/>
+              </a:lnRef>
+              <a:fillRef idx="1">
+                <a:schemeClr val="lt1"/>
+              </a:fillRef>
+              <a:effectRef idx="0">
+                <a:schemeClr val="accent6"/>
+              </a:effectRef>
+              <a:fontRef idx="minor">
+                <a:schemeClr val="dk1"/>
+              </a:fontRef>
+            </p:style>
+          </p:cxnSp>
+        </p:grpSp>
+      </p:grpSp>
+    </p:spTree>
+    <p:extLst>
+      <p:ext uri="{BB962C8B-B14F-4D97-AF65-F5344CB8AC3E}">
+        <p14:creationId xmlns:p14="http://schemas.microsoft.com/office/powerpoint/2010/main" val="983109598"/>
+      </p:ext>
+    </p:extLst>
+  </p:cSld>
+  <p:clrMapOvr>
+    <a:masterClrMapping/>
+  </p:clrMapOvr>
+  <p:timing>
+    <p:tnLst>
+      <p:par>
+        <p:cTn id="1" dur="indefinite" restart="never" nodeType="tmRoot"/>
+      </p:par>
+    </p:tnLst>
+  </p:timing>
+</p:sld>
+</file>
+
+<file path=ppt/slides/slide5.xml><?xml version="1.0" encoding="utf-8"?>
+<p:sld xmlns:a="http://schemas.openxmlformats.org/drawingml/2006/main" xmlns:r="http://schemas.openxmlformats.org/officeDocument/2006/relationships" xmlns:p="http://schemas.openxmlformats.org/presentationml/2006/main">
+  <p:cSld>
+    <p:spTree>
+      <p:nvGrpSpPr>
+        <p:cNvPr id="1" name=""/>
+        <p:cNvGrpSpPr/>
+        <p:nvPr/>
+      </p:nvGrpSpPr>
+      <p:grpSpPr>
+        <a:xfrm>
+          <a:off x="0" y="0"/>
+          <a:ext cx="0" cy="0"/>
+          <a:chOff x="0" y="0"/>
+          <a:chExt cx="0" cy="0"/>
+        </a:xfrm>
+      </p:grpSpPr>
+      <p:sp>
+        <p:nvSpPr>
+          <p:cNvPr id="4" name="Title 3"/>
+          <p:cNvSpPr>
+            <a:spLocks noGrp="1"/>
+          </p:cNvSpPr>
+          <p:nvPr>
+            <p:ph type="title"/>
+          </p:nvPr>
+        </p:nvSpPr>
+        <p:spPr/>
+        <p:txBody>
+          <a:bodyPr/>
+          <a:lstStyle/>
+          <a:p>
+            <a:r>
+              <a:rPr lang="en-US" dirty="0" smtClean="0"/>
+              <a:t>Creating Services and Clients in Code </a:t>
+            </a:r>
+            <a:endParaRPr lang="en-US" dirty="0"/>
+          </a:p>
+        </p:txBody>
+      </p:sp>
+    </p:spTree>
+    <p:extLst>
+      <p:ext uri="{BB962C8B-B14F-4D97-AF65-F5344CB8AC3E}">
+        <p14:creationId xmlns:p14="http://schemas.microsoft.com/office/powerpoint/2010/main" val="3487055256"/>
+      </p:ext>
+    </p:extLst>
+  </p:cSld>
+  <p:clrMapOvr>
+    <a:masterClrMapping/>
+  </p:clrMapOvr>
+  <p:timing>
+    <p:tnLst>
+      <p:par>
+        <p:cTn id="1" dur="indefinite" restart="never" nodeType="tmRoot"/>
+      </p:par>
+    </p:tnLst>
+  </p:timing>
+</p:sld>
+</file>
+
+<file path=ppt/slides/slide6.xml><?xml version="1.0" encoding="utf-8"?>
 <p:sld xmlns:a="http://schemas.openxmlformats.org/drawingml/2006/main" xmlns:r="http://schemas.openxmlformats.org/officeDocument/2006/relationships" xmlns:p="http://schemas.openxmlformats.org/presentationml/2006/main">
   <p:cSld>
     <p:spTree>
@@ -3763,10 +10166,1385 @@
   <p:clrMapOvr>
     <a:masterClrMapping/>
   </p:clrMapOvr>
+  <p:timing>
+    <p:tnLst>
+      <p:par>
+        <p:cTn id="1" dur="indefinite" restart="never" nodeType="tmRoot"/>
+      </p:par>
+    </p:tnLst>
+  </p:timing>
 </p:sld>
 </file>
 
-<file path=ppt/slides/slide5.xml><?xml version="1.0" encoding="utf-8"?>
+<file path=ppt/slides/slide7.xml><?xml version="1.0" encoding="utf-8"?>
+<p:sld xmlns:a="http://schemas.openxmlformats.org/drawingml/2006/main" xmlns:r="http://schemas.openxmlformats.org/officeDocument/2006/relationships" xmlns:p="http://schemas.openxmlformats.org/presentationml/2006/main">
+  <p:cSld>
+    <p:spTree>
+      <p:nvGrpSpPr>
+        <p:cNvPr id="1" name=""/>
+        <p:cNvGrpSpPr/>
+        <p:nvPr/>
+      </p:nvGrpSpPr>
+      <p:grpSpPr>
+        <a:xfrm>
+          <a:off x="0" y="0"/>
+          <a:ext cx="0" cy="0"/>
+          <a:chOff x="0" y="0"/>
+          <a:chExt cx="0" cy="0"/>
+        </a:xfrm>
+      </p:grpSpPr>
+      <p:sp>
+        <p:nvSpPr>
+          <p:cNvPr id="4" name="Title 3"/>
+          <p:cNvSpPr>
+            <a:spLocks noGrp="1"/>
+          </p:cNvSpPr>
+          <p:nvPr>
+            <p:ph type="title"/>
+          </p:nvPr>
+        </p:nvSpPr>
+        <p:spPr/>
+        <p:txBody>
+          <a:bodyPr/>
+          <a:lstStyle/>
+          <a:p>
+            <a:r>
+              <a:rPr lang="en-US" dirty="0" smtClean="0"/>
+              <a:t>WCF Service Security</a:t>
+            </a:r>
+            <a:endParaRPr lang="en-US" dirty="0"/>
+          </a:p>
+        </p:txBody>
+      </p:sp>
+      <p:sp>
+        <p:nvSpPr>
+          <p:cNvPr id="5" name="Content Placeholder 4"/>
+          <p:cNvSpPr>
+            <a:spLocks noGrp="1"/>
+          </p:cNvSpPr>
+          <p:nvPr>
+            <p:ph sz="quarter" idx="10"/>
+          </p:nvPr>
+        </p:nvSpPr>
+        <p:spPr/>
+        <p:txBody>
+          <a:bodyPr/>
+          <a:lstStyle/>
+          <a:p>
+            <a:r>
+              <a:rPr lang="en-US" dirty="0" smtClean="0"/>
+              <a:t>WCF Security basically boils down to</a:t>
+            </a:r>
+          </a:p>
+          <a:p>
+            <a:pPr lvl="1"/>
+            <a:r>
+              <a:rPr lang="en-US" dirty="0" smtClean="0"/>
+              <a:t>Transport security (SSL/HTTPS)</a:t>
+            </a:r>
+          </a:p>
+          <a:p>
+            <a:pPr lvl="1"/>
+            <a:r>
+              <a:rPr lang="en-US" dirty="0" smtClean="0"/>
+              <a:t>Message Security (Encrypting the payload)</a:t>
+            </a:r>
+          </a:p>
+          <a:p>
+            <a:r>
+              <a:rPr lang="en-US" dirty="0" smtClean="0"/>
+              <a:t>There are a number of ways to accomplish the above using</a:t>
+            </a:r>
+          </a:p>
+          <a:p>
+            <a:pPr lvl="1"/>
+            <a:r>
+              <a:rPr lang="en-US" dirty="0" smtClean="0"/>
+              <a:t>Bindings</a:t>
+            </a:r>
+          </a:p>
+          <a:p>
+            <a:pPr lvl="1"/>
+            <a:r>
+              <a:rPr lang="en-US" dirty="0" smtClean="0"/>
+              <a:t>Transports</a:t>
+            </a:r>
+          </a:p>
+          <a:p>
+            <a:pPr lvl="1"/>
+            <a:r>
+              <a:rPr lang="en-US" dirty="0" smtClean="0"/>
+              <a:t>Authentication mechanisms</a:t>
+            </a:r>
+          </a:p>
+          <a:p>
+            <a:pPr lvl="1"/>
+            <a:r>
+              <a:rPr lang="en-US" dirty="0" smtClean="0"/>
+              <a:t>Certificates…..</a:t>
+            </a:r>
+          </a:p>
+          <a:p>
+            <a:pPr lvl="1"/>
+            <a:endParaRPr lang="en-US" dirty="0"/>
+          </a:p>
+        </p:txBody>
+      </p:sp>
+    </p:spTree>
+    <p:extLst>
+      <p:ext uri="{BB962C8B-B14F-4D97-AF65-F5344CB8AC3E}">
+        <p14:creationId xmlns:p14="http://schemas.microsoft.com/office/powerpoint/2010/main" val="4233151347"/>
+      </p:ext>
+    </p:extLst>
+  </p:cSld>
+  <p:clrMapOvr>
+    <a:masterClrMapping/>
+  </p:clrMapOvr>
+  <p:timing>
+    <p:tnLst>
+      <p:par>
+        <p:cTn id="1" dur="indefinite" restart="never" nodeType="tmRoot"/>
+      </p:par>
+    </p:tnLst>
+  </p:timing>
+</p:sld>
+</file>
+
+<file path=ppt/slides/slide8.xml><?xml version="1.0" encoding="utf-8"?>
+<p:sld xmlns:a="http://schemas.openxmlformats.org/drawingml/2006/main" xmlns:r="http://schemas.openxmlformats.org/officeDocument/2006/relationships" xmlns:p="http://schemas.openxmlformats.org/presentationml/2006/main">
+  <p:cSld>
+    <p:spTree>
+      <p:nvGrpSpPr>
+        <p:cNvPr id="1" name=""/>
+        <p:cNvGrpSpPr/>
+        <p:nvPr/>
+      </p:nvGrpSpPr>
+      <p:grpSpPr>
+        <a:xfrm>
+          <a:off x="0" y="0"/>
+          <a:ext cx="0" cy="0"/>
+          <a:chOff x="0" y="0"/>
+          <a:chExt cx="0" cy="0"/>
+        </a:xfrm>
+      </p:grpSpPr>
+      <p:sp>
+        <p:nvSpPr>
+          <p:cNvPr id="2" name="Title 1"/>
+          <p:cNvSpPr>
+            <a:spLocks noGrp="1"/>
+          </p:cNvSpPr>
+          <p:nvPr>
+            <p:ph type="title"/>
+          </p:nvPr>
+        </p:nvSpPr>
+        <p:spPr/>
+        <p:txBody>
+          <a:bodyPr/>
+          <a:lstStyle/>
+          <a:p>
+            <a:r>
+              <a:rPr lang="en-US" dirty="0" smtClean="0"/>
+              <a:t>Common Security Scenarios</a:t>
+            </a:r>
+            <a:endParaRPr lang="en-US" dirty="0"/>
+          </a:p>
+        </p:txBody>
+      </p:sp>
+      <p:graphicFrame>
+        <p:nvGraphicFramePr>
+          <p:cNvPr id="5" name="Content Placeholder 4"/>
+          <p:cNvGraphicFramePr>
+            <a:graphicFrameLocks noGrp="1"/>
+          </p:cNvGraphicFramePr>
+          <p:nvPr>
+            <p:ph sz="quarter" idx="10"/>
+            <p:extLst>
+              <p:ext uri="{D42A27DB-BD31-4B8C-83A1-F6EECF244321}">
+                <p14:modId xmlns:p14="http://schemas.microsoft.com/office/powerpoint/2010/main" val="2160125179"/>
+              </p:ext>
+            </p:extLst>
+          </p:nvPr>
+        </p:nvGraphicFramePr>
+        <p:xfrm>
+          <a:off x="379413" y="1082677"/>
+          <a:ext cx="11525247" cy="5120640"/>
+        </p:xfrm>
+        <a:graphic>
+          <a:graphicData uri="http://schemas.openxmlformats.org/drawingml/2006/table">
+            <a:tbl>
+              <a:tblPr firstRow="1" bandRow="1">
+                <a:tableStyleId>{5C22544A-7EE6-4342-B048-85BDC9FD1C3A}</a:tableStyleId>
+              </a:tblPr>
+              <a:tblGrid>
+                <a:gridCol w="2267534"/>
+                <a:gridCol w="1331495"/>
+                <a:gridCol w="882316"/>
+                <a:gridCol w="994610"/>
+                <a:gridCol w="926960"/>
+                <a:gridCol w="725377"/>
+                <a:gridCol w="770021"/>
+                <a:gridCol w="1155032"/>
+                <a:gridCol w="2471902"/>
+              </a:tblGrid>
+              <a:tr h="370840">
+                <a:tc>
+                  <a:txBody>
+                    <a:bodyPr/>
+                    <a:lstStyle/>
+                    <a:p>
+                      <a:r>
+                        <a:rPr lang="en-US" dirty="0" smtClean="0"/>
+                        <a:t>Scenario</a:t>
+                      </a:r>
+                      <a:endParaRPr lang="en-US" dirty="0"/>
+                    </a:p>
+                  </a:txBody>
+                  <a:tcPr/>
+                </a:tc>
+                <a:tc>
+                  <a:txBody>
+                    <a:bodyPr/>
+                    <a:lstStyle/>
+                    <a:p>
+                      <a:r>
+                        <a:rPr lang="en-US" dirty="0" smtClean="0"/>
+                        <a:t>Security </a:t>
+                      </a:r>
+                    </a:p>
+                    <a:p>
+                      <a:r>
+                        <a:rPr lang="en-US" dirty="0" smtClean="0"/>
+                        <a:t>Mode</a:t>
+                      </a:r>
+                      <a:endParaRPr lang="en-US" dirty="0"/>
+                    </a:p>
+                  </a:txBody>
+                  <a:tcPr/>
+                </a:tc>
+                <a:tc>
+                  <a:txBody>
+                    <a:bodyPr/>
+                    <a:lstStyle/>
+                    <a:p>
+                      <a:r>
+                        <a:rPr lang="en-US" dirty="0" smtClean="0"/>
+                        <a:t>Interop</a:t>
+                      </a:r>
+                      <a:endParaRPr lang="en-US" dirty="0"/>
+                    </a:p>
+                  </a:txBody>
+                  <a:tcPr/>
+                </a:tc>
+                <a:tc>
+                  <a:txBody>
+                    <a:bodyPr/>
+                    <a:lstStyle/>
+                    <a:p>
+                      <a:r>
+                        <a:rPr lang="en-US" dirty="0" smtClean="0"/>
+                        <a:t>Server </a:t>
+                      </a:r>
+                      <a:r>
+                        <a:rPr lang="en-US" dirty="0" err="1" smtClean="0"/>
+                        <a:t>Auth</a:t>
+                      </a:r>
+                      <a:endParaRPr lang="en-US" dirty="0"/>
+                    </a:p>
+                  </a:txBody>
+                  <a:tcPr/>
+                </a:tc>
+                <a:tc>
+                  <a:txBody>
+                    <a:bodyPr/>
+                    <a:lstStyle/>
+                    <a:p>
+                      <a:r>
+                        <a:rPr lang="en-US" dirty="0" smtClean="0"/>
+                        <a:t>Client </a:t>
+                      </a:r>
+                      <a:br>
+                        <a:rPr lang="en-US" dirty="0" smtClean="0"/>
+                      </a:br>
+                      <a:r>
+                        <a:rPr lang="en-US" dirty="0" err="1" smtClean="0"/>
+                        <a:t>Auth</a:t>
+                      </a:r>
+                      <a:endParaRPr lang="en-US" dirty="0"/>
+                    </a:p>
+                  </a:txBody>
+                  <a:tcPr/>
+                </a:tc>
+                <a:tc>
+                  <a:txBody>
+                    <a:bodyPr/>
+                    <a:lstStyle/>
+                    <a:p>
+                      <a:r>
+                        <a:rPr lang="en-US" dirty="0" err="1" smtClean="0"/>
+                        <a:t>Integ</a:t>
+                      </a:r>
+                      <a:r>
+                        <a:rPr lang="en-US" dirty="0" smtClean="0"/>
+                        <a:t>.</a:t>
+                      </a:r>
+                      <a:endParaRPr lang="en-US" dirty="0"/>
+                    </a:p>
+                  </a:txBody>
+                  <a:tcPr/>
+                </a:tc>
+                <a:tc>
+                  <a:txBody>
+                    <a:bodyPr/>
+                    <a:lstStyle/>
+                    <a:p>
+                      <a:r>
+                        <a:rPr lang="en-US" dirty="0" err="1" smtClean="0"/>
+                        <a:t>Confi</a:t>
+                      </a:r>
+                      <a:r>
+                        <a:rPr lang="en-US" dirty="0" smtClean="0"/>
+                        <a:t>.</a:t>
+                      </a:r>
+                      <a:endParaRPr lang="en-US" dirty="0"/>
+                    </a:p>
+                  </a:txBody>
+                  <a:tcPr/>
+                </a:tc>
+                <a:tc>
+                  <a:txBody>
+                    <a:bodyPr/>
+                    <a:lstStyle/>
+                    <a:p>
+                      <a:r>
+                        <a:rPr lang="en-US" dirty="0" smtClean="0"/>
+                        <a:t>Transport</a:t>
+                      </a:r>
+                      <a:endParaRPr lang="en-US" dirty="0"/>
+                    </a:p>
+                  </a:txBody>
+                  <a:tcPr/>
+                </a:tc>
+                <a:tc>
+                  <a:txBody>
+                    <a:bodyPr/>
+                    <a:lstStyle/>
+                    <a:p>
+                      <a:r>
+                        <a:rPr lang="en-US" dirty="0" smtClean="0"/>
+                        <a:t>Binding</a:t>
+                      </a:r>
+                      <a:endParaRPr lang="en-US" dirty="0"/>
+                    </a:p>
+                  </a:txBody>
+                  <a:tcPr/>
+                </a:tc>
+              </a:tr>
+              <a:tr h="370840">
+                <a:tc>
+                  <a:txBody>
+                    <a:bodyPr/>
+                    <a:lstStyle/>
+                    <a:p>
+                      <a:r>
+                        <a:rPr lang="en-US" dirty="0" smtClean="0">
+                          <a:hlinkClick r:id="rId2"/>
+                        </a:rPr>
+                        <a:t>Internet</a:t>
+                      </a:r>
+                      <a:r>
+                        <a:rPr lang="en-US" baseline="0" dirty="0" smtClean="0">
+                          <a:hlinkClick r:id="rId2"/>
+                        </a:rPr>
+                        <a:t> Unsecured Client and Service</a:t>
+                      </a:r>
+                      <a:endParaRPr lang="en-US" dirty="0"/>
+                    </a:p>
+                  </a:txBody>
+                  <a:tcPr/>
+                </a:tc>
+                <a:tc>
+                  <a:txBody>
+                    <a:bodyPr/>
+                    <a:lstStyle/>
+                    <a:p>
+                      <a:r>
+                        <a:rPr lang="en-US" dirty="0" smtClean="0"/>
+                        <a:t>None</a:t>
+                      </a:r>
+                      <a:endParaRPr lang="en-US" dirty="0"/>
+                    </a:p>
+                  </a:txBody>
+                  <a:tcPr/>
+                </a:tc>
+                <a:tc>
+                  <a:txBody>
+                    <a:bodyPr/>
+                    <a:lstStyle/>
+                    <a:p>
+                      <a:r>
+                        <a:rPr lang="en-US" dirty="0" smtClean="0"/>
+                        <a:t>Yes</a:t>
+                      </a:r>
+                      <a:endParaRPr lang="en-US" dirty="0"/>
+                    </a:p>
+                  </a:txBody>
+                  <a:tcPr/>
+                </a:tc>
+                <a:tc>
+                  <a:txBody>
+                    <a:bodyPr/>
+                    <a:lstStyle/>
+                    <a:p>
+                      <a:r>
+                        <a:rPr lang="en-US" dirty="0" smtClean="0"/>
+                        <a:t>No</a:t>
+                      </a:r>
+                      <a:endParaRPr lang="en-US" dirty="0"/>
+                    </a:p>
+                  </a:txBody>
+                  <a:tcPr/>
+                </a:tc>
+                <a:tc>
+                  <a:txBody>
+                    <a:bodyPr/>
+                    <a:lstStyle/>
+                    <a:p>
+                      <a:r>
+                        <a:rPr lang="en-US" dirty="0" smtClean="0"/>
+                        <a:t>No</a:t>
+                      </a:r>
+                      <a:endParaRPr lang="en-US" dirty="0"/>
+                    </a:p>
+                  </a:txBody>
+                  <a:tcPr/>
+                </a:tc>
+                <a:tc>
+                  <a:txBody>
+                    <a:bodyPr/>
+                    <a:lstStyle/>
+                    <a:p>
+                      <a:r>
+                        <a:rPr lang="en-US" dirty="0" smtClean="0"/>
+                        <a:t>None</a:t>
+                      </a:r>
+                      <a:endParaRPr lang="en-US" dirty="0"/>
+                    </a:p>
+                  </a:txBody>
+                  <a:tcPr/>
+                </a:tc>
+                <a:tc>
+                  <a:txBody>
+                    <a:bodyPr/>
+                    <a:lstStyle/>
+                    <a:p>
+                      <a:r>
+                        <a:rPr lang="en-US" dirty="0" smtClean="0"/>
+                        <a:t>None</a:t>
+                      </a:r>
+                      <a:endParaRPr lang="en-US" dirty="0"/>
+                    </a:p>
+                  </a:txBody>
+                  <a:tcPr/>
+                </a:tc>
+                <a:tc>
+                  <a:txBody>
+                    <a:bodyPr/>
+                    <a:lstStyle/>
+                    <a:p>
+                      <a:r>
+                        <a:rPr lang="en-US" dirty="0" smtClean="0"/>
+                        <a:t>HTTP</a:t>
+                      </a:r>
+                      <a:endParaRPr lang="en-US" dirty="0"/>
+                    </a:p>
+                  </a:txBody>
+                  <a:tcPr/>
+                </a:tc>
+                <a:tc>
+                  <a:txBody>
+                    <a:bodyPr/>
+                    <a:lstStyle/>
+                    <a:p>
+                      <a:r>
+                        <a:rPr lang="en-US" dirty="0" err="1" smtClean="0"/>
+                        <a:t>BasicHttpBinding</a:t>
+                      </a:r>
+                      <a:endParaRPr lang="en-US" dirty="0"/>
+                    </a:p>
+                  </a:txBody>
+                  <a:tcPr/>
+                </a:tc>
+              </a:tr>
+              <a:tr h="370840">
+                <a:tc>
+                  <a:txBody>
+                    <a:bodyPr/>
+                    <a:lstStyle/>
+                    <a:p>
+                      <a:r>
+                        <a:rPr lang="en-US" dirty="0" smtClean="0">
+                          <a:hlinkClick r:id="rId3"/>
+                        </a:rPr>
+                        <a:t>Intranet Unsecured Client and Service</a:t>
+                      </a:r>
+                      <a:endParaRPr lang="en-US" dirty="0"/>
+                    </a:p>
+                  </a:txBody>
+                  <a:tcPr/>
+                </a:tc>
+                <a:tc>
+                  <a:txBody>
+                    <a:bodyPr/>
+                    <a:lstStyle/>
+                    <a:p>
+                      <a:r>
+                        <a:rPr lang="en-US" dirty="0" smtClean="0"/>
+                        <a:t>None</a:t>
+                      </a:r>
+                      <a:endParaRPr lang="en-US" dirty="0"/>
+                    </a:p>
+                  </a:txBody>
+                  <a:tcPr/>
+                </a:tc>
+                <a:tc>
+                  <a:txBody>
+                    <a:bodyPr/>
+                    <a:lstStyle/>
+                    <a:p>
+                      <a:r>
+                        <a:rPr lang="en-US" dirty="0" smtClean="0"/>
+                        <a:t>WCF</a:t>
+                      </a:r>
+                      <a:r>
+                        <a:rPr lang="en-US" baseline="0" dirty="0" smtClean="0"/>
+                        <a:t> Only</a:t>
+                      </a:r>
+                      <a:endParaRPr lang="en-US" dirty="0"/>
+                    </a:p>
+                  </a:txBody>
+                  <a:tcPr/>
+                </a:tc>
+                <a:tc>
+                  <a:txBody>
+                    <a:bodyPr/>
+                    <a:lstStyle/>
+                    <a:p>
+                      <a:r>
+                        <a:rPr lang="en-US" dirty="0" smtClean="0"/>
+                        <a:t>No</a:t>
+                      </a:r>
+                      <a:endParaRPr lang="en-US" dirty="0"/>
+                    </a:p>
+                  </a:txBody>
+                  <a:tcPr/>
+                </a:tc>
+                <a:tc>
+                  <a:txBody>
+                    <a:bodyPr/>
+                    <a:lstStyle/>
+                    <a:p>
+                      <a:r>
+                        <a:rPr lang="en-US" dirty="0" smtClean="0"/>
+                        <a:t>No</a:t>
+                      </a:r>
+                      <a:endParaRPr lang="en-US" dirty="0"/>
+                    </a:p>
+                  </a:txBody>
+                  <a:tcPr/>
+                </a:tc>
+                <a:tc>
+                  <a:txBody>
+                    <a:bodyPr/>
+                    <a:lstStyle/>
+                    <a:p>
+                      <a:r>
+                        <a:rPr lang="en-US" dirty="0" smtClean="0"/>
+                        <a:t>None</a:t>
+                      </a:r>
+                      <a:endParaRPr lang="en-US" dirty="0"/>
+                    </a:p>
+                  </a:txBody>
+                  <a:tcPr/>
+                </a:tc>
+                <a:tc>
+                  <a:txBody>
+                    <a:bodyPr/>
+                    <a:lstStyle/>
+                    <a:p>
+                      <a:r>
+                        <a:rPr lang="en-US" dirty="0" smtClean="0"/>
+                        <a:t>None</a:t>
+                      </a:r>
+                      <a:endParaRPr lang="en-US" dirty="0"/>
+                    </a:p>
+                  </a:txBody>
+                  <a:tcPr/>
+                </a:tc>
+                <a:tc>
+                  <a:txBody>
+                    <a:bodyPr/>
+                    <a:lstStyle/>
+                    <a:p>
+                      <a:r>
+                        <a:rPr lang="en-US" dirty="0" smtClean="0"/>
+                        <a:t>TCP</a:t>
+                      </a:r>
+                      <a:endParaRPr lang="en-US" dirty="0"/>
+                    </a:p>
+                  </a:txBody>
+                  <a:tcPr/>
+                </a:tc>
+                <a:tc>
+                  <a:txBody>
+                    <a:bodyPr/>
+                    <a:lstStyle/>
+                    <a:p>
+                      <a:r>
+                        <a:rPr lang="en-US" dirty="0" err="1" smtClean="0"/>
+                        <a:t>NetTcpBinding</a:t>
+                      </a:r>
+                      <a:endParaRPr lang="en-US" dirty="0"/>
+                    </a:p>
+                  </a:txBody>
+                  <a:tcPr/>
+                </a:tc>
+              </a:tr>
+              <a:tr h="370840">
+                <a:tc>
+                  <a:txBody>
+                    <a:bodyPr/>
+                    <a:lstStyle/>
+                    <a:p>
+                      <a:r>
+                        <a:rPr lang="en-US" dirty="0" smtClean="0">
+                          <a:hlinkClick r:id="rId4"/>
+                        </a:rPr>
+                        <a:t>Transport Security w/</a:t>
+                      </a:r>
+                      <a:r>
+                        <a:rPr lang="en-US" baseline="0" dirty="0" smtClean="0">
+                          <a:hlinkClick r:id="rId4"/>
+                        </a:rPr>
+                        <a:t> Anonymous Client</a:t>
+                      </a:r>
+                      <a:endParaRPr lang="en-US" dirty="0"/>
+                    </a:p>
+                  </a:txBody>
+                  <a:tcPr/>
+                </a:tc>
+                <a:tc>
+                  <a:txBody>
+                    <a:bodyPr/>
+                    <a:lstStyle/>
+                    <a:p>
+                      <a:r>
+                        <a:rPr lang="en-US" dirty="0" smtClean="0"/>
+                        <a:t>Transport</a:t>
+                      </a:r>
+                      <a:endParaRPr lang="en-US" dirty="0"/>
+                    </a:p>
+                  </a:txBody>
+                  <a:tcPr/>
+                </a:tc>
+                <a:tc>
+                  <a:txBody>
+                    <a:bodyPr/>
+                    <a:lstStyle/>
+                    <a:p>
+                      <a:r>
+                        <a:rPr lang="en-US" dirty="0" smtClean="0"/>
+                        <a:t>Yes</a:t>
+                      </a:r>
+                      <a:endParaRPr lang="en-US" dirty="0"/>
+                    </a:p>
+                  </a:txBody>
+                  <a:tcPr/>
+                </a:tc>
+                <a:tc>
+                  <a:txBody>
+                    <a:bodyPr/>
+                    <a:lstStyle/>
+                    <a:p>
+                      <a:r>
+                        <a:rPr lang="en-US" dirty="0" smtClean="0"/>
+                        <a:t>Yes</a:t>
+                      </a:r>
+                      <a:endParaRPr lang="en-US" dirty="0"/>
+                    </a:p>
+                  </a:txBody>
+                  <a:tcPr/>
+                </a:tc>
+                <a:tc>
+                  <a:txBody>
+                    <a:bodyPr/>
+                    <a:lstStyle/>
+                    <a:p>
+                      <a:r>
+                        <a:rPr lang="en-US" dirty="0" smtClean="0"/>
+                        <a:t>No</a:t>
+                      </a:r>
+                      <a:endParaRPr lang="en-US" dirty="0"/>
+                    </a:p>
+                  </a:txBody>
+                  <a:tcPr/>
+                </a:tc>
+                <a:tc>
+                  <a:txBody>
+                    <a:bodyPr/>
+                    <a:lstStyle/>
+                    <a:p>
+                      <a:r>
+                        <a:rPr lang="en-US" dirty="0" smtClean="0"/>
+                        <a:t>Yes</a:t>
+                      </a:r>
+                      <a:endParaRPr lang="en-US" dirty="0"/>
+                    </a:p>
+                  </a:txBody>
+                  <a:tcPr/>
+                </a:tc>
+                <a:tc>
+                  <a:txBody>
+                    <a:bodyPr/>
+                    <a:lstStyle/>
+                    <a:p>
+                      <a:r>
+                        <a:rPr lang="en-US" dirty="0" smtClean="0"/>
+                        <a:t>Yes</a:t>
+                      </a:r>
+                      <a:endParaRPr lang="en-US" dirty="0"/>
+                    </a:p>
+                  </a:txBody>
+                  <a:tcPr/>
+                </a:tc>
+                <a:tc>
+                  <a:txBody>
+                    <a:bodyPr/>
+                    <a:lstStyle/>
+                    <a:p>
+                      <a:r>
+                        <a:rPr lang="en-US" dirty="0" smtClean="0"/>
+                        <a:t>HTTPS</a:t>
+                      </a:r>
+                      <a:endParaRPr lang="en-US" dirty="0"/>
+                    </a:p>
+                  </a:txBody>
+                  <a:tcPr/>
+                </a:tc>
+                <a:tc>
+                  <a:txBody>
+                    <a:bodyPr/>
+                    <a:lstStyle/>
+                    <a:p>
+                      <a:r>
+                        <a:rPr lang="en-US" dirty="0" err="1" smtClean="0"/>
+                        <a:t>WsHttpBinding</a:t>
+                      </a:r>
+                      <a:endParaRPr lang="en-US" dirty="0"/>
+                    </a:p>
+                  </a:txBody>
+                  <a:tcPr/>
+                </a:tc>
+              </a:tr>
+              <a:tr h="370840">
+                <a:tc>
+                  <a:txBody>
+                    <a:bodyPr/>
+                    <a:lstStyle/>
+                    <a:p>
+                      <a:r>
+                        <a:rPr lang="en-US" dirty="0" smtClean="0">
+                          <a:hlinkClick r:id="rId5"/>
+                        </a:rPr>
+                        <a:t>Transport Security w/ Basic </a:t>
+                      </a:r>
+                      <a:r>
+                        <a:rPr lang="en-US" dirty="0" err="1" smtClean="0">
+                          <a:hlinkClick r:id="rId5"/>
+                        </a:rPr>
+                        <a:t>Auth</a:t>
+                      </a:r>
+                      <a:endParaRPr lang="en-US" dirty="0"/>
+                    </a:p>
+                  </a:txBody>
+                  <a:tcPr/>
+                </a:tc>
+                <a:tc>
+                  <a:txBody>
+                    <a:bodyPr/>
+                    <a:lstStyle/>
+                    <a:p>
+                      <a:r>
+                        <a:rPr lang="en-US" dirty="0" smtClean="0"/>
+                        <a:t>Transport</a:t>
+                      </a:r>
+                      <a:endParaRPr lang="en-US" dirty="0"/>
+                    </a:p>
+                  </a:txBody>
+                  <a:tcPr/>
+                </a:tc>
+                <a:tc>
+                  <a:txBody>
+                    <a:bodyPr/>
+                    <a:lstStyle/>
+                    <a:p>
+                      <a:r>
+                        <a:rPr lang="en-US" dirty="0" smtClean="0"/>
+                        <a:t>Yes</a:t>
+                      </a:r>
+                      <a:endParaRPr lang="en-US" dirty="0"/>
+                    </a:p>
+                  </a:txBody>
+                  <a:tcPr/>
+                </a:tc>
+                <a:tc>
+                  <a:txBody>
+                    <a:bodyPr/>
+                    <a:lstStyle/>
+                    <a:p>
+                      <a:r>
+                        <a:rPr lang="en-US" dirty="0" smtClean="0"/>
+                        <a:t>Yes</a:t>
+                      </a:r>
+                      <a:endParaRPr lang="en-US" dirty="0"/>
+                    </a:p>
+                  </a:txBody>
+                  <a:tcPr/>
+                </a:tc>
+                <a:tc>
+                  <a:txBody>
+                    <a:bodyPr/>
+                    <a:lstStyle/>
+                    <a:p>
+                      <a:r>
+                        <a:rPr lang="en-US" dirty="0" smtClean="0"/>
+                        <a:t>Yes</a:t>
+                      </a:r>
+                      <a:endParaRPr lang="en-US" dirty="0"/>
+                    </a:p>
+                  </a:txBody>
+                  <a:tcPr/>
+                </a:tc>
+                <a:tc>
+                  <a:txBody>
+                    <a:bodyPr/>
+                    <a:lstStyle/>
+                    <a:p>
+                      <a:r>
+                        <a:rPr lang="en-US" dirty="0" smtClean="0"/>
+                        <a:t>Yes</a:t>
+                      </a:r>
+                      <a:endParaRPr lang="en-US" dirty="0"/>
+                    </a:p>
+                  </a:txBody>
+                  <a:tcPr/>
+                </a:tc>
+                <a:tc>
+                  <a:txBody>
+                    <a:bodyPr/>
+                    <a:lstStyle/>
+                    <a:p>
+                      <a:r>
+                        <a:rPr lang="en-US" dirty="0" smtClean="0"/>
+                        <a:t>Yes</a:t>
+                      </a:r>
+                      <a:endParaRPr lang="en-US" dirty="0"/>
+                    </a:p>
+                  </a:txBody>
+                  <a:tcPr/>
+                </a:tc>
+                <a:tc>
+                  <a:txBody>
+                    <a:bodyPr/>
+                    <a:lstStyle/>
+                    <a:p>
+                      <a:r>
+                        <a:rPr lang="en-US" dirty="0" smtClean="0"/>
+                        <a:t>HTTPS</a:t>
+                      </a:r>
+                      <a:endParaRPr lang="en-US" dirty="0"/>
+                    </a:p>
+                  </a:txBody>
+                  <a:tcPr/>
+                </a:tc>
+                <a:tc>
+                  <a:txBody>
+                    <a:bodyPr/>
+                    <a:lstStyle/>
+                    <a:p>
+                      <a:r>
+                        <a:rPr lang="en-US" dirty="0" err="1" smtClean="0"/>
+                        <a:t>WsHttpBinding</a:t>
+                      </a:r>
+                      <a:endParaRPr lang="en-US" dirty="0"/>
+                    </a:p>
+                  </a:txBody>
+                  <a:tcPr/>
+                </a:tc>
+              </a:tr>
+              <a:tr h="370840">
+                <a:tc>
+                  <a:txBody>
+                    <a:bodyPr/>
+                    <a:lstStyle/>
+                    <a:p>
+                      <a:r>
+                        <a:rPr lang="en-US" dirty="0" smtClean="0">
+                          <a:hlinkClick r:id="rId6"/>
+                        </a:rPr>
+                        <a:t>Transport Security w/ Windows</a:t>
+                      </a:r>
+                      <a:r>
+                        <a:rPr lang="en-US" baseline="0" dirty="0" smtClean="0">
+                          <a:hlinkClick r:id="rId6"/>
+                        </a:rPr>
+                        <a:t> </a:t>
+                      </a:r>
+                      <a:r>
+                        <a:rPr lang="en-US" baseline="0" dirty="0" err="1" smtClean="0">
+                          <a:hlinkClick r:id="rId6"/>
+                        </a:rPr>
+                        <a:t>Auth</a:t>
+                      </a:r>
+                      <a:endParaRPr lang="en-US" dirty="0"/>
+                    </a:p>
+                  </a:txBody>
+                  <a:tcPr/>
+                </a:tc>
+                <a:tc>
+                  <a:txBody>
+                    <a:bodyPr/>
+                    <a:lstStyle/>
+                    <a:p>
+                      <a:r>
+                        <a:rPr lang="en-US" dirty="0" smtClean="0"/>
+                        <a:t>Transport</a:t>
+                      </a:r>
+                      <a:endParaRPr lang="en-US" dirty="0"/>
+                    </a:p>
+                  </a:txBody>
+                  <a:tcPr/>
+                </a:tc>
+                <a:tc>
+                  <a:txBody>
+                    <a:bodyPr/>
+                    <a:lstStyle/>
+                    <a:p>
+                      <a:r>
+                        <a:rPr lang="en-US" dirty="0" smtClean="0"/>
+                        <a:t>WCF</a:t>
+                      </a:r>
+                      <a:endParaRPr lang="en-US" dirty="0"/>
+                    </a:p>
+                  </a:txBody>
+                  <a:tcPr/>
+                </a:tc>
+                <a:tc>
+                  <a:txBody>
+                    <a:bodyPr/>
+                    <a:lstStyle/>
+                    <a:p>
+                      <a:r>
+                        <a:rPr lang="en-US" dirty="0" smtClean="0"/>
+                        <a:t>Yes</a:t>
+                      </a:r>
+                      <a:endParaRPr lang="en-US" dirty="0"/>
+                    </a:p>
+                  </a:txBody>
+                  <a:tcPr/>
+                </a:tc>
+                <a:tc>
+                  <a:txBody>
+                    <a:bodyPr/>
+                    <a:lstStyle/>
+                    <a:p>
+                      <a:r>
+                        <a:rPr lang="en-US" dirty="0" smtClean="0"/>
+                        <a:t>Yes</a:t>
+                      </a:r>
+                      <a:endParaRPr lang="en-US" dirty="0"/>
+                    </a:p>
+                  </a:txBody>
+                  <a:tcPr/>
+                </a:tc>
+                <a:tc>
+                  <a:txBody>
+                    <a:bodyPr/>
+                    <a:lstStyle/>
+                    <a:p>
+                      <a:r>
+                        <a:rPr lang="en-US" dirty="0" smtClean="0"/>
+                        <a:t>Yes</a:t>
+                      </a:r>
+                      <a:endParaRPr lang="en-US" dirty="0"/>
+                    </a:p>
+                  </a:txBody>
+                  <a:tcPr/>
+                </a:tc>
+                <a:tc>
+                  <a:txBody>
+                    <a:bodyPr/>
+                    <a:lstStyle/>
+                    <a:p>
+                      <a:r>
+                        <a:rPr lang="en-US" dirty="0" smtClean="0"/>
+                        <a:t>Yes</a:t>
+                      </a:r>
+                      <a:endParaRPr lang="en-US" dirty="0"/>
+                    </a:p>
+                  </a:txBody>
+                  <a:tcPr/>
+                </a:tc>
+                <a:tc>
+                  <a:txBody>
+                    <a:bodyPr/>
+                    <a:lstStyle/>
+                    <a:p>
+                      <a:r>
+                        <a:rPr lang="en-US" dirty="0" smtClean="0"/>
+                        <a:t>NET.TCP</a:t>
+                      </a:r>
+                      <a:endParaRPr lang="en-US" dirty="0"/>
+                    </a:p>
+                  </a:txBody>
+                  <a:tcPr/>
+                </a:tc>
+                <a:tc>
+                  <a:txBody>
+                    <a:bodyPr/>
+                    <a:lstStyle/>
+                    <a:p>
+                      <a:r>
+                        <a:rPr lang="en-US" dirty="0" err="1" smtClean="0"/>
+                        <a:t>NetTcpBinding</a:t>
+                      </a:r>
+                      <a:endParaRPr lang="en-US" dirty="0"/>
+                    </a:p>
+                  </a:txBody>
+                  <a:tcPr/>
+                </a:tc>
+              </a:tr>
+              <a:tr h="370840">
+                <a:tc>
+                  <a:txBody>
+                    <a:bodyPr/>
+                    <a:lstStyle/>
+                    <a:p>
+                      <a:r>
+                        <a:rPr lang="en-US" dirty="0" smtClean="0">
+                          <a:hlinkClick r:id="rId7"/>
+                        </a:rPr>
+                        <a:t>Message Security w/</a:t>
+                      </a:r>
+                      <a:r>
+                        <a:rPr lang="en-US" baseline="0" dirty="0" smtClean="0">
+                          <a:hlinkClick r:id="rId7"/>
+                        </a:rPr>
+                        <a:t> Anonymous Client</a:t>
+                      </a:r>
+                      <a:endParaRPr lang="en-US" dirty="0"/>
+                    </a:p>
+                  </a:txBody>
+                  <a:tcPr/>
+                </a:tc>
+                <a:tc>
+                  <a:txBody>
+                    <a:bodyPr/>
+                    <a:lstStyle/>
+                    <a:p>
+                      <a:r>
+                        <a:rPr lang="en-US" dirty="0" smtClean="0"/>
+                        <a:t>Message</a:t>
+                      </a:r>
+                      <a:endParaRPr lang="en-US" dirty="0"/>
+                    </a:p>
+                  </a:txBody>
+                  <a:tcPr/>
+                </a:tc>
+                <a:tc>
+                  <a:txBody>
+                    <a:bodyPr/>
+                    <a:lstStyle/>
+                    <a:p>
+                      <a:r>
+                        <a:rPr lang="en-US" dirty="0" smtClean="0"/>
+                        <a:t>WCF</a:t>
+                      </a:r>
+                      <a:endParaRPr lang="en-US" dirty="0"/>
+                    </a:p>
+                  </a:txBody>
+                  <a:tcPr/>
+                </a:tc>
+                <a:tc>
+                  <a:txBody>
+                    <a:bodyPr/>
+                    <a:lstStyle/>
+                    <a:p>
+                      <a:r>
+                        <a:rPr lang="en-US" dirty="0" smtClean="0"/>
+                        <a:t>Yes</a:t>
+                      </a:r>
+                      <a:endParaRPr lang="en-US" dirty="0"/>
+                    </a:p>
+                  </a:txBody>
+                  <a:tcPr/>
+                </a:tc>
+                <a:tc>
+                  <a:txBody>
+                    <a:bodyPr/>
+                    <a:lstStyle/>
+                    <a:p>
+                      <a:r>
+                        <a:rPr lang="en-US" dirty="0" smtClean="0"/>
+                        <a:t>No</a:t>
+                      </a:r>
+                      <a:endParaRPr lang="en-US" dirty="0"/>
+                    </a:p>
+                  </a:txBody>
+                  <a:tcPr/>
+                </a:tc>
+                <a:tc>
+                  <a:txBody>
+                    <a:bodyPr/>
+                    <a:lstStyle/>
+                    <a:p>
+                      <a:r>
+                        <a:rPr lang="en-US" dirty="0" smtClean="0"/>
+                        <a:t>Yes</a:t>
+                      </a:r>
+                      <a:endParaRPr lang="en-US" dirty="0"/>
+                    </a:p>
+                  </a:txBody>
+                  <a:tcPr/>
+                </a:tc>
+                <a:tc>
+                  <a:txBody>
+                    <a:bodyPr/>
+                    <a:lstStyle/>
+                    <a:p>
+                      <a:r>
+                        <a:rPr lang="en-US" dirty="0" smtClean="0"/>
+                        <a:t>Yes</a:t>
+                      </a:r>
+                      <a:endParaRPr lang="en-US" dirty="0"/>
+                    </a:p>
+                  </a:txBody>
+                  <a:tcPr/>
+                </a:tc>
+                <a:tc>
+                  <a:txBody>
+                    <a:bodyPr/>
+                    <a:lstStyle/>
+                    <a:p>
+                      <a:r>
+                        <a:rPr lang="en-US" dirty="0" smtClean="0"/>
+                        <a:t>HTTP</a:t>
+                      </a:r>
+                      <a:endParaRPr lang="en-US" dirty="0"/>
+                    </a:p>
+                  </a:txBody>
+                  <a:tcPr/>
+                </a:tc>
+                <a:tc>
+                  <a:txBody>
+                    <a:bodyPr/>
+                    <a:lstStyle/>
+                    <a:p>
+                      <a:r>
+                        <a:rPr lang="en-US" dirty="0" err="1" smtClean="0"/>
+                        <a:t>WsHttpBinding</a:t>
+                      </a:r>
+                      <a:endParaRPr lang="en-US" dirty="0"/>
+                    </a:p>
+                  </a:txBody>
+                  <a:tcPr/>
+                </a:tc>
+              </a:tr>
+              <a:tr h="370840">
+                <a:tc>
+                  <a:txBody>
+                    <a:bodyPr/>
+                    <a:lstStyle/>
+                    <a:p>
+                      <a:r>
+                        <a:rPr lang="en-US" dirty="0" smtClean="0"/>
+                        <a:t>Message Security w/ Windows Client</a:t>
+                      </a:r>
+                      <a:endParaRPr lang="en-US" dirty="0"/>
+                    </a:p>
+                  </a:txBody>
+                  <a:tcPr/>
+                </a:tc>
+                <a:tc>
+                  <a:txBody>
+                    <a:bodyPr/>
+                    <a:lstStyle/>
+                    <a:p>
+                      <a:r>
+                        <a:rPr lang="en-US" dirty="0" smtClean="0"/>
+                        <a:t>Message</a:t>
+                      </a:r>
+                      <a:endParaRPr lang="en-US" dirty="0"/>
+                    </a:p>
+                  </a:txBody>
+                  <a:tcPr/>
+                </a:tc>
+                <a:tc>
+                  <a:txBody>
+                    <a:bodyPr/>
+                    <a:lstStyle/>
+                    <a:p>
+                      <a:r>
+                        <a:rPr lang="en-US" dirty="0" smtClean="0"/>
+                        <a:t>WCF</a:t>
+                      </a:r>
+                      <a:endParaRPr lang="en-US" dirty="0"/>
+                    </a:p>
+                  </a:txBody>
+                  <a:tcPr/>
+                </a:tc>
+                <a:tc>
+                  <a:txBody>
+                    <a:bodyPr/>
+                    <a:lstStyle/>
+                    <a:p>
+                      <a:r>
+                        <a:rPr lang="en-US" dirty="0" smtClean="0"/>
+                        <a:t>Yes</a:t>
+                      </a:r>
+                      <a:endParaRPr lang="en-US" dirty="0"/>
+                    </a:p>
+                  </a:txBody>
+                  <a:tcPr/>
+                </a:tc>
+                <a:tc>
+                  <a:txBody>
+                    <a:bodyPr/>
+                    <a:lstStyle/>
+                    <a:p>
+                      <a:r>
+                        <a:rPr lang="en-US" dirty="0" smtClean="0"/>
+                        <a:t>Yes</a:t>
+                      </a:r>
+                      <a:endParaRPr lang="en-US" dirty="0"/>
+                    </a:p>
+                  </a:txBody>
+                  <a:tcPr/>
+                </a:tc>
+                <a:tc>
+                  <a:txBody>
+                    <a:bodyPr/>
+                    <a:lstStyle/>
+                    <a:p>
+                      <a:r>
+                        <a:rPr lang="en-US" dirty="0" smtClean="0"/>
+                        <a:t>Yes</a:t>
+                      </a:r>
+                      <a:endParaRPr lang="en-US" dirty="0"/>
+                    </a:p>
+                  </a:txBody>
+                  <a:tcPr/>
+                </a:tc>
+                <a:tc>
+                  <a:txBody>
+                    <a:bodyPr/>
+                    <a:lstStyle/>
+                    <a:p>
+                      <a:r>
+                        <a:rPr lang="en-US" dirty="0" smtClean="0"/>
+                        <a:t>Yes</a:t>
+                      </a:r>
+                      <a:endParaRPr lang="en-US" dirty="0"/>
+                    </a:p>
+                  </a:txBody>
+                  <a:tcPr/>
+                </a:tc>
+                <a:tc>
+                  <a:txBody>
+                    <a:bodyPr/>
+                    <a:lstStyle/>
+                    <a:p>
+                      <a:r>
+                        <a:rPr lang="en-US" dirty="0" smtClean="0"/>
+                        <a:t>NET.TCP</a:t>
+                      </a:r>
+                      <a:endParaRPr lang="en-US" dirty="0"/>
+                    </a:p>
+                  </a:txBody>
+                  <a:tcPr/>
+                </a:tc>
+                <a:tc>
+                  <a:txBody>
+                    <a:bodyPr/>
+                    <a:lstStyle/>
+                    <a:p>
+                      <a:r>
+                        <a:rPr lang="en-US" dirty="0" err="1" smtClean="0"/>
+                        <a:t>NetTcpBinding</a:t>
+                      </a:r>
+                      <a:endParaRPr lang="en-US" dirty="0"/>
+                    </a:p>
+                  </a:txBody>
+                  <a:tcPr/>
+                </a:tc>
+              </a:tr>
+            </a:tbl>
+          </a:graphicData>
+        </a:graphic>
+      </p:graphicFrame>
+      <p:sp>
+        <p:nvSpPr>
+          <p:cNvPr id="7" name="TextBox 6"/>
+          <p:cNvSpPr txBox="1"/>
+          <p:nvPr/>
+        </p:nvSpPr>
+        <p:spPr>
+          <a:xfrm>
+            <a:off x="8299588" y="6488668"/>
+            <a:ext cx="3892412" cy="369332"/>
+          </a:xfrm>
+          <a:prstGeom prst="rect">
+            <a:avLst/>
+          </a:prstGeom>
+          <a:noFill/>
+        </p:spPr>
+        <p:txBody>
+          <a:bodyPr wrap="none" rtlCol="0">
+            <a:spAutoFit/>
+          </a:bodyPr>
+          <a:lstStyle/>
+          <a:p>
+            <a:pPr algn="r"/>
+            <a:r>
+              <a:rPr lang="en-US" dirty="0" smtClean="0">
+                <a:hlinkClick r:id="rId8" action="ppaction://hlinkpres?slideindex=1&amp;slidetitle="/>
+              </a:rPr>
+              <a:t>Common Security Scenarios on MSDN</a:t>
+            </a:r>
+            <a:endParaRPr lang="en-US" dirty="0"/>
+          </a:p>
+        </p:txBody>
+      </p:sp>
+    </p:spTree>
+    <p:extLst>
+      <p:ext uri="{BB962C8B-B14F-4D97-AF65-F5344CB8AC3E}">
+        <p14:creationId xmlns:p14="http://schemas.microsoft.com/office/powerpoint/2010/main" val="2281156314"/>
+      </p:ext>
+    </p:extLst>
+  </p:cSld>
+  <p:clrMapOvr>
+    <a:masterClrMapping/>
+  </p:clrMapOvr>
+  <p:timing>
+    <p:tnLst>
+      <p:par>
+        <p:cTn id="1" dur="indefinite" restart="never" nodeType="tmRoot"/>
+      </p:par>
+    </p:tnLst>
+  </p:timing>
+</p:sld>
+</file>
+
+<file path=ppt/slides/slide9.xml><?xml version="1.0" encoding="utf-8"?>
 <p:sld xmlns:a="http://schemas.openxmlformats.org/drawingml/2006/main" xmlns:r="http://schemas.openxmlformats.org/officeDocument/2006/relationships" xmlns:p="http://schemas.openxmlformats.org/presentationml/2006/main">
   <p:cSld>
     <p:spTree>
@@ -3800,11 +11578,7 @@
           <a:p>
             <a:r>
               <a:rPr lang="en-US" dirty="0" smtClean="0"/>
-              <a:t>Windows </a:t>
-            </a:r>
-            <a:r>
-              <a:rPr lang="en-US" smtClean="0"/>
-              <a:t>Azure Service Bus</a:t>
+              <a:t>Windows Azure Service Bus</a:t>
             </a:r>
             <a:endParaRPr lang="en-US" dirty="0"/>
           </a:p>
@@ -3839,36 +11613,6 @@
   <p:clrMapOvr>
     <a:masterClrMapping/>
   </p:clrMapOvr>
-</p:sld>
-</file>
-
-<file path=ppt/slides/slide6.xml><?xml version="1.0" encoding="utf-8"?>
-<p:sld xmlns:a="http://schemas.openxmlformats.org/drawingml/2006/main" xmlns:r="http://schemas.openxmlformats.org/officeDocument/2006/relationships" xmlns:p="http://schemas.openxmlformats.org/presentationml/2006/main">
-  <p:cSld>
-    <p:spTree>
-      <p:nvGrpSpPr>
-        <p:cNvPr id="1" name=""/>
-        <p:cNvGrpSpPr/>
-        <p:nvPr/>
-      </p:nvGrpSpPr>
-      <p:grpSpPr>
-        <a:xfrm>
-          <a:off x="0" y="0"/>
-          <a:ext cx="0" cy="0"/>
-          <a:chOff x="0" y="0"/>
-          <a:chExt cx="0" cy="0"/>
-        </a:xfrm>
-      </p:grpSpPr>
-    </p:spTree>
-    <p:extLst>
-      <p:ext uri="{BB962C8B-B14F-4D97-AF65-F5344CB8AC3E}">
-        <p14:creationId xmlns:p14="http://schemas.microsoft.com/office/powerpoint/2010/main" val="898363405"/>
-      </p:ext>
-    </p:extLst>
-  </p:cSld>
-  <p:clrMapOvr>
-    <a:masterClrMapping/>
-  </p:clrMapOvr>
   <p:timing>
     <p:tnLst>
       <p:par>
@@ -3877,6 +11621,24 @@
     </p:tnLst>
   </p:timing>
 </p:sld>
+</file>
+
+<file path=ppt/tags/tag1.xml><?xml version="1.0" encoding="utf-8"?>
+<p:tagLst xmlns:a="http://schemas.openxmlformats.org/drawingml/2006/main" xmlns:r="http://schemas.openxmlformats.org/officeDocument/2006/relationships" xmlns:p="http://schemas.openxmlformats.org/presentationml/2006/main">
+  <p:tag name="THINKCELLSHAPEDONOTDELETE" val="pc4Fhapi.ckeZwwtYLMB6rg"/>
+</p:tagLst>
+</file>
+
+<file path=ppt/tags/tag2.xml><?xml version="1.0" encoding="utf-8"?>
+<p:tagLst xmlns:a="http://schemas.openxmlformats.org/drawingml/2006/main" xmlns:r="http://schemas.openxmlformats.org/officeDocument/2006/relationships" xmlns:p="http://schemas.openxmlformats.org/presentationml/2006/main">
+  <p:tag name="THINKCELLSHAPEDONOTDELETE" val="pAalICTDj0ka3EY5dJtBKkQ"/>
+</p:tagLst>
+</file>
+
+<file path=ppt/tags/tag3.xml><?xml version="1.0" encoding="utf-8"?>
+<p:tagLst xmlns:a="http://schemas.openxmlformats.org/drawingml/2006/main" xmlns:r="http://schemas.openxmlformats.org/officeDocument/2006/relationships" xmlns:p="http://schemas.openxmlformats.org/presentationml/2006/main">
+  <p:tag name="THINKCELLSHAPEDONOTDELETE" val="pR3FBnKu.g0WGMKHIbw.3rQ"/>
+</p:tagLst>
 </file>
 
 <file path=ppt/theme/theme1.xml><?xml version="1.0" encoding="utf-8"?>
@@ -4806,16 +12568,16 @@
 <file path=customXml/itemProps1.xml><?xml version="1.0" encoding="utf-8"?>
 <ds:datastoreItem xmlns:ds="http://schemas.openxmlformats.org/officeDocument/2006/customXml" ds:itemID="{7025FDD9-4C58-4084-9F89-0E6ADD6FFF55}">
   <ds:schemaRefs>
-    <ds:schemaRef ds:uri="http://www.w3.org/XML/1998/namespace"/>
-    <ds:schemaRef ds:uri="230e9df3-be65-4c73-a93b-d1236ebd677e"/>
-    <ds:schemaRef ds:uri="http://schemas.microsoft.com/office/infopath/2007/PartnerControls"/>
-    <ds:schemaRef ds:uri="http://purl.org/dc/dcmitype/"/>
-    <ds:schemaRef ds:uri="http://schemas.microsoft.com/office/2006/documentManagement/types"/>
-    <ds:schemaRef ds:uri="http://purl.org/dc/terms/"/>
-    <ds:schemaRef ds:uri="http://schemas.microsoft.com/office/2006/metadata/properties"/>
-    <ds:schemaRef ds:uri="http://schemas.openxmlformats.org/package/2006/metadata/core-properties"/>
     <ds:schemaRef ds:uri="9144449b-ba5a-4612-98a9-381e907e54b6"/>
     <ds:schemaRef ds:uri="http://purl.org/dc/elements/1.1/"/>
+    <ds:schemaRef ds:uri="http://schemas.microsoft.com/office/2006/metadata/properties"/>
+    <ds:schemaRef ds:uri="http://schemas.microsoft.com/office/2006/documentManagement/types"/>
+    <ds:schemaRef ds:uri="http://schemas.openxmlformats.org/package/2006/metadata/core-properties"/>
+    <ds:schemaRef ds:uri="http://purl.org/dc/terms/"/>
+    <ds:schemaRef ds:uri="http://purl.org/dc/dcmitype/"/>
+    <ds:schemaRef ds:uri="http://www.w3.org/XML/1998/namespace"/>
+    <ds:schemaRef ds:uri="http://schemas.microsoft.com/office/infopath/2007/PartnerControls"/>
+    <ds:schemaRef ds:uri="230e9df3-be65-4c73-a93b-d1236ebd677e"/>
   </ds:schemaRefs>
 </ds:datastoreItem>
 </file>
